--- a/Report/VDQ_TNL_MuaSamTrucTuyen.pptx
+++ b/Report/VDQ_TNL_MuaSamTrucTuyen.pptx
@@ -227,7 +227,7 @@
           <a:p>
             <a:fld id="{4BDACA7B-76AF-42FA-8C90-59D98D30F665}" type="datetimeFigureOut">
               <a:rPr lang="vi-VN" smtClean="0"/>
-              <a:t>06/12/2023</a:t>
+              <a:t>07/12/2023</a:t>
             </a:fld>
             <a:endParaRPr lang="vi-VN"/>
           </a:p>
@@ -825,7 +825,7 @@
           <a:p>
             <a:fld id="{ED291B17-9318-49DB-B28B-6E5994AE9581}" type="datetime1">
               <a:rPr lang="en-US" smtClean="0"/>
-              <a:t>12/6/2023</a:t>
+              <a:t>12/7/2023</a:t>
             </a:fld>
             <a:endParaRPr lang="en-US"/>
           </a:p>
@@ -1028,7 +1028,7 @@
           <a:p>
             <a:fld id="{2CED4963-E985-44C4-B8C4-FDD613B7C2F8}" type="datetime1">
               <a:rPr lang="en-US" smtClean="0"/>
-              <a:t>12/6/2023</a:t>
+              <a:t>12/7/2023</a:t>
             </a:fld>
             <a:endParaRPr lang="en-US"/>
           </a:p>
@@ -1390,7 +1390,7 @@
           <a:p>
             <a:fld id="{ED291B17-9318-49DB-B28B-6E5994AE9581}" type="datetime1">
               <a:rPr lang="en-US" smtClean="0"/>
-              <a:t>12/6/2023</a:t>
+              <a:t>12/7/2023</a:t>
             </a:fld>
             <a:endParaRPr lang="en-US"/>
           </a:p>
@@ -1536,7 +1536,7 @@
             <a:fld id="{ED3D6733-6F27-4404-AB51-585418F146E5}" type="datetimeFigureOut">
               <a:rPr lang="ko-KR" altLang="en-US" smtClean="0"/>
               <a:pPr/>
-              <a:t>2023-12-06</a:t>
+              <a:t>2023-12-07</a:t>
             </a:fld>
             <a:endParaRPr lang="ko-KR" altLang="en-US"/>
           </a:p>
@@ -1728,7 +1728,7 @@
             <a:fld id="{ED3D6733-6F27-4404-AB51-585418F146E5}" type="datetimeFigureOut">
               <a:rPr lang="ko-KR" altLang="en-US" smtClean="0"/>
               <a:pPr/>
-              <a:t>2023-12-06</a:t>
+              <a:t>2023-12-07</a:t>
             </a:fld>
             <a:endParaRPr lang="ko-KR" altLang="en-US"/>
           </a:p>
@@ -2232,7 +2232,7 @@
           <a:p>
             <a:fld id="{ED291B17-9318-49DB-B28B-6E5994AE9581}" type="datetime1">
               <a:rPr lang="en-US" smtClean="0"/>
-              <a:t>12/6/2023</a:t>
+              <a:t>12/7/2023</a:t>
             </a:fld>
             <a:endParaRPr lang="en-US"/>
           </a:p>
@@ -2402,7 +2402,7 @@
           <a:p>
             <a:fld id="{78DD82B9-B8EE-4375-B6FF-88FA6ABB15D9}" type="datetime1">
               <a:rPr lang="en-US" smtClean="0"/>
-              <a:t>12/6/2023</a:t>
+              <a:t>12/7/2023</a:t>
             </a:fld>
             <a:endParaRPr lang="en-US"/>
           </a:p>
@@ -2660,7 +2660,7 @@
           <a:p>
             <a:fld id="{B2497495-0637-405E-AE64-5CC7506D51F5}" type="datetime1">
               <a:rPr lang="en-US" smtClean="0"/>
-              <a:t>12/6/2023</a:t>
+              <a:t>12/7/2023</a:t>
             </a:fld>
             <a:endParaRPr lang="en-US"/>
           </a:p>
@@ -2948,7 +2948,7 @@
           <a:p>
             <a:fld id="{7BFFD690-9426-415D-8B65-26881E07B2D4}" type="datetime1">
               <a:rPr lang="en-US" smtClean="0"/>
-              <a:t>12/6/2023</a:t>
+              <a:t>12/7/2023</a:t>
             </a:fld>
             <a:endParaRPr lang="en-US"/>
           </a:p>
@@ -3390,7 +3390,7 @@
           <a:p>
             <a:fld id="{04C4989A-474C-40DE-95B9-011C28B71673}" type="datetime1">
               <a:rPr lang="en-US" smtClean="0"/>
-              <a:t>12/6/2023</a:t>
+              <a:t>12/7/2023</a:t>
             </a:fld>
             <a:endParaRPr lang="en-US"/>
           </a:p>
@@ -3508,7 +3508,7 @@
           <a:p>
             <a:fld id="{5DB4ED54-5B5E-4A04-93D3-5772E3CE3818}" type="datetime1">
               <a:rPr lang="en-US" smtClean="0"/>
-              <a:t>12/6/2023</a:t>
+              <a:t>12/7/2023</a:t>
             </a:fld>
             <a:endParaRPr lang="en-US"/>
           </a:p>
@@ -3694,7 +3694,7 @@
           <a:p>
             <a:fld id="{78DD82B9-B8EE-4375-B6FF-88FA6ABB15D9}" type="datetime1">
               <a:rPr lang="en-US" smtClean="0"/>
-              <a:t>12/6/2023</a:t>
+              <a:t>12/7/2023</a:t>
             </a:fld>
             <a:endParaRPr lang="en-US"/>
           </a:p>
@@ -3801,7 +3801,7 @@
           <a:p>
             <a:fld id="{4EDE50D6-574B-40AF-946F-D52A04ADE379}" type="datetime1">
               <a:rPr lang="en-US" smtClean="0"/>
-              <a:t>12/6/2023</a:t>
+              <a:t>12/7/2023</a:t>
             </a:fld>
             <a:endParaRPr lang="en-US"/>
           </a:p>
@@ -4089,7 +4089,7 @@
           <a:p>
             <a:fld id="{D82884F1-FFEA-405F-9602-3DCA865EDA4E}" type="datetime1">
               <a:rPr lang="en-US" smtClean="0"/>
-              <a:t>12/6/2023</a:t>
+              <a:t>12/7/2023</a:t>
             </a:fld>
             <a:endParaRPr lang="en-US"/>
           </a:p>
@@ -4363,7 +4363,7 @@
           <a:p>
             <a:fld id="{7E18DB4A-8810-4A10-AD5C-D5E2C667F5B3}" type="datetime1">
               <a:rPr lang="en-US" smtClean="0"/>
-              <a:t>12/6/2023</a:t>
+              <a:t>12/7/2023</a:t>
             </a:fld>
             <a:endParaRPr lang="en-US"/>
           </a:p>
@@ -4539,7 +4539,7 @@
           <a:p>
             <a:fld id="{2CED4963-E985-44C4-B8C4-FDD613B7C2F8}" type="datetime1">
               <a:rPr lang="en-US" smtClean="0"/>
-              <a:t>12/6/2023</a:t>
+              <a:t>12/7/2023</a:t>
             </a:fld>
             <a:endParaRPr lang="en-US"/>
           </a:p>
@@ -4719,7 +4719,7 @@
           <a:p>
             <a:fld id="{ED291B17-9318-49DB-B28B-6E5994AE9581}" type="datetime1">
               <a:rPr lang="en-US" smtClean="0"/>
-              <a:t>12/6/2023</a:t>
+              <a:t>12/7/2023</a:t>
             </a:fld>
             <a:endParaRPr lang="en-US"/>
           </a:p>
@@ -4956,7 +4956,7 @@
           <a:p>
             <a:fld id="{ED291B17-9318-49DB-B28B-6E5994AE9581}" type="datetime1">
               <a:rPr lang="en-US" smtClean="0"/>
-              <a:t>12/6/2023</a:t>
+              <a:t>12/7/2023</a:t>
             </a:fld>
             <a:endParaRPr lang="en-US"/>
           </a:p>
@@ -5126,7 +5126,7 @@
           <a:p>
             <a:fld id="{78DD82B9-B8EE-4375-B6FF-88FA6ABB15D9}" type="datetime1">
               <a:rPr lang="en-US" smtClean="0"/>
-              <a:t>12/6/2023</a:t>
+              <a:t>12/7/2023</a:t>
             </a:fld>
             <a:endParaRPr lang="en-US"/>
           </a:p>
@@ -5432,7 +5432,7 @@
           <a:p>
             <a:fld id="{B2497495-0637-405E-AE64-5CC7506D51F5}" type="datetime1">
               <a:rPr lang="en-US" smtClean="0"/>
-              <a:t>12/6/2023</a:t>
+              <a:t>12/7/2023</a:t>
             </a:fld>
             <a:endParaRPr lang="en-US"/>
           </a:p>
@@ -5736,7 +5736,7 @@
           <a:p>
             <a:fld id="{7BFFD690-9426-415D-8B65-26881E07B2D4}" type="datetime1">
               <a:rPr lang="en-US" smtClean="0"/>
-              <a:t>12/6/2023</a:t>
+              <a:t>12/7/2023</a:t>
             </a:fld>
             <a:endParaRPr lang="en-US"/>
           </a:p>
@@ -6158,7 +6158,7 @@
           <a:p>
             <a:fld id="{04C4989A-474C-40DE-95B9-011C28B71673}" type="datetime1">
               <a:rPr lang="en-US" smtClean="0"/>
-              <a:t>12/6/2023</a:t>
+              <a:t>12/7/2023</a:t>
             </a:fld>
             <a:endParaRPr lang="en-US"/>
           </a:p>
@@ -6458,7 +6458,7 @@
           <a:p>
             <a:fld id="{B2497495-0637-405E-AE64-5CC7506D51F5}" type="datetime1">
               <a:rPr lang="en-US" smtClean="0"/>
-              <a:t>12/6/2023</a:t>
+              <a:t>12/7/2023</a:t>
             </a:fld>
             <a:endParaRPr lang="en-US"/>
           </a:p>
@@ -6588,7 +6588,7 @@
           <a:p>
             <a:fld id="{5DB4ED54-5B5E-4A04-93D3-5772E3CE3818}" type="datetime1">
               <a:rPr lang="en-US" smtClean="0"/>
-              <a:t>12/6/2023</a:t>
+              <a:t>12/7/2023</a:t>
             </a:fld>
             <a:endParaRPr lang="en-US"/>
           </a:p>
@@ -6683,7 +6683,7 @@
           <a:p>
             <a:fld id="{4EDE50D6-574B-40AF-946F-D52A04ADE379}" type="datetime1">
               <a:rPr lang="en-US" smtClean="0"/>
-              <a:t>12/6/2023</a:t>
+              <a:t>12/7/2023</a:t>
             </a:fld>
             <a:endParaRPr lang="en-US"/>
           </a:p>
@@ -6956,7 +6956,7 @@
           <a:p>
             <a:fld id="{D82884F1-FFEA-405F-9602-3DCA865EDA4E}" type="datetime1">
               <a:rPr lang="en-US" smtClean="0"/>
-              <a:t>12/6/2023</a:t>
+              <a:t>12/7/2023</a:t>
             </a:fld>
             <a:endParaRPr lang="en-US"/>
           </a:p>
@@ -7222,7 +7222,7 @@
           <a:p>
             <a:fld id="{7E18DB4A-8810-4A10-AD5C-D5E2C667F5B3}" type="datetime1">
               <a:rPr lang="en-US" smtClean="0"/>
-              <a:t>12/6/2023</a:t>
+              <a:t>12/7/2023</a:t>
             </a:fld>
             <a:endParaRPr lang="en-US"/>
           </a:p>
@@ -7393,7 +7393,7 @@
           <a:p>
             <a:fld id="{2CED4963-E985-44C4-B8C4-FDD613B7C2F8}" type="datetime1">
               <a:rPr lang="en-US" smtClean="0"/>
-              <a:t>12/6/2023</a:t>
+              <a:t>12/7/2023</a:t>
             </a:fld>
             <a:endParaRPr lang="en-US"/>
           </a:p>
@@ -7616,7 +7616,7 @@
           <a:p>
             <a:fld id="{ED291B17-9318-49DB-B28B-6E5994AE9581}" type="datetime1">
               <a:rPr lang="en-US" smtClean="0"/>
-              <a:t>12/6/2023</a:t>
+              <a:t>12/7/2023</a:t>
             </a:fld>
             <a:endParaRPr lang="en-US"/>
           </a:p>
@@ -8189,7 +8189,7 @@
           <a:p>
             <a:fld id="{ED291B17-9318-49DB-B28B-6E5994AE9581}" type="datetime1">
               <a:rPr lang="en-US" smtClean="0"/>
-              <a:t>12/6/2023</a:t>
+              <a:t>12/7/2023</a:t>
             </a:fld>
             <a:endParaRPr lang="en-US"/>
           </a:p>
@@ -8364,7 +8364,7 @@
           <a:p>
             <a:fld id="{78DD82B9-B8EE-4375-B6FF-88FA6ABB15D9}" type="datetime1">
               <a:rPr lang="en-US" smtClean="0"/>
-              <a:t>12/6/2023</a:t>
+              <a:t>12/7/2023</a:t>
             </a:fld>
             <a:endParaRPr lang="en-US"/>
           </a:p>
@@ -8615,7 +8615,7 @@
           <a:p>
             <a:fld id="{B2497495-0637-405E-AE64-5CC7506D51F5}" type="datetime1">
               <a:rPr lang="en-US" smtClean="0"/>
-              <a:t>12/6/2023</a:t>
+              <a:t>12/7/2023</a:t>
             </a:fld>
             <a:endParaRPr lang="en-US"/>
           </a:p>
@@ -8912,7 +8912,7 @@
           <a:p>
             <a:fld id="{7BFFD690-9426-415D-8B65-26881E07B2D4}" type="datetime1">
               <a:rPr lang="en-US" smtClean="0"/>
-              <a:t>12/6/2023</a:t>
+              <a:t>12/7/2023</a:t>
             </a:fld>
             <a:endParaRPr lang="en-US"/>
           </a:p>
@@ -9153,7 +9153,7 @@
           <a:p>
             <a:fld id="{7BFFD690-9426-415D-8B65-26881E07B2D4}" type="datetime1">
               <a:rPr lang="en-US" smtClean="0"/>
-              <a:t>12/6/2023</a:t>
+              <a:t>12/7/2023</a:t>
             </a:fld>
             <a:endParaRPr lang="en-US"/>
           </a:p>
@@ -9595,7 +9595,7 @@
           <a:p>
             <a:fld id="{04C4989A-474C-40DE-95B9-011C28B71673}" type="datetime1">
               <a:rPr lang="en-US" smtClean="0"/>
-              <a:t>12/6/2023</a:t>
+              <a:t>12/7/2023</a:t>
             </a:fld>
             <a:endParaRPr lang="en-US"/>
           </a:p>
@@ -9713,7 +9713,7 @@
           <a:p>
             <a:fld id="{5DB4ED54-5B5E-4A04-93D3-5772E3CE3818}" type="datetime1">
               <a:rPr lang="en-US" smtClean="0"/>
-              <a:t>12/6/2023</a:t>
+              <a:t>12/7/2023</a:t>
             </a:fld>
             <a:endParaRPr lang="en-US"/>
           </a:p>
@@ -9808,7 +9808,7 @@
           <a:p>
             <a:fld id="{4EDE50D6-574B-40AF-946F-D52A04ADE379}" type="datetime1">
               <a:rPr lang="en-US" smtClean="0"/>
-              <a:t>12/6/2023</a:t>
+              <a:t>12/7/2023</a:t>
             </a:fld>
             <a:endParaRPr lang="en-US"/>
           </a:p>
@@ -10091,7 +10091,7 @@
           <a:p>
             <a:fld id="{D82884F1-FFEA-405F-9602-3DCA865EDA4E}" type="datetime1">
               <a:rPr lang="en-US" smtClean="0"/>
-              <a:t>12/6/2023</a:t>
+              <a:t>12/7/2023</a:t>
             </a:fld>
             <a:endParaRPr lang="en-US"/>
           </a:p>
@@ -10383,7 +10383,7 @@
           <a:p>
             <a:fld id="{7E18DB4A-8810-4A10-AD5C-D5E2C667F5B3}" type="datetime1">
               <a:rPr lang="en-US" smtClean="0"/>
-              <a:t>12/6/2023</a:t>
+              <a:t>12/7/2023</a:t>
             </a:fld>
             <a:endParaRPr lang="en-US"/>
           </a:p>
@@ -10675,7 +10675,7 @@
           <a:p>
             <a:fld id="{ED291B17-9318-49DB-B28B-6E5994AE9581}" type="datetime1">
               <a:rPr lang="en-US" smtClean="0"/>
-              <a:t>12/6/2023</a:t>
+              <a:t>12/7/2023</a:t>
             </a:fld>
             <a:endParaRPr lang="en-US"/>
           </a:p>
@@ -10924,7 +10924,7 @@
           <a:p>
             <a:fld id="{ED291B17-9318-49DB-B28B-6E5994AE9581}" type="datetime1">
               <a:rPr lang="en-US" smtClean="0"/>
-              <a:t>12/6/2023</a:t>
+              <a:t>12/7/2023</a:t>
             </a:fld>
             <a:endParaRPr lang="en-US"/>
           </a:p>
@@ -11465,7 +11465,7 @@
           <a:p>
             <a:fld id="{ED291B17-9318-49DB-B28B-6E5994AE9581}" type="datetime1">
               <a:rPr lang="en-US" smtClean="0"/>
-              <a:t>12/6/2023</a:t>
+              <a:t>12/7/2023</a:t>
             </a:fld>
             <a:endParaRPr lang="en-US"/>
           </a:p>
@@ -11714,7 +11714,7 @@
           <a:p>
             <a:fld id="{ED291B17-9318-49DB-B28B-6E5994AE9581}" type="datetime1">
               <a:rPr lang="en-US" smtClean="0"/>
-              <a:t>12/6/2023</a:t>
+              <a:t>12/7/2023</a:t>
             </a:fld>
             <a:endParaRPr lang="en-US"/>
           </a:p>
@@ -12247,7 +12247,7 @@
           <a:p>
             <a:fld id="{ED291B17-9318-49DB-B28B-6E5994AE9581}" type="datetime1">
               <a:rPr lang="en-US" smtClean="0"/>
-              <a:t>12/6/2023</a:t>
+              <a:t>12/7/2023</a:t>
             </a:fld>
             <a:endParaRPr lang="en-US"/>
           </a:p>
@@ -12670,7 +12670,7 @@
           <a:p>
             <a:fld id="{04C4989A-474C-40DE-95B9-011C28B71673}" type="datetime1">
               <a:rPr lang="en-US" smtClean="0"/>
-              <a:t>12/6/2023</a:t>
+              <a:t>12/7/2023</a:t>
             </a:fld>
             <a:endParaRPr lang="en-US"/>
           </a:p>
@@ -12967,7 +12967,7 @@
           <a:p>
             <a:fld id="{ED291B17-9318-49DB-B28B-6E5994AE9581}" type="datetime1">
               <a:rPr lang="en-US" smtClean="0"/>
-              <a:t>12/6/2023</a:t>
+              <a:t>12/7/2023</a:t>
             </a:fld>
             <a:endParaRPr lang="en-US"/>
           </a:p>
@@ -13142,7 +13142,7 @@
           <a:p>
             <a:fld id="{2CED4963-E985-44C4-B8C4-FDD613B7C2F8}" type="datetime1">
               <a:rPr lang="en-US" smtClean="0"/>
-              <a:t>12/6/2023</a:t>
+              <a:t>12/7/2023</a:t>
             </a:fld>
             <a:endParaRPr lang="en-US"/>
           </a:p>
@@ -13322,7 +13322,7 @@
           <a:p>
             <a:fld id="{ED291B17-9318-49DB-B28B-6E5994AE9581}" type="datetime1">
               <a:rPr lang="en-US" smtClean="0"/>
-              <a:t>12/6/2023</a:t>
+              <a:t>12/7/2023</a:t>
             </a:fld>
             <a:endParaRPr lang="en-US"/>
           </a:p>
@@ -22176,7 +22176,7 @@
           <a:p>
             <a:fld id="{ED291B17-9318-49DB-B28B-6E5994AE9581}" type="datetime1">
               <a:rPr lang="en-US" smtClean="0"/>
-              <a:t>12/6/2023</a:t>
+              <a:t>12/7/2023</a:t>
             </a:fld>
             <a:endParaRPr lang="en-US"/>
           </a:p>
@@ -22383,7 +22383,7 @@
           <a:p>
             <a:fld id="{78DD82B9-B8EE-4375-B6FF-88FA6ABB15D9}" type="datetime1">
               <a:rPr lang="en-US" smtClean="0"/>
-              <a:t>12/6/2023</a:t>
+              <a:t>12/7/2023</a:t>
             </a:fld>
             <a:endParaRPr lang="en-US"/>
           </a:p>
@@ -31281,7 +31281,7 @@
           <a:p>
             <a:fld id="{B2497495-0637-405E-AE64-5CC7506D51F5}" type="datetime1">
               <a:rPr lang="en-US" smtClean="0"/>
-              <a:t>12/6/2023</a:t>
+              <a:t>12/7/2023</a:t>
             </a:fld>
             <a:endParaRPr lang="en-US"/>
           </a:p>
@@ -31555,7 +31555,7 @@
           <a:p>
             <a:fld id="{7BFFD690-9426-415D-8B65-26881E07B2D4}" type="datetime1">
               <a:rPr lang="en-US" smtClean="0"/>
-              <a:t>12/6/2023</a:t>
+              <a:t>12/7/2023</a:t>
             </a:fld>
             <a:endParaRPr lang="en-US"/>
           </a:p>
@@ -31953,7 +31953,7 @@
           <a:p>
             <a:fld id="{04C4989A-474C-40DE-95B9-011C28B71673}" type="datetime1">
               <a:rPr lang="en-US" smtClean="0"/>
-              <a:t>12/6/2023</a:t>
+              <a:t>12/7/2023</a:t>
             </a:fld>
             <a:endParaRPr lang="en-US"/>
           </a:p>
@@ -32071,7 +32071,7 @@
           <a:p>
             <a:fld id="{5DB4ED54-5B5E-4A04-93D3-5772E3CE3818}" type="datetime1">
               <a:rPr lang="en-US" smtClean="0"/>
-              <a:t>12/6/2023</a:t>
+              <a:t>12/7/2023</a:t>
             </a:fld>
             <a:endParaRPr lang="en-US"/>
           </a:p>
@@ -32166,7 +32166,7 @@
           <a:p>
             <a:fld id="{4EDE50D6-574B-40AF-946F-D52A04ADE379}" type="datetime1">
               <a:rPr lang="en-US" smtClean="0"/>
-              <a:t>12/6/2023</a:t>
+              <a:t>12/7/2023</a:t>
             </a:fld>
             <a:endParaRPr lang="en-US"/>
           </a:p>
@@ -32289,7 +32289,7 @@
           <a:p>
             <a:fld id="{5DB4ED54-5B5E-4A04-93D3-5772E3CE3818}" type="datetime1">
               <a:rPr lang="en-US" smtClean="0"/>
-              <a:t>12/6/2023</a:t>
+              <a:t>12/7/2023</a:t>
             </a:fld>
             <a:endParaRPr lang="en-US"/>
           </a:p>
@@ -32579,7 +32579,7 @@
           <a:p>
             <a:fld id="{D82884F1-FFEA-405F-9602-3DCA865EDA4E}" type="datetime1">
               <a:rPr lang="en-US" smtClean="0"/>
-              <a:t>12/6/2023</a:t>
+              <a:t>12/7/2023</a:t>
             </a:fld>
             <a:endParaRPr lang="en-US"/>
           </a:p>
@@ -32860,7 +32860,7 @@
           <a:p>
             <a:fld id="{7E18DB4A-8810-4A10-AD5C-D5E2C667F5B3}" type="datetime1">
               <a:rPr lang="en-US" smtClean="0"/>
-              <a:t>12/6/2023</a:t>
+              <a:t>12/7/2023</a:t>
             </a:fld>
             <a:endParaRPr lang="en-US"/>
           </a:p>
@@ -33066,7 +33066,7 @@
           <a:p>
             <a:fld id="{2CED4963-E985-44C4-B8C4-FDD613B7C2F8}" type="datetime1">
               <a:rPr lang="en-US" smtClean="0"/>
-              <a:t>12/6/2023</a:t>
+              <a:t>12/7/2023</a:t>
             </a:fld>
             <a:endParaRPr lang="en-US"/>
           </a:p>
@@ -33246,7 +33246,7 @@
           <a:p>
             <a:fld id="{ED291B17-9318-49DB-B28B-6E5994AE9581}" type="datetime1">
               <a:rPr lang="en-US" smtClean="0"/>
-              <a:t>12/6/2023</a:t>
+              <a:t>12/7/2023</a:t>
             </a:fld>
             <a:endParaRPr lang="en-US"/>
           </a:p>
@@ -33491,7 +33491,7 @@
           <a:p>
             <a:fld id="{ED291B17-9318-49DB-B28B-6E5994AE9581}" type="datetime1">
               <a:rPr lang="en-US" smtClean="0"/>
-              <a:t>12/6/2023</a:t>
+              <a:t>12/7/2023</a:t>
             </a:fld>
             <a:endParaRPr lang="en-US"/>
           </a:p>
@@ -33691,7 +33691,7 @@
           <a:p>
             <a:fld id="{78DD82B9-B8EE-4375-B6FF-88FA6ABB15D9}" type="datetime1">
               <a:rPr lang="en-US" smtClean="0"/>
-              <a:t>12/6/2023</a:t>
+              <a:t>12/7/2023</a:t>
             </a:fld>
             <a:endParaRPr lang="en-US"/>
           </a:p>
@@ -33967,7 +33967,7 @@
           <a:p>
             <a:fld id="{B2497495-0637-405E-AE64-5CC7506D51F5}" type="datetime1">
               <a:rPr lang="en-US" smtClean="0"/>
-              <a:t>12/6/2023</a:t>
+              <a:t>12/7/2023</a:t>
             </a:fld>
             <a:endParaRPr lang="en-US"/>
           </a:p>
@@ -34235,7 +34235,7 @@
           <a:p>
             <a:fld id="{7BFFD690-9426-415D-8B65-26881E07B2D4}" type="datetime1">
               <a:rPr lang="en-US" smtClean="0"/>
-              <a:t>12/6/2023</a:t>
+              <a:t>12/7/2023</a:t>
             </a:fld>
             <a:endParaRPr lang="en-US"/>
           </a:p>
@@ -34650,7 +34650,7 @@
           <a:p>
             <a:fld id="{04C4989A-474C-40DE-95B9-011C28B71673}" type="datetime1">
               <a:rPr lang="en-US" smtClean="0"/>
-              <a:t>12/6/2023</a:t>
+              <a:t>12/7/2023</a:t>
             </a:fld>
             <a:endParaRPr lang="en-US"/>
           </a:p>
@@ -34792,7 +34792,7 @@
           <a:p>
             <a:fld id="{5DB4ED54-5B5E-4A04-93D3-5772E3CE3818}" type="datetime1">
               <a:rPr lang="en-US" smtClean="0"/>
-              <a:t>12/6/2023</a:t>
+              <a:t>12/7/2023</a:t>
             </a:fld>
             <a:endParaRPr lang="en-US"/>
           </a:p>
@@ -34899,7 +34899,7 @@
           <a:p>
             <a:fld id="{4EDE50D6-574B-40AF-946F-D52A04ADE379}" type="datetime1">
               <a:rPr lang="en-US" smtClean="0"/>
-              <a:t>12/6/2023</a:t>
+              <a:t>12/7/2023</a:t>
             </a:fld>
             <a:endParaRPr lang="en-US"/>
           </a:p>
@@ -35000,7 +35000,7 @@
           <a:p>
             <a:fld id="{4EDE50D6-574B-40AF-946F-D52A04ADE379}" type="datetime1">
               <a:rPr lang="en-US" smtClean="0"/>
-              <a:t>12/6/2023</a:t>
+              <a:t>12/7/2023</a:t>
             </a:fld>
             <a:endParaRPr lang="en-US"/>
           </a:p>
@@ -35313,7 +35313,7 @@
           <a:p>
             <a:fld id="{D82884F1-FFEA-405F-9602-3DCA865EDA4E}" type="datetime1">
               <a:rPr lang="en-US" smtClean="0"/>
-              <a:t>12/6/2023</a:t>
+              <a:t>12/7/2023</a:t>
             </a:fld>
             <a:endParaRPr lang="en-US"/>
           </a:p>
@@ -35603,7 +35603,7 @@
           <a:p>
             <a:fld id="{7E18DB4A-8810-4A10-AD5C-D5E2C667F5B3}" type="datetime1">
               <a:rPr lang="en-US" smtClean="0"/>
-              <a:t>12/6/2023</a:t>
+              <a:t>12/7/2023</a:t>
             </a:fld>
             <a:endParaRPr lang="en-US"/>
           </a:p>
@@ -35804,7 +35804,7 @@
           <a:p>
             <a:fld id="{2CED4963-E985-44C4-B8C4-FDD613B7C2F8}" type="datetime1">
               <a:rPr lang="en-US" smtClean="0"/>
-              <a:t>12/6/2023</a:t>
+              <a:t>12/7/2023</a:t>
             </a:fld>
             <a:endParaRPr lang="en-US"/>
           </a:p>
@@ -36014,7 +36014,7 @@
           <a:p>
             <a:fld id="{ED291B17-9318-49DB-B28B-6E5994AE9581}" type="datetime1">
               <a:rPr lang="en-US" smtClean="0"/>
-              <a:t>12/6/2023</a:t>
+              <a:t>12/7/2023</a:t>
             </a:fld>
             <a:endParaRPr lang="en-US"/>
           </a:p>
@@ -36403,7 +36403,7 @@
           <a:p>
             <a:fld id="{D82884F1-FFEA-405F-9602-3DCA865EDA4E}" type="datetime1">
               <a:rPr lang="en-US" smtClean="0"/>
-              <a:t>12/6/2023</a:t>
+              <a:t>12/7/2023</a:t>
             </a:fld>
             <a:endParaRPr lang="en-US"/>
           </a:p>
@@ -36695,7 +36695,7 @@
           <a:p>
             <a:fld id="{7E18DB4A-8810-4A10-AD5C-D5E2C667F5B3}" type="datetime1">
               <a:rPr lang="en-US" smtClean="0"/>
-              <a:t>12/6/2023</a:t>
+              <a:t>12/7/2023</a:t>
             </a:fld>
             <a:endParaRPr lang="en-US"/>
           </a:p>
@@ -36910,7 +36910,7 @@
           <a:p>
             <a:fld id="{ED291B17-9318-49DB-B28B-6E5994AE9581}" type="datetime1">
               <a:rPr lang="en-US" smtClean="0"/>
-              <a:t>12/6/2023</a:t>
+              <a:t>12/7/2023</a:t>
             </a:fld>
             <a:endParaRPr lang="en-US"/>
           </a:p>
@@ -37758,7 +37758,7 @@
           <a:p>
             <a:fld id="{ED291B17-9318-49DB-B28B-6E5994AE9581}" type="datetime1">
               <a:rPr lang="en-US" smtClean="0"/>
-              <a:t>12/6/2023</a:t>
+              <a:t>12/7/2023</a:t>
             </a:fld>
             <a:endParaRPr lang="en-US"/>
           </a:p>
@@ -38412,7 +38412,7 @@
           <a:p>
             <a:fld id="{ED291B17-9318-49DB-B28B-6E5994AE9581}" type="datetime1">
               <a:rPr lang="en-US" smtClean="0"/>
-              <a:t>12/6/2023</a:t>
+              <a:t>12/7/2023</a:t>
             </a:fld>
             <a:endParaRPr lang="en-US"/>
           </a:p>
@@ -39320,7 +39320,7 @@
           <a:p>
             <a:fld id="{ED291B17-9318-49DB-B28B-6E5994AE9581}" type="datetime1">
               <a:rPr lang="en-US" smtClean="0"/>
-              <a:t>12/6/2023</a:t>
+              <a:t>12/7/2023</a:t>
             </a:fld>
             <a:endParaRPr lang="en-US"/>
           </a:p>
@@ -39989,7 +39989,7 @@
           <a:p>
             <a:fld id="{ED291B17-9318-49DB-B28B-6E5994AE9581}" type="datetime1">
               <a:rPr lang="en-US" smtClean="0"/>
-              <a:t>12/6/2023</a:t>
+              <a:t>12/7/2023</a:t>
             </a:fld>
             <a:endParaRPr lang="en-US"/>
           </a:p>
@@ -40645,7 +40645,7 @@
           <a:p>
             <a:fld id="{ED291B17-9318-49DB-B28B-6E5994AE9581}" type="datetime1">
               <a:rPr lang="en-US" smtClean="0"/>
-              <a:t>12/6/2023</a:t>
+              <a:t>12/7/2023</a:t>
             </a:fld>
             <a:endParaRPr lang="en-US"/>
           </a:p>
@@ -41716,40 +41716,6 @@
       </p:sp>
       <p:pic>
         <p:nvPicPr>
-          <p:cNvPr id="13" name="Picture 12">
-            <a:extLst>
-              <a:ext uri="{FF2B5EF4-FFF2-40B4-BE49-F238E27FC236}">
-                <a16:creationId xmlns:a16="http://schemas.microsoft.com/office/drawing/2014/main" id="{1719DED2-89D8-4D05-826E-7D7D896BF7DA}"/>
-              </a:ext>
-            </a:extLst>
-          </p:cNvPr>
-          <p:cNvPicPr/>
-          <p:nvPr/>
-        </p:nvPicPr>
-        <p:blipFill>
-          <a:blip r:embed="rId2" cstate="print">
-            <a:extLst>
-              <a:ext uri="{28A0092B-C50C-407E-A947-70E740481C1C}">
-                <a14:useLocalDpi xmlns:a14="http://schemas.microsoft.com/office/drawing/2010/main" val="0"/>
-              </a:ext>
-            </a:extLst>
-          </a:blip>
-          <a:stretch>
-            <a:fillRect/>
-          </a:stretch>
-        </p:blipFill>
-        <p:spPr>
-          <a:xfrm>
-            <a:off x="1912418" y="2587296"/>
-            <a:ext cx="8367164" cy="1683408"/>
-          </a:xfrm>
-          <a:prstGeom prst="rect">
-            <a:avLst/>
-          </a:prstGeom>
-        </p:spPr>
-      </p:pic>
-      <p:pic>
-        <p:nvPicPr>
           <p:cNvPr id="14" name="Picture 13">
             <a:extLst>
               <a:ext uri="{FF2B5EF4-FFF2-40B4-BE49-F238E27FC236}">
@@ -41761,14 +41727,14 @@
           <p:nvPr/>
         </p:nvPicPr>
         <p:blipFill>
-          <a:blip r:embed="rId3"/>
+          <a:blip r:embed="rId2"/>
           <a:stretch>
             <a:fillRect/>
           </a:stretch>
         </p:blipFill>
         <p:spPr>
           <a:xfrm>
-            <a:off x="688976" y="248052"/>
+            <a:off x="1058233" y="381757"/>
             <a:ext cx="10729505" cy="6188304"/>
           </a:xfrm>
           <a:prstGeom prst="rect">
@@ -41789,14 +41755,14 @@
           <p:nvPr/>
         </p:nvPicPr>
         <p:blipFill>
-          <a:blip r:embed="rId4"/>
+          <a:blip r:embed="rId3"/>
           <a:stretch>
             <a:fillRect/>
           </a:stretch>
         </p:blipFill>
         <p:spPr>
           <a:xfrm>
-            <a:off x="3228575" y="2091872"/>
+            <a:off x="3228575" y="2704004"/>
             <a:ext cx="5734850" cy="2500663"/>
           </a:xfrm>
           <a:prstGeom prst="rect">
@@ -41817,14 +41783,14 @@
           <p:nvPr/>
         </p:nvPicPr>
         <p:blipFill>
-          <a:blip r:embed="rId5"/>
+          <a:blip r:embed="rId4"/>
           <a:stretch>
             <a:fillRect/>
           </a:stretch>
         </p:blipFill>
         <p:spPr>
           <a:xfrm>
-            <a:off x="688975" y="248051"/>
+            <a:off x="1058232" y="381757"/>
             <a:ext cx="10729505" cy="6188304"/>
           </a:xfrm>
           <a:prstGeom prst="rect">
@@ -41845,14 +41811,14 @@
           <p:nvPr/>
         </p:nvPicPr>
         <p:blipFill>
-          <a:blip r:embed="rId6"/>
+          <a:blip r:embed="rId5"/>
           <a:stretch>
             <a:fillRect/>
           </a:stretch>
         </p:blipFill>
         <p:spPr>
           <a:xfrm>
-            <a:off x="4245453" y="2745485"/>
+            <a:off x="4174770" y="2803583"/>
             <a:ext cx="4496428" cy="1367030"/>
           </a:xfrm>
           <a:prstGeom prst="rect">
@@ -41894,9 +41860,6 @@
                     <p:cTn id="3" fill="hold">
                       <p:stCondLst>
                         <p:cond delay="indefinite"/>
-                        <p:cond evt="onBegin" delay="0">
-                          <p:tn val="2"/>
-                        </p:cond>
                       </p:stCondLst>
                       <p:childTnLst>
                         <p:par>
@@ -41906,7 +41869,7 @@
                             </p:stCondLst>
                             <p:childTnLst>
                               <p:par>
-                                <p:cTn id="5" presetID="14" presetClass="entr" presetSubtype="10" fill="hold" nodeType="afterEffect">
+                                <p:cTn id="5" presetID="22" presetClass="entr" presetSubtype="4" fill="hold" nodeType="clickEffect">
                                   <p:stCondLst>
                                     <p:cond delay="0"/>
                                   </p:stCondLst>
@@ -41919,7 +41882,7 @@
                                           </p:stCondLst>
                                         </p:cTn>
                                         <p:tgtEl>
-                                          <p:spTgt spid="13"/>
+                                          <p:spTgt spid="14"/>
                                         </p:tgtEl>
                                         <p:attrNameLst>
                                           <p:attrName>style.visibility</p:attrName>
@@ -41929,11 +41892,11 @@
                                         <p:strVal val="visible"/>
                                       </p:to>
                                     </p:set>
-                                    <p:animEffect transition="in" filter="randombar(horizontal)">
+                                    <p:animEffect transition="in" filter="wipe(down)">
                                       <p:cBhvr>
                                         <p:cTn id="7" dur="500"/>
                                         <p:tgtEl>
-                                          <p:spTgt spid="13"/>
+                                          <p:spTgt spid="14"/>
                                         </p:tgtEl>
                                       </p:cBhvr>
                                     </p:animEffect>
@@ -41959,111 +41922,14 @@
                             </p:stCondLst>
                             <p:childTnLst>
                               <p:par>
-                                <p:cTn id="10" presetID="10" presetClass="exit" presetSubtype="0" fill="hold" nodeType="clickEffect">
+                                <p:cTn id="10" presetID="42" presetClass="exit" presetSubtype="0" fill="hold" nodeType="clickEffect">
                                   <p:stCondLst>
                                     <p:cond delay="0"/>
                                   </p:stCondLst>
                                   <p:childTnLst>
                                     <p:animEffect transition="out" filter="fade">
                                       <p:cBhvr>
-                                        <p:cTn id="11" dur="500"/>
-                                        <p:tgtEl>
-                                          <p:spTgt spid="13"/>
-                                        </p:tgtEl>
-                                      </p:cBhvr>
-                                    </p:animEffect>
-                                    <p:set>
-                                      <p:cBhvr>
-                                        <p:cTn id="12" dur="1" fill="hold">
-                                          <p:stCondLst>
-                                            <p:cond delay="499"/>
-                                          </p:stCondLst>
-                                        </p:cTn>
-                                        <p:tgtEl>
-                                          <p:spTgt spid="13"/>
-                                        </p:tgtEl>
-                                        <p:attrNameLst>
-                                          <p:attrName>style.visibility</p:attrName>
-                                        </p:attrNameLst>
-                                      </p:cBhvr>
-                                      <p:to>
-                                        <p:strVal val="hidden"/>
-                                      </p:to>
-                                    </p:set>
-                                  </p:childTnLst>
-                                </p:cTn>
-                              </p:par>
-                            </p:childTnLst>
-                          </p:cTn>
-                        </p:par>
-                        <p:par>
-                          <p:cTn id="13" fill="hold">
-                            <p:stCondLst>
-                              <p:cond delay="500"/>
-                            </p:stCondLst>
-                            <p:childTnLst>
-                              <p:par>
-                                <p:cTn id="14" presetID="22" presetClass="entr" presetSubtype="4" fill="hold" nodeType="afterEffect">
-                                  <p:stCondLst>
-                                    <p:cond delay="0"/>
-                                  </p:stCondLst>
-                                  <p:childTnLst>
-                                    <p:set>
-                                      <p:cBhvr>
-                                        <p:cTn id="15" dur="1" fill="hold">
-                                          <p:stCondLst>
-                                            <p:cond delay="0"/>
-                                          </p:stCondLst>
-                                        </p:cTn>
-                                        <p:tgtEl>
-                                          <p:spTgt spid="14"/>
-                                        </p:tgtEl>
-                                        <p:attrNameLst>
-                                          <p:attrName>style.visibility</p:attrName>
-                                        </p:attrNameLst>
-                                      </p:cBhvr>
-                                      <p:to>
-                                        <p:strVal val="visible"/>
-                                      </p:to>
-                                    </p:set>
-                                    <p:animEffect transition="in" filter="wipe(down)">
-                                      <p:cBhvr>
-                                        <p:cTn id="16" dur="500"/>
-                                        <p:tgtEl>
-                                          <p:spTgt spid="14"/>
-                                        </p:tgtEl>
-                                      </p:cBhvr>
-                                    </p:animEffect>
-                                  </p:childTnLst>
-                                </p:cTn>
-                              </p:par>
-                            </p:childTnLst>
-                          </p:cTn>
-                        </p:par>
-                      </p:childTnLst>
-                    </p:cTn>
-                  </p:par>
-                  <p:par>
-                    <p:cTn id="17" fill="hold">
-                      <p:stCondLst>
-                        <p:cond delay="indefinite"/>
-                      </p:stCondLst>
-                      <p:childTnLst>
-                        <p:par>
-                          <p:cTn id="18" fill="hold">
-                            <p:stCondLst>
-                              <p:cond delay="0"/>
-                            </p:stCondLst>
-                            <p:childTnLst>
-                              <p:par>
-                                <p:cTn id="19" presetID="42" presetClass="exit" presetSubtype="0" fill="hold" nodeType="clickEffect">
-                                  <p:stCondLst>
-                                    <p:cond delay="0"/>
-                                  </p:stCondLst>
-                                  <p:childTnLst>
-                                    <p:animEffect transition="out" filter="fade">
-                                      <p:cBhvr>
-                                        <p:cTn id="20" dur="1000"/>
+                                        <p:cTn id="11" dur="1000"/>
                                         <p:tgtEl>
                                           <p:spTgt spid="14"/>
                                         </p:tgtEl>
@@ -42071,7 +41937,7 @@
                                     </p:animEffect>
                                     <p:anim calcmode="lin" valueType="num">
                                       <p:cBhvr>
-                                        <p:cTn id="21" dur="1000"/>
+                                        <p:cTn id="12" dur="1000"/>
                                         <p:tgtEl>
                                           <p:spTgt spid="14"/>
                                         </p:tgtEl>
@@ -42094,7 +41960,7 @@
                                     </p:anim>
                                     <p:anim calcmode="lin" valueType="num">
                                       <p:cBhvr>
-                                        <p:cTn id="22" dur="1000"/>
+                                        <p:cTn id="13" dur="1000"/>
                                         <p:tgtEl>
                                           <p:spTgt spid="14"/>
                                         </p:tgtEl>
@@ -42117,7 +41983,7 @@
                                     </p:anim>
                                     <p:set>
                                       <p:cBhvr>
-                                        <p:cTn id="23" dur="1" fill="hold">
+                                        <p:cTn id="14" dur="1" fill="hold">
                                           <p:stCondLst>
                                             <p:cond delay="999"/>
                                           </p:stCondLst>
@@ -42140,20 +42006,20 @@
                           </p:cTn>
                         </p:par>
                         <p:par>
-                          <p:cTn id="24" fill="hold">
+                          <p:cTn id="15" fill="hold">
                             <p:stCondLst>
                               <p:cond delay="1000"/>
                             </p:stCondLst>
                             <p:childTnLst>
                               <p:par>
-                                <p:cTn id="25" presetID="1" presetClass="entr" presetSubtype="0" fill="hold" nodeType="afterEffect">
+                                <p:cTn id="16" presetID="1" presetClass="entr" presetSubtype="0" fill="hold" nodeType="afterEffect">
                                   <p:stCondLst>
                                     <p:cond delay="0"/>
                                   </p:stCondLst>
                                   <p:childTnLst>
                                     <p:set>
                                       <p:cBhvr>
-                                        <p:cTn id="26" dur="1" fill="hold">
+                                        <p:cTn id="17" dur="1" fill="hold">
                                           <p:stCondLst>
                                             <p:cond delay="0"/>
                                           </p:stCondLst>
@@ -42179,26 +42045,26 @@
                     </p:cTn>
                   </p:par>
                   <p:par>
-                    <p:cTn id="27" fill="hold">
+                    <p:cTn id="18" fill="hold">
                       <p:stCondLst>
                         <p:cond delay="indefinite"/>
                       </p:stCondLst>
                       <p:childTnLst>
                         <p:par>
-                          <p:cTn id="28" fill="hold">
+                          <p:cTn id="19" fill="hold">
                             <p:stCondLst>
                               <p:cond delay="0"/>
                             </p:stCondLst>
                             <p:childTnLst>
                               <p:par>
-                                <p:cTn id="29" presetID="16" presetClass="exit" presetSubtype="21" fill="hold" nodeType="clickEffect">
+                                <p:cTn id="20" presetID="16" presetClass="exit" presetSubtype="21" fill="hold" nodeType="clickEffect">
                                   <p:stCondLst>
                                     <p:cond delay="0"/>
                                   </p:stCondLst>
                                   <p:childTnLst>
                                     <p:animEffect transition="out" filter="barn(inVertical)">
                                       <p:cBhvr>
-                                        <p:cTn id="30" dur="500"/>
+                                        <p:cTn id="21" dur="500"/>
                                         <p:tgtEl>
                                           <p:spTgt spid="15"/>
                                         </p:tgtEl>
@@ -42206,7 +42072,7 @@
                                     </p:animEffect>
                                     <p:set>
                                       <p:cBhvr>
-                                        <p:cTn id="31" dur="1" fill="hold">
+                                        <p:cTn id="22" dur="1" fill="hold">
                                           <p:stCondLst>
                                             <p:cond delay="499"/>
                                           </p:stCondLst>
@@ -42229,20 +42095,20 @@
                           </p:cTn>
                         </p:par>
                         <p:par>
-                          <p:cTn id="32" fill="hold">
+                          <p:cTn id="23" fill="hold">
                             <p:stCondLst>
                               <p:cond delay="500"/>
                             </p:stCondLst>
                             <p:childTnLst>
                               <p:par>
-                                <p:cTn id="33" presetID="16" presetClass="entr" presetSubtype="21" fill="hold" nodeType="afterEffect">
+                                <p:cTn id="24" presetID="16" presetClass="entr" presetSubtype="21" fill="hold" nodeType="afterEffect">
                                   <p:stCondLst>
                                     <p:cond delay="0"/>
                                   </p:stCondLst>
                                   <p:childTnLst>
                                     <p:set>
                                       <p:cBhvr>
-                                        <p:cTn id="34" dur="1" fill="hold">
+                                        <p:cTn id="25" dur="1" fill="hold">
                                           <p:stCondLst>
                                             <p:cond delay="0"/>
                                           </p:stCondLst>
@@ -42260,7 +42126,7 @@
                                     </p:set>
                                     <p:animEffect transition="in" filter="barn(inVertical)">
                                       <p:cBhvr>
-                                        <p:cTn id="35" dur="500"/>
+                                        <p:cTn id="26" dur="500"/>
                                         <p:tgtEl>
                                           <p:spTgt spid="16"/>
                                         </p:tgtEl>
@@ -42276,26 +42142,26 @@
                     </p:cTn>
                   </p:par>
                   <p:par>
-                    <p:cTn id="36" fill="hold">
+                    <p:cTn id="27" fill="hold">
                       <p:stCondLst>
                         <p:cond delay="indefinite"/>
                       </p:stCondLst>
                       <p:childTnLst>
                         <p:par>
-                          <p:cTn id="37" fill="hold">
+                          <p:cTn id="28" fill="hold">
                             <p:stCondLst>
                               <p:cond delay="0"/>
                             </p:stCondLst>
                             <p:childTnLst>
                               <p:par>
-                                <p:cTn id="38" presetID="21" presetClass="exit" presetSubtype="1" fill="hold" nodeType="clickEffect">
+                                <p:cTn id="29" presetID="21" presetClass="exit" presetSubtype="1" fill="hold" nodeType="clickEffect">
                                   <p:stCondLst>
                                     <p:cond delay="0"/>
                                   </p:stCondLst>
                                   <p:childTnLst>
                                     <p:animEffect transition="out" filter="wheel(1)">
                                       <p:cBhvr>
-                                        <p:cTn id="39" dur="500"/>
+                                        <p:cTn id="30" dur="500"/>
                                         <p:tgtEl>
                                           <p:spTgt spid="16"/>
                                         </p:tgtEl>
@@ -42303,7 +42169,7 @@
                                     </p:animEffect>
                                     <p:set>
                                       <p:cBhvr>
-                                        <p:cTn id="40" dur="1" fill="hold">
+                                        <p:cTn id="31" dur="1" fill="hold">
                                           <p:stCondLst>
                                             <p:cond delay="499"/>
                                           </p:stCondLst>
@@ -42326,20 +42192,20 @@
                           </p:cTn>
                         </p:par>
                         <p:par>
-                          <p:cTn id="41" fill="hold">
+                          <p:cTn id="32" fill="hold">
                             <p:stCondLst>
                               <p:cond delay="500"/>
                             </p:stCondLst>
                             <p:childTnLst>
                               <p:par>
-                                <p:cTn id="42" presetID="14" presetClass="entr" presetSubtype="10" fill="hold" nodeType="afterEffect">
+                                <p:cTn id="33" presetID="14" presetClass="entr" presetSubtype="10" fill="hold" nodeType="afterEffect">
                                   <p:stCondLst>
                                     <p:cond delay="0"/>
                                   </p:stCondLst>
                                   <p:childTnLst>
                                     <p:set>
                                       <p:cBhvr>
-                                        <p:cTn id="43" dur="1" fill="hold">
+                                        <p:cTn id="34" dur="1" fill="hold">
                                           <p:stCondLst>
                                             <p:cond delay="0"/>
                                           </p:stCondLst>
@@ -42357,7 +42223,7 @@
                                     </p:set>
                                     <p:animEffect transition="in" filter="randombar(horizontal)">
                                       <p:cBhvr>
-                                        <p:cTn id="44" dur="500"/>
+                                        <p:cTn id="35" dur="500"/>
                                         <p:tgtEl>
                                           <p:spTgt spid="17"/>
                                         </p:tgtEl>
@@ -42654,40 +42520,6 @@
       </p:sp>
       <p:pic>
         <p:nvPicPr>
-          <p:cNvPr id="4" name="Picture 3">
-            <a:extLst>
-              <a:ext uri="{FF2B5EF4-FFF2-40B4-BE49-F238E27FC236}">
-                <a16:creationId xmlns:a16="http://schemas.microsoft.com/office/drawing/2014/main" id="{1A1357F2-507D-4F5F-A67E-B2D8B84057A9}"/>
-              </a:ext>
-            </a:extLst>
-          </p:cNvPr>
-          <p:cNvPicPr/>
-          <p:nvPr/>
-        </p:nvPicPr>
-        <p:blipFill>
-          <a:blip r:embed="rId2" cstate="print">
-            <a:extLst>
-              <a:ext uri="{28A0092B-C50C-407E-A947-70E740481C1C}">
-                <a14:useLocalDpi xmlns:a14="http://schemas.microsoft.com/office/drawing/2010/main" val="0"/>
-              </a:ext>
-            </a:extLst>
-          </a:blip>
-          <a:stretch>
-            <a:fillRect/>
-          </a:stretch>
-        </p:blipFill>
-        <p:spPr>
-          <a:xfrm>
-            <a:off x="3305810" y="2924810"/>
-            <a:ext cx="5580380" cy="2151380"/>
-          </a:xfrm>
-          <a:prstGeom prst="rect">
-            <a:avLst/>
-          </a:prstGeom>
-        </p:spPr>
-      </p:pic>
-      <p:pic>
-        <p:nvPicPr>
           <p:cNvPr id="5" name="Picture 4">
             <a:extLst>
               <a:ext uri="{FF2B5EF4-FFF2-40B4-BE49-F238E27FC236}">
@@ -42699,14 +42531,14 @@
           <p:nvPr/>
         </p:nvPicPr>
         <p:blipFill>
-          <a:blip r:embed="rId3"/>
+          <a:blip r:embed="rId2"/>
           <a:stretch>
             <a:fillRect/>
           </a:stretch>
         </p:blipFill>
         <p:spPr>
           <a:xfrm>
-            <a:off x="3797772" y="2496918"/>
+            <a:off x="3203328" y="2438399"/>
             <a:ext cx="4596455" cy="3634295"/>
           </a:xfrm>
           <a:prstGeom prst="rect">
@@ -42727,14 +42559,14 @@
           <p:nvPr/>
         </p:nvPicPr>
         <p:blipFill>
-          <a:blip r:embed="rId4"/>
+          <a:blip r:embed="rId3"/>
           <a:stretch>
             <a:fillRect/>
           </a:stretch>
         </p:blipFill>
         <p:spPr>
           <a:xfrm>
-            <a:off x="3797772" y="2438399"/>
+            <a:off x="3203327" y="2479386"/>
             <a:ext cx="4596455" cy="3692814"/>
           </a:xfrm>
           <a:prstGeom prst="rect">
@@ -42755,14 +42587,14 @@
           <p:nvPr/>
         </p:nvPicPr>
         <p:blipFill>
-          <a:blip r:embed="rId5"/>
+          <a:blip r:embed="rId4"/>
           <a:stretch>
             <a:fillRect/>
           </a:stretch>
         </p:blipFill>
         <p:spPr>
           <a:xfrm>
-            <a:off x="3797772" y="2438399"/>
+            <a:off x="3203326" y="2379880"/>
             <a:ext cx="4596454" cy="3692814"/>
           </a:xfrm>
           <a:prstGeom prst="rect">
@@ -42780,13 +42612,13 @@
   <p:clrMapOvr>
     <a:masterClrMapping/>
   </p:clrMapOvr>
-  <mc:AlternateContent xmlns:mc="http://schemas.openxmlformats.org/markup-compatibility/2006">
-    <mc:Choice xmlns:p159="http://schemas.microsoft.com/office/powerpoint/2015/09/main" Requires="p159">
+  <mc:AlternateContent xmlns:mc="http://schemas.openxmlformats.org/markup-compatibility/2006" xmlns:p159="http://schemas.microsoft.com/office/powerpoint/2015/09/main">
+    <mc:Choice Requires="p159">
       <p:transition xmlns:p14="http://schemas.microsoft.com/office/powerpoint/2010/main" spd="slow" p14:dur="2000">
         <p159:morph option="byObject"/>
       </p:transition>
     </mc:Choice>
-    <mc:Fallback>
+    <mc:Fallback xmlns="">
       <p:transition spd="slow">
         <p:fade/>
       </p:transition>
@@ -42816,7 +42648,7 @@
                             </p:stCondLst>
                             <p:childTnLst>
                               <p:par>
-                                <p:cTn id="5" presetID="42" presetClass="entr" presetSubtype="0" fill="hold" nodeType="afterEffect">
+                                <p:cTn id="5" presetID="53" presetClass="entr" presetSubtype="16" fill="hold" nodeType="afterEffect">
                                   <p:stCondLst>
                                     <p:cond delay="0"/>
                                   </p:stCondLst>
@@ -42829,7 +42661,7 @@
                                           </p:stCondLst>
                                         </p:cTn>
                                         <p:tgtEl>
-                                          <p:spTgt spid="4"/>
+                                          <p:spTgt spid="5"/>
                                         </p:tgtEl>
                                         <p:attrNameLst>
                                           <p:attrName>style.visibility</p:attrName>
@@ -42839,60 +42671,60 @@
                                         <p:strVal val="visible"/>
                                       </p:to>
                                     </p:set>
-                                    <p:animEffect transition="in" filter="fade">
-                                      <p:cBhvr>
-                                        <p:cTn id="7" dur="1000"/>
-                                        <p:tgtEl>
-                                          <p:spTgt spid="4"/>
-                                        </p:tgtEl>
-                                      </p:cBhvr>
-                                    </p:animEffect>
                                     <p:anim calcmode="lin" valueType="num">
                                       <p:cBhvr>
-                                        <p:cTn id="8" dur="1000" fill="hold"/>
+                                        <p:cTn id="7" dur="500" fill="hold"/>
                                         <p:tgtEl>
-                                          <p:spTgt spid="4"/>
+                                          <p:spTgt spid="5"/>
                                         </p:tgtEl>
                                         <p:attrNameLst>
-                                          <p:attrName>ppt_x</p:attrName>
+                                          <p:attrName>ppt_w</p:attrName>
                                         </p:attrNameLst>
                                       </p:cBhvr>
                                       <p:tavLst>
                                         <p:tav tm="0">
                                           <p:val>
-                                            <p:strVal val="#ppt_x"/>
+                                            <p:fltVal val="0"/>
                                           </p:val>
                                         </p:tav>
                                         <p:tav tm="100000">
                                           <p:val>
-                                            <p:strVal val="#ppt_x"/>
+                                            <p:strVal val="#ppt_w"/>
                                           </p:val>
                                         </p:tav>
                                       </p:tavLst>
                                     </p:anim>
                                     <p:anim calcmode="lin" valueType="num">
                                       <p:cBhvr>
-                                        <p:cTn id="9" dur="1000" fill="hold"/>
+                                        <p:cTn id="8" dur="500" fill="hold"/>
                                         <p:tgtEl>
-                                          <p:spTgt spid="4"/>
+                                          <p:spTgt spid="5"/>
                                         </p:tgtEl>
                                         <p:attrNameLst>
-                                          <p:attrName>ppt_y</p:attrName>
+                                          <p:attrName>ppt_h</p:attrName>
                                         </p:attrNameLst>
                                       </p:cBhvr>
                                       <p:tavLst>
                                         <p:tav tm="0">
                                           <p:val>
-                                            <p:strVal val="#ppt_y+.1"/>
+                                            <p:fltVal val="0"/>
                                           </p:val>
                                         </p:tav>
                                         <p:tav tm="100000">
                                           <p:val>
-                                            <p:strVal val="#ppt_y"/>
+                                            <p:strVal val="#ppt_h"/>
                                           </p:val>
                                         </p:tav>
                                       </p:tavLst>
                                     </p:anim>
+                                    <p:animEffect transition="in" filter="fade">
+                                      <p:cBhvr>
+                                        <p:cTn id="9" dur="500"/>
+                                        <p:tgtEl>
+                                          <p:spTgt spid="5"/>
+                                        </p:tgtEl>
+                                      </p:cBhvr>
+                                    </p:animEffect>
                                   </p:childTnLst>
                                 </p:cTn>
                               </p:par>
@@ -42915,157 +42747,14 @@
                             </p:stCondLst>
                             <p:childTnLst>
                               <p:par>
-                                <p:cTn id="12" presetID="22" presetClass="exit" presetSubtype="4" fill="hold" nodeType="clickEffect">
-                                  <p:stCondLst>
-                                    <p:cond delay="0"/>
-                                  </p:stCondLst>
-                                  <p:childTnLst>
-                                    <p:animEffect transition="out" filter="wipe(down)">
-                                      <p:cBhvr>
-                                        <p:cTn id="13" dur="500"/>
-                                        <p:tgtEl>
-                                          <p:spTgt spid="4"/>
-                                        </p:tgtEl>
-                                      </p:cBhvr>
-                                    </p:animEffect>
-                                    <p:set>
-                                      <p:cBhvr>
-                                        <p:cTn id="14" dur="1" fill="hold">
-                                          <p:stCondLst>
-                                            <p:cond delay="499"/>
-                                          </p:stCondLst>
-                                        </p:cTn>
-                                        <p:tgtEl>
-                                          <p:spTgt spid="4"/>
-                                        </p:tgtEl>
-                                        <p:attrNameLst>
-                                          <p:attrName>style.visibility</p:attrName>
-                                        </p:attrNameLst>
-                                      </p:cBhvr>
-                                      <p:to>
-                                        <p:strVal val="hidden"/>
-                                      </p:to>
-                                    </p:set>
-                                  </p:childTnLst>
-                                </p:cTn>
-                              </p:par>
-                            </p:childTnLst>
-                          </p:cTn>
-                        </p:par>
-                        <p:par>
-                          <p:cTn id="15" fill="hold">
-                            <p:stCondLst>
-                              <p:cond delay="500"/>
-                            </p:stCondLst>
-                            <p:childTnLst>
-                              <p:par>
-                                <p:cTn id="16" presetID="53" presetClass="entr" presetSubtype="16" fill="hold" nodeType="afterEffect">
+                                <p:cTn id="12" presetID="1" presetClass="exit" presetSubtype="0" fill="hold" nodeType="clickEffect">
                                   <p:stCondLst>
                                     <p:cond delay="0"/>
                                   </p:stCondLst>
                                   <p:childTnLst>
                                     <p:set>
                                       <p:cBhvr>
-                                        <p:cTn id="17" dur="1" fill="hold">
-                                          <p:stCondLst>
-                                            <p:cond delay="0"/>
-                                          </p:stCondLst>
-                                        </p:cTn>
-                                        <p:tgtEl>
-                                          <p:spTgt spid="5"/>
-                                        </p:tgtEl>
-                                        <p:attrNameLst>
-                                          <p:attrName>style.visibility</p:attrName>
-                                        </p:attrNameLst>
-                                      </p:cBhvr>
-                                      <p:to>
-                                        <p:strVal val="visible"/>
-                                      </p:to>
-                                    </p:set>
-                                    <p:anim calcmode="lin" valueType="num">
-                                      <p:cBhvr>
-                                        <p:cTn id="18" dur="500" fill="hold"/>
-                                        <p:tgtEl>
-                                          <p:spTgt spid="5"/>
-                                        </p:tgtEl>
-                                        <p:attrNameLst>
-                                          <p:attrName>ppt_w</p:attrName>
-                                        </p:attrNameLst>
-                                      </p:cBhvr>
-                                      <p:tavLst>
-                                        <p:tav tm="0">
-                                          <p:val>
-                                            <p:fltVal val="0"/>
-                                          </p:val>
-                                        </p:tav>
-                                        <p:tav tm="100000">
-                                          <p:val>
-                                            <p:strVal val="#ppt_w"/>
-                                          </p:val>
-                                        </p:tav>
-                                      </p:tavLst>
-                                    </p:anim>
-                                    <p:anim calcmode="lin" valueType="num">
-                                      <p:cBhvr>
-                                        <p:cTn id="19" dur="500" fill="hold"/>
-                                        <p:tgtEl>
-                                          <p:spTgt spid="5"/>
-                                        </p:tgtEl>
-                                        <p:attrNameLst>
-                                          <p:attrName>ppt_h</p:attrName>
-                                        </p:attrNameLst>
-                                      </p:cBhvr>
-                                      <p:tavLst>
-                                        <p:tav tm="0">
-                                          <p:val>
-                                            <p:fltVal val="0"/>
-                                          </p:val>
-                                        </p:tav>
-                                        <p:tav tm="100000">
-                                          <p:val>
-                                            <p:strVal val="#ppt_h"/>
-                                          </p:val>
-                                        </p:tav>
-                                      </p:tavLst>
-                                    </p:anim>
-                                    <p:animEffect transition="in" filter="fade">
-                                      <p:cBhvr>
-                                        <p:cTn id="20" dur="500"/>
-                                        <p:tgtEl>
-                                          <p:spTgt spid="5"/>
-                                        </p:tgtEl>
-                                      </p:cBhvr>
-                                    </p:animEffect>
-                                  </p:childTnLst>
-                                </p:cTn>
-                              </p:par>
-                            </p:childTnLst>
-                          </p:cTn>
-                        </p:par>
-                      </p:childTnLst>
-                    </p:cTn>
-                  </p:par>
-                  <p:par>
-                    <p:cTn id="21" fill="hold">
-                      <p:stCondLst>
-                        <p:cond delay="indefinite"/>
-                      </p:stCondLst>
-                      <p:childTnLst>
-                        <p:par>
-                          <p:cTn id="22" fill="hold">
-                            <p:stCondLst>
-                              <p:cond delay="0"/>
-                            </p:stCondLst>
-                            <p:childTnLst>
-                              <p:par>
-                                <p:cTn id="23" presetID="1" presetClass="exit" presetSubtype="0" fill="hold" nodeType="clickEffect">
-                                  <p:stCondLst>
-                                    <p:cond delay="0"/>
-                                  </p:stCondLst>
-                                  <p:childTnLst>
-                                    <p:set>
-                                      <p:cBhvr>
-                                        <p:cTn id="24" dur="1" fill="hold">
+                                        <p:cTn id="13" dur="1" fill="hold">
                                           <p:stCondLst>
                                             <p:cond delay="0"/>
                                           </p:stCondLst>
@@ -43088,20 +42777,20 @@
                           </p:cTn>
                         </p:par>
                         <p:par>
-                          <p:cTn id="25" fill="hold">
+                          <p:cTn id="14" fill="hold">
                             <p:stCondLst>
                               <p:cond delay="0"/>
                             </p:stCondLst>
                             <p:childTnLst>
                               <p:par>
-                                <p:cTn id="26" presetID="53" presetClass="entr" presetSubtype="16" fill="hold" nodeType="afterEffect">
+                                <p:cTn id="15" presetID="53" presetClass="entr" presetSubtype="16" fill="hold" nodeType="afterEffect">
                                   <p:stCondLst>
                                     <p:cond delay="0"/>
                                   </p:stCondLst>
                                   <p:childTnLst>
                                     <p:set>
                                       <p:cBhvr>
-                                        <p:cTn id="27" dur="1" fill="hold">
+                                        <p:cTn id="16" dur="1" fill="hold">
                                           <p:stCondLst>
                                             <p:cond delay="0"/>
                                           </p:stCondLst>
@@ -43119,7 +42808,7 @@
                                     </p:set>
                                     <p:anim calcmode="lin" valueType="num">
                                       <p:cBhvr>
-                                        <p:cTn id="28" dur="500" fill="hold"/>
+                                        <p:cTn id="17" dur="500" fill="hold"/>
                                         <p:tgtEl>
                                           <p:spTgt spid="6"/>
                                         </p:tgtEl>
@@ -43142,7 +42831,7 @@
                                     </p:anim>
                                     <p:anim calcmode="lin" valueType="num">
                                       <p:cBhvr>
-                                        <p:cTn id="29" dur="500" fill="hold"/>
+                                        <p:cTn id="18" dur="500" fill="hold"/>
                                         <p:tgtEl>
                                           <p:spTgt spid="6"/>
                                         </p:tgtEl>
@@ -43165,7 +42854,7 @@
                                     </p:anim>
                                     <p:animEffect transition="in" filter="fade">
                                       <p:cBhvr>
-                                        <p:cTn id="30" dur="500"/>
+                                        <p:cTn id="19" dur="500"/>
                                         <p:tgtEl>
                                           <p:spTgt spid="6"/>
                                         </p:tgtEl>
@@ -43181,26 +42870,26 @@
                     </p:cTn>
                   </p:par>
                   <p:par>
-                    <p:cTn id="31" fill="hold">
+                    <p:cTn id="20" fill="hold">
                       <p:stCondLst>
                         <p:cond delay="indefinite"/>
                       </p:stCondLst>
                       <p:childTnLst>
                         <p:par>
-                          <p:cTn id="32" fill="hold">
+                          <p:cTn id="21" fill="hold">
                             <p:stCondLst>
                               <p:cond delay="0"/>
                             </p:stCondLst>
                             <p:childTnLst>
                               <p:par>
-                                <p:cTn id="33" presetID="16" presetClass="exit" presetSubtype="21" fill="hold" nodeType="clickEffect">
+                                <p:cTn id="22" presetID="16" presetClass="exit" presetSubtype="21" fill="hold" nodeType="clickEffect">
                                   <p:stCondLst>
                                     <p:cond delay="0"/>
                                   </p:stCondLst>
                                   <p:childTnLst>
                                     <p:animEffect transition="out" filter="barn(inVertical)">
                                       <p:cBhvr>
-                                        <p:cTn id="34" dur="500"/>
+                                        <p:cTn id="23" dur="500"/>
                                         <p:tgtEl>
                                           <p:spTgt spid="6"/>
                                         </p:tgtEl>
@@ -43208,7 +42897,7 @@
                                     </p:animEffect>
                                     <p:set>
                                       <p:cBhvr>
-                                        <p:cTn id="35" dur="1" fill="hold">
+                                        <p:cTn id="24" dur="1" fill="hold">
                                           <p:stCondLst>
                                             <p:cond delay="499"/>
                                           </p:stCondLst>
@@ -43231,20 +42920,20 @@
                           </p:cTn>
                         </p:par>
                         <p:par>
-                          <p:cTn id="36" fill="hold">
+                          <p:cTn id="25" fill="hold">
                             <p:stCondLst>
                               <p:cond delay="500"/>
                             </p:stCondLst>
                             <p:childTnLst>
                               <p:par>
-                                <p:cTn id="37" presetID="42" presetClass="entr" presetSubtype="0" fill="hold" nodeType="afterEffect">
+                                <p:cTn id="26" presetID="42" presetClass="entr" presetSubtype="0" fill="hold" nodeType="afterEffect">
                                   <p:stCondLst>
                                     <p:cond delay="0"/>
                                   </p:stCondLst>
                                   <p:childTnLst>
                                     <p:set>
                                       <p:cBhvr>
-                                        <p:cTn id="38" dur="1" fill="hold">
+                                        <p:cTn id="27" dur="1" fill="hold">
                                           <p:stCondLst>
                                             <p:cond delay="0"/>
                                           </p:stCondLst>
@@ -43262,7 +42951,7 @@
                                     </p:set>
                                     <p:animEffect transition="in" filter="fade">
                                       <p:cBhvr>
-                                        <p:cTn id="39" dur="1000"/>
+                                        <p:cTn id="28" dur="1000"/>
                                         <p:tgtEl>
                                           <p:spTgt spid="7"/>
                                         </p:tgtEl>
@@ -43270,7 +42959,7 @@
                                     </p:animEffect>
                                     <p:anim calcmode="lin" valueType="num">
                                       <p:cBhvr>
-                                        <p:cTn id="40" dur="1000" fill="hold"/>
+                                        <p:cTn id="29" dur="1000" fill="hold"/>
                                         <p:tgtEl>
                                           <p:spTgt spid="7"/>
                                         </p:tgtEl>
@@ -43293,7 +42982,7 @@
                                     </p:anim>
                                     <p:anim calcmode="lin" valueType="num">
                                       <p:cBhvr>
-                                        <p:cTn id="41" dur="1000" fill="hold"/>
+                                        <p:cTn id="30" dur="1000" fill="hold"/>
                                         <p:tgtEl>
                                           <p:spTgt spid="7"/>
                                         </p:tgtEl>
@@ -44849,13 +44538,13 @@
   <p:clrMapOvr>
     <a:masterClrMapping/>
   </p:clrMapOvr>
-  <mc:AlternateContent xmlns:mc="http://schemas.openxmlformats.org/markup-compatibility/2006">
-    <mc:Choice xmlns:p14="http://schemas.microsoft.com/office/powerpoint/2010/main" Requires="p14">
+  <mc:AlternateContent xmlns:mc="http://schemas.openxmlformats.org/markup-compatibility/2006" xmlns:p14="http://schemas.microsoft.com/office/powerpoint/2010/main">
+    <mc:Choice Requires="p14">
       <p:transition spd="slow" p14:dur="1400">
         <p:blinds/>
       </p:transition>
     </mc:Choice>
-    <mc:Fallback>
+    <mc:Fallback xmlns="">
       <p:transition spd="slow">
         <p:blinds/>
       </p:transition>
@@ -44905,13 +44594,13 @@
   <p:clrMapOvr>
     <a:masterClrMapping/>
   </p:clrMapOvr>
-  <mc:AlternateContent xmlns:mc="http://schemas.openxmlformats.org/markup-compatibility/2006">
-    <mc:Choice xmlns:p159="http://schemas.microsoft.com/office/powerpoint/2015/09/main" Requires="p159">
+  <mc:AlternateContent xmlns:mc="http://schemas.openxmlformats.org/markup-compatibility/2006" xmlns:p159="http://schemas.microsoft.com/office/powerpoint/2015/09/main">
+    <mc:Choice Requires="p159">
       <p:transition xmlns:p14="http://schemas.microsoft.com/office/powerpoint/2010/main" spd="slow" p14:dur="2000">
         <p159:morph option="byObject"/>
       </p:transition>
     </mc:Choice>
-    <mc:Fallback>
+    <mc:Fallback xmlns="">
       <p:transition spd="slow">
         <p:fade/>
       </p:transition>
@@ -49979,104 +49668,6 @@
       </p:sp>
       <p:pic>
         <p:nvPicPr>
-          <p:cNvPr id="4" name="Picture 3">
-            <a:extLst>
-              <a:ext uri="{FF2B5EF4-FFF2-40B4-BE49-F238E27FC236}">
-                <a16:creationId xmlns:a16="http://schemas.microsoft.com/office/drawing/2014/main" id="{EADEEAE5-DD4D-493A-ABB2-D84627DAB703}"/>
-              </a:ext>
-            </a:extLst>
-          </p:cNvPr>
-          <p:cNvPicPr/>
-          <p:nvPr/>
-        </p:nvPicPr>
-        <p:blipFill>
-          <a:blip r:embed="rId2" cstate="print">
-            <a:extLst>
-              <a:ext uri="{28A0092B-C50C-407E-A947-70E740481C1C}">
-                <a14:useLocalDpi xmlns:a14="http://schemas.microsoft.com/office/drawing/2010/main" val="0"/>
-              </a:ext>
-            </a:extLst>
-          </a:blip>
-          <a:stretch>
-            <a:fillRect/>
-          </a:stretch>
-        </p:blipFill>
-        <p:spPr>
-          <a:xfrm>
-            <a:off x="911402" y="2815381"/>
-            <a:ext cx="11164530" cy="1978524"/>
-          </a:xfrm>
-          <a:prstGeom prst="rect">
-            <a:avLst/>
-          </a:prstGeom>
-        </p:spPr>
-      </p:pic>
-      <p:pic>
-        <p:nvPicPr>
-          <p:cNvPr id="6" name="Picture 5">
-            <a:extLst>
-              <a:ext uri="{FF2B5EF4-FFF2-40B4-BE49-F238E27FC236}">
-                <a16:creationId xmlns:a16="http://schemas.microsoft.com/office/drawing/2014/main" id="{604C9414-1173-4825-801B-11EC729EB168}"/>
-              </a:ext>
-            </a:extLst>
-          </p:cNvPr>
-          <p:cNvPicPr/>
-          <p:nvPr/>
-        </p:nvPicPr>
-        <p:blipFill>
-          <a:blip r:embed="rId3" cstate="print">
-            <a:extLst>
-              <a:ext uri="{28A0092B-C50C-407E-A947-70E740481C1C}">
-                <a14:useLocalDpi xmlns:a14="http://schemas.microsoft.com/office/drawing/2010/main" val="0"/>
-              </a:ext>
-            </a:extLst>
-          </a:blip>
-          <a:stretch>
-            <a:fillRect/>
-          </a:stretch>
-        </p:blipFill>
-        <p:spPr>
-          <a:xfrm>
-            <a:off x="3278503" y="2503369"/>
-            <a:ext cx="6430327" cy="2602548"/>
-          </a:xfrm>
-          <a:prstGeom prst="rect">
-            <a:avLst/>
-          </a:prstGeom>
-        </p:spPr>
-      </p:pic>
-      <p:pic>
-        <p:nvPicPr>
-          <p:cNvPr id="8" name="Picture 7">
-            <a:extLst>
-              <a:ext uri="{FF2B5EF4-FFF2-40B4-BE49-F238E27FC236}">
-                <a16:creationId xmlns:a16="http://schemas.microsoft.com/office/drawing/2014/main" id="{3EDD1054-A979-4791-B099-B2FCADB8C065}"/>
-              </a:ext>
-            </a:extLst>
-          </p:cNvPr>
-          <p:cNvPicPr>
-            <a:picLocks noChangeAspect="1"/>
-          </p:cNvPicPr>
-          <p:nvPr/>
-        </p:nvPicPr>
-        <p:blipFill>
-          <a:blip r:embed="rId4"/>
-          <a:stretch>
-            <a:fillRect/>
-          </a:stretch>
-        </p:blipFill>
-        <p:spPr>
-          <a:xfrm>
-            <a:off x="3278503" y="2815381"/>
-            <a:ext cx="6398897" cy="1978524"/>
-          </a:xfrm>
-          <a:prstGeom prst="rect">
-            <a:avLst/>
-          </a:prstGeom>
-        </p:spPr>
-      </p:pic>
-      <p:pic>
-        <p:nvPicPr>
           <p:cNvPr id="9" name="Picture 8">
             <a:extLst>
               <a:ext uri="{FF2B5EF4-FFF2-40B4-BE49-F238E27FC236}">
@@ -50088,7 +49679,7 @@
           <p:nvPr/>
         </p:nvPicPr>
         <p:blipFill>
-          <a:blip r:embed="rId5"/>
+          <a:blip r:embed="rId2"/>
           <a:stretch>
             <a:fillRect/>
           </a:stretch>
@@ -50116,14 +49707,14 @@
           <p:nvPr/>
         </p:nvPicPr>
         <p:blipFill>
-          <a:blip r:embed="rId6"/>
+          <a:blip r:embed="rId3"/>
           <a:stretch>
             <a:fillRect/>
           </a:stretch>
         </p:blipFill>
         <p:spPr>
           <a:xfrm>
-            <a:off x="3361942" y="2583537"/>
+            <a:off x="3361942" y="2693989"/>
             <a:ext cx="5468114" cy="1690923"/>
           </a:xfrm>
           <a:prstGeom prst="rect">
@@ -50144,14 +49735,14 @@
           <p:nvPr/>
         </p:nvPicPr>
         <p:blipFill>
-          <a:blip r:embed="rId7"/>
+          <a:blip r:embed="rId4"/>
           <a:stretch>
             <a:fillRect/>
           </a:stretch>
         </p:blipFill>
         <p:spPr>
           <a:xfrm>
-            <a:off x="1322475" y="526573"/>
+            <a:off x="1247864" y="526573"/>
             <a:ext cx="9459825" cy="5804853"/>
           </a:xfrm>
           <a:prstGeom prst="rect">
@@ -50172,14 +49763,14 @@
           <p:nvPr/>
         </p:nvPicPr>
         <p:blipFill>
-          <a:blip r:embed="rId8"/>
+          <a:blip r:embed="rId5"/>
           <a:stretch>
             <a:fillRect/>
           </a:stretch>
         </p:blipFill>
         <p:spPr>
           <a:xfrm>
-            <a:off x="3828733" y="2511196"/>
+            <a:off x="3710510" y="2622541"/>
             <a:ext cx="4534532" cy="1833818"/>
           </a:xfrm>
           <a:prstGeom prst="rect">
@@ -50230,7 +49821,7 @@
                             </p:stCondLst>
                             <p:childTnLst>
                               <p:par>
-                                <p:cTn id="5" presetID="14" presetClass="entr" presetSubtype="10" fill="hold" nodeType="clickEffect">
+                                <p:cTn id="5" presetID="16" presetClass="entr" presetSubtype="21" fill="hold" nodeType="clickEffect">
                                   <p:stCondLst>
                                     <p:cond delay="0"/>
                                   </p:stCondLst>
@@ -50243,7 +49834,7 @@
                                           </p:stCondLst>
                                         </p:cTn>
                                         <p:tgtEl>
-                                          <p:spTgt spid="4"/>
+                                          <p:spTgt spid="9"/>
                                         </p:tgtEl>
                                         <p:attrNameLst>
                                           <p:attrName>style.visibility</p:attrName>
@@ -50253,11 +49844,11 @@
                                         <p:strVal val="visible"/>
                                       </p:to>
                                     </p:set>
-                                    <p:animEffect transition="in" filter="randombar(horizontal)">
+                                    <p:animEffect transition="in" filter="barn(inVertical)">
                                       <p:cBhvr>
                                         <p:cTn id="7" dur="500"/>
                                         <p:tgtEl>
-                                          <p:spTgt spid="4"/>
+                                          <p:spTgt spid="9"/>
                                         </p:tgtEl>
                                       </p:cBhvr>
                                     </p:animEffect>
@@ -50283,380 +49874,14 @@
                             </p:stCondLst>
                             <p:childTnLst>
                               <p:par>
-                                <p:cTn id="10" presetID="53" presetClass="exit" presetSubtype="32" fill="hold" nodeType="clickEffect">
-                                  <p:stCondLst>
-                                    <p:cond delay="0"/>
-                                  </p:stCondLst>
-                                  <p:childTnLst>
-                                    <p:anim calcmode="lin" valueType="num">
-                                      <p:cBhvr>
-                                        <p:cTn id="11" dur="500"/>
-                                        <p:tgtEl>
-                                          <p:spTgt spid="4"/>
-                                        </p:tgtEl>
-                                        <p:attrNameLst>
-                                          <p:attrName>ppt_w</p:attrName>
-                                        </p:attrNameLst>
-                                      </p:cBhvr>
-                                      <p:tavLst>
-                                        <p:tav tm="0">
-                                          <p:val>
-                                            <p:strVal val="ppt_w"/>
-                                          </p:val>
-                                        </p:tav>
-                                        <p:tav tm="100000">
-                                          <p:val>
-                                            <p:fltVal val="0"/>
-                                          </p:val>
-                                        </p:tav>
-                                      </p:tavLst>
-                                    </p:anim>
-                                    <p:anim calcmode="lin" valueType="num">
-                                      <p:cBhvr>
-                                        <p:cTn id="12" dur="500"/>
-                                        <p:tgtEl>
-                                          <p:spTgt spid="4"/>
-                                        </p:tgtEl>
-                                        <p:attrNameLst>
-                                          <p:attrName>ppt_h</p:attrName>
-                                        </p:attrNameLst>
-                                      </p:cBhvr>
-                                      <p:tavLst>
-                                        <p:tav tm="0">
-                                          <p:val>
-                                            <p:strVal val="ppt_h"/>
-                                          </p:val>
-                                        </p:tav>
-                                        <p:tav tm="100000">
-                                          <p:val>
-                                            <p:fltVal val="0"/>
-                                          </p:val>
-                                        </p:tav>
-                                      </p:tavLst>
-                                    </p:anim>
-                                    <p:animEffect transition="out" filter="fade">
-                                      <p:cBhvr>
-                                        <p:cTn id="13" dur="500"/>
-                                        <p:tgtEl>
-                                          <p:spTgt spid="4"/>
-                                        </p:tgtEl>
-                                      </p:cBhvr>
-                                    </p:animEffect>
-                                    <p:set>
-                                      <p:cBhvr>
-                                        <p:cTn id="14" dur="1" fill="hold">
-                                          <p:stCondLst>
-                                            <p:cond delay="499"/>
-                                          </p:stCondLst>
-                                        </p:cTn>
-                                        <p:tgtEl>
-                                          <p:spTgt spid="4"/>
-                                        </p:tgtEl>
-                                        <p:attrNameLst>
-                                          <p:attrName>style.visibility</p:attrName>
-                                        </p:attrNameLst>
-                                      </p:cBhvr>
-                                      <p:to>
-                                        <p:strVal val="hidden"/>
-                                      </p:to>
-                                    </p:set>
-                                  </p:childTnLst>
-                                </p:cTn>
-                              </p:par>
-                            </p:childTnLst>
-                          </p:cTn>
-                        </p:par>
-                        <p:par>
-                          <p:cTn id="15" fill="hold">
-                            <p:stCondLst>
-                              <p:cond delay="500"/>
-                            </p:stCondLst>
-                            <p:childTnLst>
-                              <p:par>
-                                <p:cTn id="16" presetID="1" presetClass="entr" presetSubtype="0" fill="hold" nodeType="afterEffect">
-                                  <p:stCondLst>
-                                    <p:cond delay="0"/>
-                                  </p:stCondLst>
-                                  <p:childTnLst>
-                                    <p:set>
-                                      <p:cBhvr>
-                                        <p:cTn id="17" dur="1" fill="hold">
-                                          <p:stCondLst>
-                                            <p:cond delay="0"/>
-                                          </p:stCondLst>
-                                        </p:cTn>
-                                        <p:tgtEl>
-                                          <p:spTgt spid="6"/>
-                                        </p:tgtEl>
-                                        <p:attrNameLst>
-                                          <p:attrName>style.visibility</p:attrName>
-                                        </p:attrNameLst>
-                                      </p:cBhvr>
-                                      <p:to>
-                                        <p:strVal val="visible"/>
-                                      </p:to>
-                                    </p:set>
-                                  </p:childTnLst>
-                                </p:cTn>
-                              </p:par>
-                            </p:childTnLst>
-                          </p:cTn>
-                        </p:par>
-                      </p:childTnLst>
-                    </p:cTn>
-                  </p:par>
-                  <p:par>
-                    <p:cTn id="18" fill="hold">
-                      <p:stCondLst>
-                        <p:cond delay="indefinite"/>
-                      </p:stCondLst>
-                      <p:childTnLst>
-                        <p:par>
-                          <p:cTn id="19" fill="hold">
-                            <p:stCondLst>
-                              <p:cond delay="0"/>
-                            </p:stCondLst>
-                            <p:childTnLst>
-                              <p:par>
-                                <p:cTn id="20" presetID="42" presetClass="exit" presetSubtype="0" fill="hold" nodeType="clickEffect">
-                                  <p:stCondLst>
-                                    <p:cond delay="0"/>
-                                  </p:stCondLst>
-                                  <p:childTnLst>
-                                    <p:animEffect transition="out" filter="fade">
-                                      <p:cBhvr>
-                                        <p:cTn id="21" dur="500"/>
-                                        <p:tgtEl>
-                                          <p:spTgt spid="6"/>
-                                        </p:tgtEl>
-                                      </p:cBhvr>
-                                    </p:animEffect>
-                                    <p:anim calcmode="lin" valueType="num">
-                                      <p:cBhvr>
-                                        <p:cTn id="22" dur="500"/>
-                                        <p:tgtEl>
-                                          <p:spTgt spid="6"/>
-                                        </p:tgtEl>
-                                        <p:attrNameLst>
-                                          <p:attrName>ppt_x</p:attrName>
-                                        </p:attrNameLst>
-                                      </p:cBhvr>
-                                      <p:tavLst>
-                                        <p:tav tm="0">
-                                          <p:val>
-                                            <p:strVal val="ppt_x"/>
-                                          </p:val>
-                                        </p:tav>
-                                        <p:tav tm="100000">
-                                          <p:val>
-                                            <p:strVal val="ppt_x"/>
-                                          </p:val>
-                                        </p:tav>
-                                      </p:tavLst>
-                                    </p:anim>
-                                    <p:anim calcmode="lin" valueType="num">
-                                      <p:cBhvr>
-                                        <p:cTn id="23" dur="500"/>
-                                        <p:tgtEl>
-                                          <p:spTgt spid="6"/>
-                                        </p:tgtEl>
-                                        <p:attrNameLst>
-                                          <p:attrName>ppt_y</p:attrName>
-                                        </p:attrNameLst>
-                                      </p:cBhvr>
-                                      <p:tavLst>
-                                        <p:tav tm="0">
-                                          <p:val>
-                                            <p:strVal val="ppt_y"/>
-                                          </p:val>
-                                        </p:tav>
-                                        <p:tav tm="100000">
-                                          <p:val>
-                                            <p:strVal val="ppt_y+.1"/>
-                                          </p:val>
-                                        </p:tav>
-                                      </p:tavLst>
-                                    </p:anim>
-                                    <p:set>
-                                      <p:cBhvr>
-                                        <p:cTn id="24" dur="1" fill="hold">
-                                          <p:stCondLst>
-                                            <p:cond delay="499"/>
-                                          </p:stCondLst>
-                                        </p:cTn>
-                                        <p:tgtEl>
-                                          <p:spTgt spid="6"/>
-                                        </p:tgtEl>
-                                        <p:attrNameLst>
-                                          <p:attrName>style.visibility</p:attrName>
-                                        </p:attrNameLst>
-                                      </p:cBhvr>
-                                      <p:to>
-                                        <p:strVal val="hidden"/>
-                                      </p:to>
-                                    </p:set>
-                                  </p:childTnLst>
-                                </p:cTn>
-                              </p:par>
-                            </p:childTnLst>
-                          </p:cTn>
-                        </p:par>
-                        <p:par>
-                          <p:cTn id="25" fill="hold">
-                            <p:stCondLst>
-                              <p:cond delay="500"/>
-                            </p:stCondLst>
-                            <p:childTnLst>
-                              <p:par>
-                                <p:cTn id="26" presetID="22" presetClass="entr" presetSubtype="4" fill="hold" nodeType="afterEffect">
-                                  <p:stCondLst>
-                                    <p:cond delay="0"/>
-                                  </p:stCondLst>
-                                  <p:childTnLst>
-                                    <p:set>
-                                      <p:cBhvr>
-                                        <p:cTn id="27" dur="1" fill="hold">
-                                          <p:stCondLst>
-                                            <p:cond delay="0"/>
-                                          </p:stCondLst>
-                                        </p:cTn>
-                                        <p:tgtEl>
-                                          <p:spTgt spid="8"/>
-                                        </p:tgtEl>
-                                        <p:attrNameLst>
-                                          <p:attrName>style.visibility</p:attrName>
-                                        </p:attrNameLst>
-                                      </p:cBhvr>
-                                      <p:to>
-                                        <p:strVal val="visible"/>
-                                      </p:to>
-                                    </p:set>
-                                    <p:animEffect transition="in" filter="wipe(down)">
-                                      <p:cBhvr>
-                                        <p:cTn id="28" dur="500"/>
-                                        <p:tgtEl>
-                                          <p:spTgt spid="8"/>
-                                        </p:tgtEl>
-                                      </p:cBhvr>
-                                    </p:animEffect>
-                                  </p:childTnLst>
-                                </p:cTn>
-                              </p:par>
-                            </p:childTnLst>
-                          </p:cTn>
-                        </p:par>
-                      </p:childTnLst>
-                    </p:cTn>
-                  </p:par>
-                  <p:par>
-                    <p:cTn id="29" fill="hold">
-                      <p:stCondLst>
-                        <p:cond delay="indefinite"/>
-                      </p:stCondLst>
-                      <p:childTnLst>
-                        <p:par>
-                          <p:cTn id="30" fill="hold">
-                            <p:stCondLst>
-                              <p:cond delay="0"/>
-                            </p:stCondLst>
-                            <p:childTnLst>
-                              <p:par>
-                                <p:cTn id="31" presetID="16" presetClass="entr" presetSubtype="21" fill="hold" nodeType="clickEffect">
-                                  <p:stCondLst>
-                                    <p:cond delay="0"/>
-                                  </p:stCondLst>
-                                  <p:childTnLst>
-                                    <p:set>
-                                      <p:cBhvr>
-                                        <p:cTn id="32" dur="1" fill="hold">
-                                          <p:stCondLst>
-                                            <p:cond delay="0"/>
-                                          </p:stCondLst>
-                                        </p:cTn>
-                                        <p:tgtEl>
-                                          <p:spTgt spid="9"/>
-                                        </p:tgtEl>
-                                        <p:attrNameLst>
-                                          <p:attrName>style.visibility</p:attrName>
-                                        </p:attrNameLst>
-                                      </p:cBhvr>
-                                      <p:to>
-                                        <p:strVal val="visible"/>
-                                      </p:to>
-                                    </p:set>
-                                    <p:animEffect transition="in" filter="barn(inVertical)">
-                                      <p:cBhvr>
-                                        <p:cTn id="33" dur="500"/>
-                                        <p:tgtEl>
-                                          <p:spTgt spid="9"/>
-                                        </p:tgtEl>
-                                      </p:cBhvr>
-                                    </p:animEffect>
-                                  </p:childTnLst>
-                                </p:cTn>
-                              </p:par>
-                            </p:childTnLst>
-                          </p:cTn>
-                        </p:par>
-                      </p:childTnLst>
-                    </p:cTn>
-                  </p:par>
-                  <p:par>
-                    <p:cTn id="34" fill="hold">
-                      <p:stCondLst>
-                        <p:cond delay="indefinite"/>
-                      </p:stCondLst>
-                      <p:childTnLst>
-                        <p:par>
-                          <p:cTn id="35" fill="hold">
-                            <p:stCondLst>
-                              <p:cond delay="0"/>
-                            </p:stCondLst>
-                            <p:childTnLst>
-                              <p:par>
-                                <p:cTn id="36" presetID="16" presetClass="exit" presetSubtype="21" fill="hold" nodeType="clickEffect">
+                                <p:cTn id="10" presetID="16" presetClass="exit" presetSubtype="21" fill="hold" nodeType="clickEffect">
                                   <p:stCondLst>
                                     <p:cond delay="0"/>
                                   </p:stCondLst>
                                   <p:childTnLst>
                                     <p:animEffect transition="out" filter="barn(inVertical)">
                                       <p:cBhvr>
-                                        <p:cTn id="37" dur="500"/>
-                                        <p:tgtEl>
-                                          <p:spTgt spid="8"/>
-                                        </p:tgtEl>
-                                      </p:cBhvr>
-                                    </p:animEffect>
-                                    <p:set>
-                                      <p:cBhvr>
-                                        <p:cTn id="38" dur="1" fill="hold">
-                                          <p:stCondLst>
-                                            <p:cond delay="499"/>
-                                          </p:stCondLst>
-                                        </p:cTn>
-                                        <p:tgtEl>
-                                          <p:spTgt spid="8"/>
-                                        </p:tgtEl>
-                                        <p:attrNameLst>
-                                          <p:attrName>style.visibility</p:attrName>
-                                        </p:attrNameLst>
-                                      </p:cBhvr>
-                                      <p:to>
-                                        <p:strVal val="hidden"/>
-                                      </p:to>
-                                    </p:set>
-                                  </p:childTnLst>
-                                </p:cTn>
-                              </p:par>
-                              <p:par>
-                                <p:cTn id="39" presetID="16" presetClass="exit" presetSubtype="21" fill="hold" nodeType="withEffect">
-                                  <p:stCondLst>
-                                    <p:cond delay="0"/>
-                                  </p:stCondLst>
-                                  <p:childTnLst>
-                                    <p:animEffect transition="out" filter="barn(inVertical)">
-                                      <p:cBhvr>
-                                        <p:cTn id="40" dur="500"/>
+                                        <p:cTn id="11" dur="500"/>
                                         <p:tgtEl>
                                           <p:spTgt spid="9"/>
                                         </p:tgtEl>
@@ -50664,7 +49889,7 @@
                                     </p:animEffect>
                                     <p:set>
                                       <p:cBhvr>
-                                        <p:cTn id="41" dur="1" fill="hold">
+                                        <p:cTn id="12" dur="1" fill="hold">
                                           <p:stCondLst>
                                             <p:cond delay="499"/>
                                           </p:stCondLst>
@@ -50687,20 +49912,20 @@
                           </p:cTn>
                         </p:par>
                         <p:par>
-                          <p:cTn id="42" fill="hold">
+                          <p:cTn id="13" fill="hold">
                             <p:stCondLst>
                               <p:cond delay="500"/>
                             </p:stCondLst>
                             <p:childTnLst>
                               <p:par>
-                                <p:cTn id="43" presetID="22" presetClass="entr" presetSubtype="4" fill="hold" nodeType="afterEffect">
+                                <p:cTn id="14" presetID="22" presetClass="entr" presetSubtype="4" fill="hold" nodeType="afterEffect">
                                   <p:stCondLst>
                                     <p:cond delay="0"/>
                                   </p:stCondLst>
                                   <p:childTnLst>
                                     <p:set>
                                       <p:cBhvr>
-                                        <p:cTn id="44" dur="1" fill="hold">
+                                        <p:cTn id="15" dur="1" fill="hold">
                                           <p:stCondLst>
                                             <p:cond delay="0"/>
                                           </p:stCondLst>
@@ -50718,7 +49943,7 @@
                                     </p:set>
                                     <p:animEffect transition="in" filter="wipe(down)">
                                       <p:cBhvr>
-                                        <p:cTn id="45" dur="500"/>
+                                        <p:cTn id="16" dur="500"/>
                                         <p:tgtEl>
                                           <p:spTgt spid="10"/>
                                         </p:tgtEl>
@@ -50734,26 +49959,26 @@
                     </p:cTn>
                   </p:par>
                   <p:par>
-                    <p:cTn id="46" fill="hold">
+                    <p:cTn id="17" fill="hold">
                       <p:stCondLst>
                         <p:cond delay="indefinite"/>
                       </p:stCondLst>
                       <p:childTnLst>
                         <p:par>
-                          <p:cTn id="47" fill="hold">
+                          <p:cTn id="18" fill="hold">
                             <p:stCondLst>
                               <p:cond delay="0"/>
                             </p:stCondLst>
                             <p:childTnLst>
                               <p:par>
-                                <p:cTn id="48" presetID="22" presetClass="exit" presetSubtype="4" fill="hold" nodeType="clickEffect">
+                                <p:cTn id="19" presetID="22" presetClass="exit" presetSubtype="4" fill="hold" nodeType="clickEffect">
                                   <p:stCondLst>
                                     <p:cond delay="0"/>
                                   </p:stCondLst>
                                   <p:childTnLst>
                                     <p:animEffect transition="out" filter="wipe(down)">
                                       <p:cBhvr>
-                                        <p:cTn id="49" dur="500"/>
+                                        <p:cTn id="20" dur="500"/>
                                         <p:tgtEl>
                                           <p:spTgt spid="10"/>
                                         </p:tgtEl>
@@ -50761,7 +49986,7 @@
                                     </p:animEffect>
                                     <p:set>
                                       <p:cBhvr>
-                                        <p:cTn id="50" dur="1" fill="hold">
+                                        <p:cTn id="21" dur="1" fill="hold">
                                           <p:stCondLst>
                                             <p:cond delay="499"/>
                                           </p:stCondLst>
@@ -50784,20 +50009,20 @@
                           </p:cTn>
                         </p:par>
                         <p:par>
-                          <p:cTn id="51" fill="hold">
+                          <p:cTn id="22" fill="hold">
                             <p:stCondLst>
                               <p:cond delay="500"/>
                             </p:stCondLst>
                             <p:childTnLst>
                               <p:par>
-                                <p:cTn id="52" presetID="10" presetClass="entr" presetSubtype="0" fill="hold" nodeType="afterEffect">
+                                <p:cTn id="23" presetID="10" presetClass="entr" presetSubtype="0" fill="hold" nodeType="afterEffect">
                                   <p:stCondLst>
                                     <p:cond delay="0"/>
                                   </p:stCondLst>
                                   <p:childTnLst>
                                     <p:set>
                                       <p:cBhvr>
-                                        <p:cTn id="53" dur="1" fill="hold">
+                                        <p:cTn id="24" dur="1" fill="hold">
                                           <p:stCondLst>
                                             <p:cond delay="0"/>
                                           </p:stCondLst>
@@ -50815,7 +50040,7 @@
                                     </p:set>
                                     <p:animEffect transition="in" filter="fade">
                                       <p:cBhvr>
-                                        <p:cTn id="54" dur="500"/>
+                                        <p:cTn id="25" dur="500"/>
                                         <p:tgtEl>
                                           <p:spTgt spid="11"/>
                                         </p:tgtEl>
@@ -50831,26 +50056,26 @@
                     </p:cTn>
                   </p:par>
                   <p:par>
-                    <p:cTn id="55" fill="hold">
+                    <p:cTn id="26" fill="hold">
                       <p:stCondLst>
                         <p:cond delay="indefinite"/>
                       </p:stCondLst>
                       <p:childTnLst>
                         <p:par>
-                          <p:cTn id="56" fill="hold">
+                          <p:cTn id="27" fill="hold">
                             <p:stCondLst>
                               <p:cond delay="0"/>
                             </p:stCondLst>
                             <p:childTnLst>
                               <p:par>
-                                <p:cTn id="57" presetID="22" presetClass="exit" presetSubtype="4" fill="hold" nodeType="clickEffect">
+                                <p:cTn id="28" presetID="22" presetClass="exit" presetSubtype="4" fill="hold" nodeType="clickEffect">
                                   <p:stCondLst>
                                     <p:cond delay="0"/>
                                   </p:stCondLst>
                                   <p:childTnLst>
                                     <p:animEffect transition="out" filter="wipe(down)">
                                       <p:cBhvr>
-                                        <p:cTn id="58" dur="500"/>
+                                        <p:cTn id="29" dur="500"/>
                                         <p:tgtEl>
                                           <p:spTgt spid="11"/>
                                         </p:tgtEl>
@@ -50858,7 +50083,7 @@
                                     </p:animEffect>
                                     <p:set>
                                       <p:cBhvr>
-                                        <p:cTn id="59" dur="1" fill="hold">
+                                        <p:cTn id="30" dur="1" fill="hold">
                                           <p:stCondLst>
                                             <p:cond delay="499"/>
                                           </p:stCondLst>
@@ -50884,26 +50109,26 @@
                     </p:cTn>
                   </p:par>
                   <p:par>
-                    <p:cTn id="60" fill="hold">
+                    <p:cTn id="31" fill="hold">
                       <p:stCondLst>
                         <p:cond delay="indefinite"/>
                       </p:stCondLst>
                       <p:childTnLst>
                         <p:par>
-                          <p:cTn id="61" fill="hold">
+                          <p:cTn id="32" fill="hold">
                             <p:stCondLst>
                               <p:cond delay="0"/>
                             </p:stCondLst>
                             <p:childTnLst>
                               <p:par>
-                                <p:cTn id="62" presetID="14" presetClass="entr" presetSubtype="10" fill="hold" nodeType="clickEffect">
+                                <p:cTn id="33" presetID="14" presetClass="entr" presetSubtype="10" fill="hold" nodeType="clickEffect">
                                   <p:stCondLst>
                                     <p:cond delay="0"/>
                                   </p:stCondLst>
                                   <p:childTnLst>
                                     <p:set>
                                       <p:cBhvr>
-                                        <p:cTn id="63" dur="1" fill="hold">
+                                        <p:cTn id="34" dur="1" fill="hold">
                                           <p:stCondLst>
                                             <p:cond delay="0"/>
                                           </p:stCondLst>
@@ -50921,7 +50146,7 @@
                                     </p:set>
                                     <p:animEffect transition="in" filter="randombar(horizontal)">
                                       <p:cBhvr>
-                                        <p:cTn id="64" dur="500"/>
+                                        <p:cTn id="35" dur="500"/>
                                         <p:tgtEl>
                                           <p:spTgt spid="12"/>
                                         </p:tgtEl>
@@ -52838,15 +52063,6 @@
 </file>
 
 <file path=customXml/item1.xml><?xml version="1.0" encoding="utf-8"?>
-<p:properties xmlns:p="http://schemas.microsoft.com/office/2006/metadata/properties" xmlns:xsi="http://www.w3.org/2001/XMLSchema-instance" xmlns:pc="http://schemas.microsoft.com/office/infopath/2007/PartnerControls">
-  <documentManagement>
-    <Status xmlns="71af3243-3dd4-4a8d-8c0d-dd76da1f02a5">Not started</Status>
-    <MediaServiceKeyPoints xmlns="71af3243-3dd4-4a8d-8c0d-dd76da1f02a5" xsi:nil="true"/>
-  </documentManagement>
-</p:properties>
-</file>
-
-<file path=customXml/item2.xml><?xml version="1.0" encoding="utf-8"?>
 <ct:contentTypeSchema xmlns:ct="http://schemas.microsoft.com/office/2006/metadata/contentType" xmlns:ma="http://schemas.microsoft.com/office/2006/metadata/properties/metaAttributes" ct:_="" ma:_="" ma:contentTypeName="Document" ma:contentTypeID="0x01010079F111ED35F8CC479449609E8A0923A6" ma:contentTypeVersion="12" ma:contentTypeDescription="Create a new document." ma:contentTypeScope="" ma:versionID="a410dd7f93c95333ffa1b60ed6adedd1">
   <xsd:schema xmlns:xsd="http://www.w3.org/2001/XMLSchema" xmlns:xs="http://www.w3.org/2001/XMLSchema" xmlns:p="http://schemas.microsoft.com/office/2006/metadata/properties" xmlns:ns2="71af3243-3dd4-4a8d-8c0d-dd76da1f02a5" xmlns:ns3="16c05727-aa75-4e4a-9b5f-8a80a1165891" targetNamespace="http://schemas.microsoft.com/office/2006/metadata/properties" ma:root="true" ma:fieldsID="a936d9baba76aa3866493feff160faab" ns2:_="" ns3:_="">
     <xsd:import namespace="71af3243-3dd4-4a8d-8c0d-dd76da1f02a5"/>
@@ -53067,6 +52283,15 @@
 </ct:contentTypeSchema>
 </file>
 
+<file path=customXml/item2.xml><?xml version="1.0" encoding="utf-8"?>
+<p:properties xmlns:p="http://schemas.microsoft.com/office/2006/metadata/properties" xmlns:xsi="http://www.w3.org/2001/XMLSchema-instance" xmlns:pc="http://schemas.microsoft.com/office/infopath/2007/PartnerControls">
+  <documentManagement>
+    <Status xmlns="71af3243-3dd4-4a8d-8c0d-dd76da1f02a5">Not started</Status>
+    <MediaServiceKeyPoints xmlns="71af3243-3dd4-4a8d-8c0d-dd76da1f02a5" xsi:nil="true"/>
+  </documentManagement>
+</p:properties>
+</file>
+
 <file path=customXml/item3.xml><?xml version="1.0" encoding="utf-8"?>
 <?mso-contentType ?>
 <FormTemplates xmlns="http://schemas.microsoft.com/sharepoint/v3/contenttype/forms">
@@ -53077,16 +52302,6 @@
 </file>
 
 <file path=customXml/itemProps1.xml><?xml version="1.0" encoding="utf-8"?>
-<ds:datastoreItem xmlns:ds="http://schemas.openxmlformats.org/officeDocument/2006/customXml" ds:itemID="{8D289AE2-D2AE-49D1-AFAC-3A79F6794255}">
-  <ds:schemaRefs>
-    <ds:schemaRef ds:uri="http://schemas.microsoft.com/office/2006/metadata/properties"/>
-    <ds:schemaRef ds:uri="http://schemas.microsoft.com/office/infopath/2007/PartnerControls"/>
-    <ds:schemaRef ds:uri="71af3243-3dd4-4a8d-8c0d-dd76da1f02a5"/>
-  </ds:schemaRefs>
-</ds:datastoreItem>
-</file>
-
-<file path=customXml/itemProps2.xml><?xml version="1.0" encoding="utf-8"?>
 <ds:datastoreItem xmlns:ds="http://schemas.openxmlformats.org/officeDocument/2006/customXml" ds:itemID="{41E7CA09-9778-4414-AE97-8064B12DA30E}">
   <ds:schemaRefs>
     <ds:schemaRef ds:uri="http://schemas.microsoft.com/office/2006/metadata/contentType"/>
@@ -53105,6 +52320,16 @@
 </ds:datastoreItem>
 </file>
 
+<file path=customXml/itemProps2.xml><?xml version="1.0" encoding="utf-8"?>
+<ds:datastoreItem xmlns:ds="http://schemas.openxmlformats.org/officeDocument/2006/customXml" ds:itemID="{8D289AE2-D2AE-49D1-AFAC-3A79F6794255}">
+  <ds:schemaRefs>
+    <ds:schemaRef ds:uri="http://schemas.microsoft.com/office/2006/metadata/properties"/>
+    <ds:schemaRef ds:uri="http://schemas.microsoft.com/office/infopath/2007/PartnerControls"/>
+    <ds:schemaRef ds:uri="71af3243-3dd4-4a8d-8c0d-dd76da1f02a5"/>
+  </ds:schemaRefs>
+</ds:datastoreItem>
+</file>
+
 <file path=customXml/itemProps3.xml><?xml version="1.0" encoding="utf-8"?>
 <ds:datastoreItem xmlns:ds="http://schemas.openxmlformats.org/officeDocument/2006/customXml" ds:itemID="{927BD4C1-B6B1-4715-ABF9-E660A51A4EA0}">
   <ds:schemaRefs>

--- a/Report/VDQ_TNL_MuaSamTrucTuyen.pptx
+++ b/Report/VDQ_TNL_MuaSamTrucTuyen.pptx
@@ -227,7 +227,7 @@
           <a:p>
             <a:fld id="{4BDACA7B-76AF-42FA-8C90-59D98D30F665}" type="datetimeFigureOut">
               <a:rPr lang="vi-VN" smtClean="0"/>
-              <a:t>07/12/2023</a:t>
+              <a:t>06/12/2023</a:t>
             </a:fld>
             <a:endParaRPr lang="vi-VN"/>
           </a:p>
@@ -825,7 +825,7 @@
           <a:p>
             <a:fld id="{ED291B17-9318-49DB-B28B-6E5994AE9581}" type="datetime1">
               <a:rPr lang="en-US" smtClean="0"/>
-              <a:t>12/7/2023</a:t>
+              <a:t>12/6/2023</a:t>
             </a:fld>
             <a:endParaRPr lang="en-US"/>
           </a:p>
@@ -1028,7 +1028,7 @@
           <a:p>
             <a:fld id="{2CED4963-E985-44C4-B8C4-FDD613B7C2F8}" type="datetime1">
               <a:rPr lang="en-US" smtClean="0"/>
-              <a:t>12/7/2023</a:t>
+              <a:t>12/6/2023</a:t>
             </a:fld>
             <a:endParaRPr lang="en-US"/>
           </a:p>
@@ -1390,7 +1390,7 @@
           <a:p>
             <a:fld id="{ED291B17-9318-49DB-B28B-6E5994AE9581}" type="datetime1">
               <a:rPr lang="en-US" smtClean="0"/>
-              <a:t>12/7/2023</a:t>
+              <a:t>12/6/2023</a:t>
             </a:fld>
             <a:endParaRPr lang="en-US"/>
           </a:p>
@@ -1536,7 +1536,7 @@
             <a:fld id="{ED3D6733-6F27-4404-AB51-585418F146E5}" type="datetimeFigureOut">
               <a:rPr lang="ko-KR" altLang="en-US" smtClean="0"/>
               <a:pPr/>
-              <a:t>2023-12-07</a:t>
+              <a:t>2023-12-06</a:t>
             </a:fld>
             <a:endParaRPr lang="ko-KR" altLang="en-US"/>
           </a:p>
@@ -1728,7 +1728,7 @@
             <a:fld id="{ED3D6733-6F27-4404-AB51-585418F146E5}" type="datetimeFigureOut">
               <a:rPr lang="ko-KR" altLang="en-US" smtClean="0"/>
               <a:pPr/>
-              <a:t>2023-12-07</a:t>
+              <a:t>2023-12-06</a:t>
             </a:fld>
             <a:endParaRPr lang="ko-KR" altLang="en-US"/>
           </a:p>
@@ -2232,7 +2232,7 @@
           <a:p>
             <a:fld id="{ED291B17-9318-49DB-B28B-6E5994AE9581}" type="datetime1">
               <a:rPr lang="en-US" smtClean="0"/>
-              <a:t>12/7/2023</a:t>
+              <a:t>12/6/2023</a:t>
             </a:fld>
             <a:endParaRPr lang="en-US"/>
           </a:p>
@@ -2402,7 +2402,7 @@
           <a:p>
             <a:fld id="{78DD82B9-B8EE-4375-B6FF-88FA6ABB15D9}" type="datetime1">
               <a:rPr lang="en-US" smtClean="0"/>
-              <a:t>12/7/2023</a:t>
+              <a:t>12/6/2023</a:t>
             </a:fld>
             <a:endParaRPr lang="en-US"/>
           </a:p>
@@ -2660,7 +2660,7 @@
           <a:p>
             <a:fld id="{B2497495-0637-405E-AE64-5CC7506D51F5}" type="datetime1">
               <a:rPr lang="en-US" smtClean="0"/>
-              <a:t>12/7/2023</a:t>
+              <a:t>12/6/2023</a:t>
             </a:fld>
             <a:endParaRPr lang="en-US"/>
           </a:p>
@@ -2948,7 +2948,7 @@
           <a:p>
             <a:fld id="{7BFFD690-9426-415D-8B65-26881E07B2D4}" type="datetime1">
               <a:rPr lang="en-US" smtClean="0"/>
-              <a:t>12/7/2023</a:t>
+              <a:t>12/6/2023</a:t>
             </a:fld>
             <a:endParaRPr lang="en-US"/>
           </a:p>
@@ -3390,7 +3390,7 @@
           <a:p>
             <a:fld id="{04C4989A-474C-40DE-95B9-011C28B71673}" type="datetime1">
               <a:rPr lang="en-US" smtClean="0"/>
-              <a:t>12/7/2023</a:t>
+              <a:t>12/6/2023</a:t>
             </a:fld>
             <a:endParaRPr lang="en-US"/>
           </a:p>
@@ -3508,7 +3508,7 @@
           <a:p>
             <a:fld id="{5DB4ED54-5B5E-4A04-93D3-5772E3CE3818}" type="datetime1">
               <a:rPr lang="en-US" smtClean="0"/>
-              <a:t>12/7/2023</a:t>
+              <a:t>12/6/2023</a:t>
             </a:fld>
             <a:endParaRPr lang="en-US"/>
           </a:p>
@@ -3694,7 +3694,7 @@
           <a:p>
             <a:fld id="{78DD82B9-B8EE-4375-B6FF-88FA6ABB15D9}" type="datetime1">
               <a:rPr lang="en-US" smtClean="0"/>
-              <a:t>12/7/2023</a:t>
+              <a:t>12/6/2023</a:t>
             </a:fld>
             <a:endParaRPr lang="en-US"/>
           </a:p>
@@ -3801,7 +3801,7 @@
           <a:p>
             <a:fld id="{4EDE50D6-574B-40AF-946F-D52A04ADE379}" type="datetime1">
               <a:rPr lang="en-US" smtClean="0"/>
-              <a:t>12/7/2023</a:t>
+              <a:t>12/6/2023</a:t>
             </a:fld>
             <a:endParaRPr lang="en-US"/>
           </a:p>
@@ -4089,7 +4089,7 @@
           <a:p>
             <a:fld id="{D82884F1-FFEA-405F-9602-3DCA865EDA4E}" type="datetime1">
               <a:rPr lang="en-US" smtClean="0"/>
-              <a:t>12/7/2023</a:t>
+              <a:t>12/6/2023</a:t>
             </a:fld>
             <a:endParaRPr lang="en-US"/>
           </a:p>
@@ -4363,7 +4363,7 @@
           <a:p>
             <a:fld id="{7E18DB4A-8810-4A10-AD5C-D5E2C667F5B3}" type="datetime1">
               <a:rPr lang="en-US" smtClean="0"/>
-              <a:t>12/7/2023</a:t>
+              <a:t>12/6/2023</a:t>
             </a:fld>
             <a:endParaRPr lang="en-US"/>
           </a:p>
@@ -4539,7 +4539,7 @@
           <a:p>
             <a:fld id="{2CED4963-E985-44C4-B8C4-FDD613B7C2F8}" type="datetime1">
               <a:rPr lang="en-US" smtClean="0"/>
-              <a:t>12/7/2023</a:t>
+              <a:t>12/6/2023</a:t>
             </a:fld>
             <a:endParaRPr lang="en-US"/>
           </a:p>
@@ -4719,7 +4719,7 @@
           <a:p>
             <a:fld id="{ED291B17-9318-49DB-B28B-6E5994AE9581}" type="datetime1">
               <a:rPr lang="en-US" smtClean="0"/>
-              <a:t>12/7/2023</a:t>
+              <a:t>12/6/2023</a:t>
             </a:fld>
             <a:endParaRPr lang="en-US"/>
           </a:p>
@@ -4956,7 +4956,7 @@
           <a:p>
             <a:fld id="{ED291B17-9318-49DB-B28B-6E5994AE9581}" type="datetime1">
               <a:rPr lang="en-US" smtClean="0"/>
-              <a:t>12/7/2023</a:t>
+              <a:t>12/6/2023</a:t>
             </a:fld>
             <a:endParaRPr lang="en-US"/>
           </a:p>
@@ -5126,7 +5126,7 @@
           <a:p>
             <a:fld id="{78DD82B9-B8EE-4375-B6FF-88FA6ABB15D9}" type="datetime1">
               <a:rPr lang="en-US" smtClean="0"/>
-              <a:t>12/7/2023</a:t>
+              <a:t>12/6/2023</a:t>
             </a:fld>
             <a:endParaRPr lang="en-US"/>
           </a:p>
@@ -5432,7 +5432,7 @@
           <a:p>
             <a:fld id="{B2497495-0637-405E-AE64-5CC7506D51F5}" type="datetime1">
               <a:rPr lang="en-US" smtClean="0"/>
-              <a:t>12/7/2023</a:t>
+              <a:t>12/6/2023</a:t>
             </a:fld>
             <a:endParaRPr lang="en-US"/>
           </a:p>
@@ -5736,7 +5736,7 @@
           <a:p>
             <a:fld id="{7BFFD690-9426-415D-8B65-26881E07B2D4}" type="datetime1">
               <a:rPr lang="en-US" smtClean="0"/>
-              <a:t>12/7/2023</a:t>
+              <a:t>12/6/2023</a:t>
             </a:fld>
             <a:endParaRPr lang="en-US"/>
           </a:p>
@@ -6158,7 +6158,7 @@
           <a:p>
             <a:fld id="{04C4989A-474C-40DE-95B9-011C28B71673}" type="datetime1">
               <a:rPr lang="en-US" smtClean="0"/>
-              <a:t>12/7/2023</a:t>
+              <a:t>12/6/2023</a:t>
             </a:fld>
             <a:endParaRPr lang="en-US"/>
           </a:p>
@@ -6458,7 +6458,7 @@
           <a:p>
             <a:fld id="{B2497495-0637-405E-AE64-5CC7506D51F5}" type="datetime1">
               <a:rPr lang="en-US" smtClean="0"/>
-              <a:t>12/7/2023</a:t>
+              <a:t>12/6/2023</a:t>
             </a:fld>
             <a:endParaRPr lang="en-US"/>
           </a:p>
@@ -6588,7 +6588,7 @@
           <a:p>
             <a:fld id="{5DB4ED54-5B5E-4A04-93D3-5772E3CE3818}" type="datetime1">
               <a:rPr lang="en-US" smtClean="0"/>
-              <a:t>12/7/2023</a:t>
+              <a:t>12/6/2023</a:t>
             </a:fld>
             <a:endParaRPr lang="en-US"/>
           </a:p>
@@ -6683,7 +6683,7 @@
           <a:p>
             <a:fld id="{4EDE50D6-574B-40AF-946F-D52A04ADE379}" type="datetime1">
               <a:rPr lang="en-US" smtClean="0"/>
-              <a:t>12/7/2023</a:t>
+              <a:t>12/6/2023</a:t>
             </a:fld>
             <a:endParaRPr lang="en-US"/>
           </a:p>
@@ -6956,7 +6956,7 @@
           <a:p>
             <a:fld id="{D82884F1-FFEA-405F-9602-3DCA865EDA4E}" type="datetime1">
               <a:rPr lang="en-US" smtClean="0"/>
-              <a:t>12/7/2023</a:t>
+              <a:t>12/6/2023</a:t>
             </a:fld>
             <a:endParaRPr lang="en-US"/>
           </a:p>
@@ -7222,7 +7222,7 @@
           <a:p>
             <a:fld id="{7E18DB4A-8810-4A10-AD5C-D5E2C667F5B3}" type="datetime1">
               <a:rPr lang="en-US" smtClean="0"/>
-              <a:t>12/7/2023</a:t>
+              <a:t>12/6/2023</a:t>
             </a:fld>
             <a:endParaRPr lang="en-US"/>
           </a:p>
@@ -7393,7 +7393,7 @@
           <a:p>
             <a:fld id="{2CED4963-E985-44C4-B8C4-FDD613B7C2F8}" type="datetime1">
               <a:rPr lang="en-US" smtClean="0"/>
-              <a:t>12/7/2023</a:t>
+              <a:t>12/6/2023</a:t>
             </a:fld>
             <a:endParaRPr lang="en-US"/>
           </a:p>
@@ -7616,7 +7616,7 @@
           <a:p>
             <a:fld id="{ED291B17-9318-49DB-B28B-6E5994AE9581}" type="datetime1">
               <a:rPr lang="en-US" smtClean="0"/>
-              <a:t>12/7/2023</a:t>
+              <a:t>12/6/2023</a:t>
             </a:fld>
             <a:endParaRPr lang="en-US"/>
           </a:p>
@@ -8189,7 +8189,7 @@
           <a:p>
             <a:fld id="{ED291B17-9318-49DB-B28B-6E5994AE9581}" type="datetime1">
               <a:rPr lang="en-US" smtClean="0"/>
-              <a:t>12/7/2023</a:t>
+              <a:t>12/6/2023</a:t>
             </a:fld>
             <a:endParaRPr lang="en-US"/>
           </a:p>
@@ -8364,7 +8364,7 @@
           <a:p>
             <a:fld id="{78DD82B9-B8EE-4375-B6FF-88FA6ABB15D9}" type="datetime1">
               <a:rPr lang="en-US" smtClean="0"/>
-              <a:t>12/7/2023</a:t>
+              <a:t>12/6/2023</a:t>
             </a:fld>
             <a:endParaRPr lang="en-US"/>
           </a:p>
@@ -8615,7 +8615,7 @@
           <a:p>
             <a:fld id="{B2497495-0637-405E-AE64-5CC7506D51F5}" type="datetime1">
               <a:rPr lang="en-US" smtClean="0"/>
-              <a:t>12/7/2023</a:t>
+              <a:t>12/6/2023</a:t>
             </a:fld>
             <a:endParaRPr lang="en-US"/>
           </a:p>
@@ -8912,7 +8912,7 @@
           <a:p>
             <a:fld id="{7BFFD690-9426-415D-8B65-26881E07B2D4}" type="datetime1">
               <a:rPr lang="en-US" smtClean="0"/>
-              <a:t>12/7/2023</a:t>
+              <a:t>12/6/2023</a:t>
             </a:fld>
             <a:endParaRPr lang="en-US"/>
           </a:p>
@@ -9153,7 +9153,7 @@
           <a:p>
             <a:fld id="{7BFFD690-9426-415D-8B65-26881E07B2D4}" type="datetime1">
               <a:rPr lang="en-US" smtClean="0"/>
-              <a:t>12/7/2023</a:t>
+              <a:t>12/6/2023</a:t>
             </a:fld>
             <a:endParaRPr lang="en-US"/>
           </a:p>
@@ -9595,7 +9595,7 @@
           <a:p>
             <a:fld id="{04C4989A-474C-40DE-95B9-011C28B71673}" type="datetime1">
               <a:rPr lang="en-US" smtClean="0"/>
-              <a:t>12/7/2023</a:t>
+              <a:t>12/6/2023</a:t>
             </a:fld>
             <a:endParaRPr lang="en-US"/>
           </a:p>
@@ -9713,7 +9713,7 @@
           <a:p>
             <a:fld id="{5DB4ED54-5B5E-4A04-93D3-5772E3CE3818}" type="datetime1">
               <a:rPr lang="en-US" smtClean="0"/>
-              <a:t>12/7/2023</a:t>
+              <a:t>12/6/2023</a:t>
             </a:fld>
             <a:endParaRPr lang="en-US"/>
           </a:p>
@@ -9808,7 +9808,7 @@
           <a:p>
             <a:fld id="{4EDE50D6-574B-40AF-946F-D52A04ADE379}" type="datetime1">
               <a:rPr lang="en-US" smtClean="0"/>
-              <a:t>12/7/2023</a:t>
+              <a:t>12/6/2023</a:t>
             </a:fld>
             <a:endParaRPr lang="en-US"/>
           </a:p>
@@ -10091,7 +10091,7 @@
           <a:p>
             <a:fld id="{D82884F1-FFEA-405F-9602-3DCA865EDA4E}" type="datetime1">
               <a:rPr lang="en-US" smtClean="0"/>
-              <a:t>12/7/2023</a:t>
+              <a:t>12/6/2023</a:t>
             </a:fld>
             <a:endParaRPr lang="en-US"/>
           </a:p>
@@ -10383,7 +10383,7 @@
           <a:p>
             <a:fld id="{7E18DB4A-8810-4A10-AD5C-D5E2C667F5B3}" type="datetime1">
               <a:rPr lang="en-US" smtClean="0"/>
-              <a:t>12/7/2023</a:t>
+              <a:t>12/6/2023</a:t>
             </a:fld>
             <a:endParaRPr lang="en-US"/>
           </a:p>
@@ -10675,7 +10675,7 @@
           <a:p>
             <a:fld id="{ED291B17-9318-49DB-B28B-6E5994AE9581}" type="datetime1">
               <a:rPr lang="en-US" smtClean="0"/>
-              <a:t>12/7/2023</a:t>
+              <a:t>12/6/2023</a:t>
             </a:fld>
             <a:endParaRPr lang="en-US"/>
           </a:p>
@@ -10924,7 +10924,7 @@
           <a:p>
             <a:fld id="{ED291B17-9318-49DB-B28B-6E5994AE9581}" type="datetime1">
               <a:rPr lang="en-US" smtClean="0"/>
-              <a:t>12/7/2023</a:t>
+              <a:t>12/6/2023</a:t>
             </a:fld>
             <a:endParaRPr lang="en-US"/>
           </a:p>
@@ -11465,7 +11465,7 @@
           <a:p>
             <a:fld id="{ED291B17-9318-49DB-B28B-6E5994AE9581}" type="datetime1">
               <a:rPr lang="en-US" smtClean="0"/>
-              <a:t>12/7/2023</a:t>
+              <a:t>12/6/2023</a:t>
             </a:fld>
             <a:endParaRPr lang="en-US"/>
           </a:p>
@@ -11714,7 +11714,7 @@
           <a:p>
             <a:fld id="{ED291B17-9318-49DB-B28B-6E5994AE9581}" type="datetime1">
               <a:rPr lang="en-US" smtClean="0"/>
-              <a:t>12/7/2023</a:t>
+              <a:t>12/6/2023</a:t>
             </a:fld>
             <a:endParaRPr lang="en-US"/>
           </a:p>
@@ -12247,7 +12247,7 @@
           <a:p>
             <a:fld id="{ED291B17-9318-49DB-B28B-6E5994AE9581}" type="datetime1">
               <a:rPr lang="en-US" smtClean="0"/>
-              <a:t>12/7/2023</a:t>
+              <a:t>12/6/2023</a:t>
             </a:fld>
             <a:endParaRPr lang="en-US"/>
           </a:p>
@@ -12670,7 +12670,7 @@
           <a:p>
             <a:fld id="{04C4989A-474C-40DE-95B9-011C28B71673}" type="datetime1">
               <a:rPr lang="en-US" smtClean="0"/>
-              <a:t>12/7/2023</a:t>
+              <a:t>12/6/2023</a:t>
             </a:fld>
             <a:endParaRPr lang="en-US"/>
           </a:p>
@@ -12967,7 +12967,7 @@
           <a:p>
             <a:fld id="{ED291B17-9318-49DB-B28B-6E5994AE9581}" type="datetime1">
               <a:rPr lang="en-US" smtClean="0"/>
-              <a:t>12/7/2023</a:t>
+              <a:t>12/6/2023</a:t>
             </a:fld>
             <a:endParaRPr lang="en-US"/>
           </a:p>
@@ -13142,7 +13142,7 @@
           <a:p>
             <a:fld id="{2CED4963-E985-44C4-B8C4-FDD613B7C2F8}" type="datetime1">
               <a:rPr lang="en-US" smtClean="0"/>
-              <a:t>12/7/2023</a:t>
+              <a:t>12/6/2023</a:t>
             </a:fld>
             <a:endParaRPr lang="en-US"/>
           </a:p>
@@ -13322,7 +13322,7 @@
           <a:p>
             <a:fld id="{ED291B17-9318-49DB-B28B-6E5994AE9581}" type="datetime1">
               <a:rPr lang="en-US" smtClean="0"/>
-              <a:t>12/7/2023</a:t>
+              <a:t>12/6/2023</a:t>
             </a:fld>
             <a:endParaRPr lang="en-US"/>
           </a:p>
@@ -22176,7 +22176,7 @@
           <a:p>
             <a:fld id="{ED291B17-9318-49DB-B28B-6E5994AE9581}" type="datetime1">
               <a:rPr lang="en-US" smtClean="0"/>
-              <a:t>12/7/2023</a:t>
+              <a:t>12/6/2023</a:t>
             </a:fld>
             <a:endParaRPr lang="en-US"/>
           </a:p>
@@ -22383,7 +22383,7 @@
           <a:p>
             <a:fld id="{78DD82B9-B8EE-4375-B6FF-88FA6ABB15D9}" type="datetime1">
               <a:rPr lang="en-US" smtClean="0"/>
-              <a:t>12/7/2023</a:t>
+              <a:t>12/6/2023</a:t>
             </a:fld>
             <a:endParaRPr lang="en-US"/>
           </a:p>
@@ -31281,7 +31281,7 @@
           <a:p>
             <a:fld id="{B2497495-0637-405E-AE64-5CC7506D51F5}" type="datetime1">
               <a:rPr lang="en-US" smtClean="0"/>
-              <a:t>12/7/2023</a:t>
+              <a:t>12/6/2023</a:t>
             </a:fld>
             <a:endParaRPr lang="en-US"/>
           </a:p>
@@ -31555,7 +31555,7 @@
           <a:p>
             <a:fld id="{7BFFD690-9426-415D-8B65-26881E07B2D4}" type="datetime1">
               <a:rPr lang="en-US" smtClean="0"/>
-              <a:t>12/7/2023</a:t>
+              <a:t>12/6/2023</a:t>
             </a:fld>
             <a:endParaRPr lang="en-US"/>
           </a:p>
@@ -31953,7 +31953,7 @@
           <a:p>
             <a:fld id="{04C4989A-474C-40DE-95B9-011C28B71673}" type="datetime1">
               <a:rPr lang="en-US" smtClean="0"/>
-              <a:t>12/7/2023</a:t>
+              <a:t>12/6/2023</a:t>
             </a:fld>
             <a:endParaRPr lang="en-US"/>
           </a:p>
@@ -32071,7 +32071,7 @@
           <a:p>
             <a:fld id="{5DB4ED54-5B5E-4A04-93D3-5772E3CE3818}" type="datetime1">
               <a:rPr lang="en-US" smtClean="0"/>
-              <a:t>12/7/2023</a:t>
+              <a:t>12/6/2023</a:t>
             </a:fld>
             <a:endParaRPr lang="en-US"/>
           </a:p>
@@ -32166,7 +32166,7 @@
           <a:p>
             <a:fld id="{4EDE50D6-574B-40AF-946F-D52A04ADE379}" type="datetime1">
               <a:rPr lang="en-US" smtClean="0"/>
-              <a:t>12/7/2023</a:t>
+              <a:t>12/6/2023</a:t>
             </a:fld>
             <a:endParaRPr lang="en-US"/>
           </a:p>
@@ -32289,7 +32289,7 @@
           <a:p>
             <a:fld id="{5DB4ED54-5B5E-4A04-93D3-5772E3CE3818}" type="datetime1">
               <a:rPr lang="en-US" smtClean="0"/>
-              <a:t>12/7/2023</a:t>
+              <a:t>12/6/2023</a:t>
             </a:fld>
             <a:endParaRPr lang="en-US"/>
           </a:p>
@@ -32579,7 +32579,7 @@
           <a:p>
             <a:fld id="{D82884F1-FFEA-405F-9602-3DCA865EDA4E}" type="datetime1">
               <a:rPr lang="en-US" smtClean="0"/>
-              <a:t>12/7/2023</a:t>
+              <a:t>12/6/2023</a:t>
             </a:fld>
             <a:endParaRPr lang="en-US"/>
           </a:p>
@@ -32860,7 +32860,7 @@
           <a:p>
             <a:fld id="{7E18DB4A-8810-4A10-AD5C-D5E2C667F5B3}" type="datetime1">
               <a:rPr lang="en-US" smtClean="0"/>
-              <a:t>12/7/2023</a:t>
+              <a:t>12/6/2023</a:t>
             </a:fld>
             <a:endParaRPr lang="en-US"/>
           </a:p>
@@ -33066,7 +33066,7 @@
           <a:p>
             <a:fld id="{2CED4963-E985-44C4-B8C4-FDD613B7C2F8}" type="datetime1">
               <a:rPr lang="en-US" smtClean="0"/>
-              <a:t>12/7/2023</a:t>
+              <a:t>12/6/2023</a:t>
             </a:fld>
             <a:endParaRPr lang="en-US"/>
           </a:p>
@@ -33246,7 +33246,7 @@
           <a:p>
             <a:fld id="{ED291B17-9318-49DB-B28B-6E5994AE9581}" type="datetime1">
               <a:rPr lang="en-US" smtClean="0"/>
-              <a:t>12/7/2023</a:t>
+              <a:t>12/6/2023</a:t>
             </a:fld>
             <a:endParaRPr lang="en-US"/>
           </a:p>
@@ -33491,7 +33491,7 @@
           <a:p>
             <a:fld id="{ED291B17-9318-49DB-B28B-6E5994AE9581}" type="datetime1">
               <a:rPr lang="en-US" smtClean="0"/>
-              <a:t>12/7/2023</a:t>
+              <a:t>12/6/2023</a:t>
             </a:fld>
             <a:endParaRPr lang="en-US"/>
           </a:p>
@@ -33691,7 +33691,7 @@
           <a:p>
             <a:fld id="{78DD82B9-B8EE-4375-B6FF-88FA6ABB15D9}" type="datetime1">
               <a:rPr lang="en-US" smtClean="0"/>
-              <a:t>12/7/2023</a:t>
+              <a:t>12/6/2023</a:t>
             </a:fld>
             <a:endParaRPr lang="en-US"/>
           </a:p>
@@ -33967,7 +33967,7 @@
           <a:p>
             <a:fld id="{B2497495-0637-405E-AE64-5CC7506D51F5}" type="datetime1">
               <a:rPr lang="en-US" smtClean="0"/>
-              <a:t>12/7/2023</a:t>
+              <a:t>12/6/2023</a:t>
             </a:fld>
             <a:endParaRPr lang="en-US"/>
           </a:p>
@@ -34235,7 +34235,7 @@
           <a:p>
             <a:fld id="{7BFFD690-9426-415D-8B65-26881E07B2D4}" type="datetime1">
               <a:rPr lang="en-US" smtClean="0"/>
-              <a:t>12/7/2023</a:t>
+              <a:t>12/6/2023</a:t>
             </a:fld>
             <a:endParaRPr lang="en-US"/>
           </a:p>
@@ -34650,7 +34650,7 @@
           <a:p>
             <a:fld id="{04C4989A-474C-40DE-95B9-011C28B71673}" type="datetime1">
               <a:rPr lang="en-US" smtClean="0"/>
-              <a:t>12/7/2023</a:t>
+              <a:t>12/6/2023</a:t>
             </a:fld>
             <a:endParaRPr lang="en-US"/>
           </a:p>
@@ -34792,7 +34792,7 @@
           <a:p>
             <a:fld id="{5DB4ED54-5B5E-4A04-93D3-5772E3CE3818}" type="datetime1">
               <a:rPr lang="en-US" smtClean="0"/>
-              <a:t>12/7/2023</a:t>
+              <a:t>12/6/2023</a:t>
             </a:fld>
             <a:endParaRPr lang="en-US"/>
           </a:p>
@@ -34899,7 +34899,7 @@
           <a:p>
             <a:fld id="{4EDE50D6-574B-40AF-946F-D52A04ADE379}" type="datetime1">
               <a:rPr lang="en-US" smtClean="0"/>
-              <a:t>12/7/2023</a:t>
+              <a:t>12/6/2023</a:t>
             </a:fld>
             <a:endParaRPr lang="en-US"/>
           </a:p>
@@ -35000,7 +35000,7 @@
           <a:p>
             <a:fld id="{4EDE50D6-574B-40AF-946F-D52A04ADE379}" type="datetime1">
               <a:rPr lang="en-US" smtClean="0"/>
-              <a:t>12/7/2023</a:t>
+              <a:t>12/6/2023</a:t>
             </a:fld>
             <a:endParaRPr lang="en-US"/>
           </a:p>
@@ -35313,7 +35313,7 @@
           <a:p>
             <a:fld id="{D82884F1-FFEA-405F-9602-3DCA865EDA4E}" type="datetime1">
               <a:rPr lang="en-US" smtClean="0"/>
-              <a:t>12/7/2023</a:t>
+              <a:t>12/6/2023</a:t>
             </a:fld>
             <a:endParaRPr lang="en-US"/>
           </a:p>
@@ -35603,7 +35603,7 @@
           <a:p>
             <a:fld id="{7E18DB4A-8810-4A10-AD5C-D5E2C667F5B3}" type="datetime1">
               <a:rPr lang="en-US" smtClean="0"/>
-              <a:t>12/7/2023</a:t>
+              <a:t>12/6/2023</a:t>
             </a:fld>
             <a:endParaRPr lang="en-US"/>
           </a:p>
@@ -35804,7 +35804,7 @@
           <a:p>
             <a:fld id="{2CED4963-E985-44C4-B8C4-FDD613B7C2F8}" type="datetime1">
               <a:rPr lang="en-US" smtClean="0"/>
-              <a:t>12/7/2023</a:t>
+              <a:t>12/6/2023</a:t>
             </a:fld>
             <a:endParaRPr lang="en-US"/>
           </a:p>
@@ -36014,7 +36014,7 @@
           <a:p>
             <a:fld id="{ED291B17-9318-49DB-B28B-6E5994AE9581}" type="datetime1">
               <a:rPr lang="en-US" smtClean="0"/>
-              <a:t>12/7/2023</a:t>
+              <a:t>12/6/2023</a:t>
             </a:fld>
             <a:endParaRPr lang="en-US"/>
           </a:p>
@@ -36403,7 +36403,7 @@
           <a:p>
             <a:fld id="{D82884F1-FFEA-405F-9602-3DCA865EDA4E}" type="datetime1">
               <a:rPr lang="en-US" smtClean="0"/>
-              <a:t>12/7/2023</a:t>
+              <a:t>12/6/2023</a:t>
             </a:fld>
             <a:endParaRPr lang="en-US"/>
           </a:p>
@@ -36695,7 +36695,7 @@
           <a:p>
             <a:fld id="{7E18DB4A-8810-4A10-AD5C-D5E2C667F5B3}" type="datetime1">
               <a:rPr lang="en-US" smtClean="0"/>
-              <a:t>12/7/2023</a:t>
+              <a:t>12/6/2023</a:t>
             </a:fld>
             <a:endParaRPr lang="en-US"/>
           </a:p>
@@ -36910,7 +36910,7 @@
           <a:p>
             <a:fld id="{ED291B17-9318-49DB-B28B-6E5994AE9581}" type="datetime1">
               <a:rPr lang="en-US" smtClean="0"/>
-              <a:t>12/7/2023</a:t>
+              <a:t>12/6/2023</a:t>
             </a:fld>
             <a:endParaRPr lang="en-US"/>
           </a:p>
@@ -37758,7 +37758,7 @@
           <a:p>
             <a:fld id="{ED291B17-9318-49DB-B28B-6E5994AE9581}" type="datetime1">
               <a:rPr lang="en-US" smtClean="0"/>
-              <a:t>12/7/2023</a:t>
+              <a:t>12/6/2023</a:t>
             </a:fld>
             <a:endParaRPr lang="en-US"/>
           </a:p>
@@ -38412,7 +38412,7 @@
           <a:p>
             <a:fld id="{ED291B17-9318-49DB-B28B-6E5994AE9581}" type="datetime1">
               <a:rPr lang="en-US" smtClean="0"/>
-              <a:t>12/7/2023</a:t>
+              <a:t>12/6/2023</a:t>
             </a:fld>
             <a:endParaRPr lang="en-US"/>
           </a:p>
@@ -39320,7 +39320,7 @@
           <a:p>
             <a:fld id="{ED291B17-9318-49DB-B28B-6E5994AE9581}" type="datetime1">
               <a:rPr lang="en-US" smtClean="0"/>
-              <a:t>12/7/2023</a:t>
+              <a:t>12/6/2023</a:t>
             </a:fld>
             <a:endParaRPr lang="en-US"/>
           </a:p>
@@ -39989,7 +39989,7 @@
           <a:p>
             <a:fld id="{ED291B17-9318-49DB-B28B-6E5994AE9581}" type="datetime1">
               <a:rPr lang="en-US" smtClean="0"/>
-              <a:t>12/7/2023</a:t>
+              <a:t>12/6/2023</a:t>
             </a:fld>
             <a:endParaRPr lang="en-US"/>
           </a:p>
@@ -40645,7 +40645,7 @@
           <a:p>
             <a:fld id="{ED291B17-9318-49DB-B28B-6E5994AE9581}" type="datetime1">
               <a:rPr lang="en-US" smtClean="0"/>
-              <a:t>12/7/2023</a:t>
+              <a:t>12/6/2023</a:t>
             </a:fld>
             <a:endParaRPr lang="en-US"/>
           </a:p>
@@ -41716,6 +41716,40 @@
       </p:sp>
       <p:pic>
         <p:nvPicPr>
+          <p:cNvPr id="13" name="Picture 12">
+            <a:extLst>
+              <a:ext uri="{FF2B5EF4-FFF2-40B4-BE49-F238E27FC236}">
+                <a16:creationId xmlns:a16="http://schemas.microsoft.com/office/drawing/2014/main" id="{1719DED2-89D8-4D05-826E-7D7D896BF7DA}"/>
+              </a:ext>
+            </a:extLst>
+          </p:cNvPr>
+          <p:cNvPicPr/>
+          <p:nvPr/>
+        </p:nvPicPr>
+        <p:blipFill>
+          <a:blip r:embed="rId2" cstate="print">
+            <a:extLst>
+              <a:ext uri="{28A0092B-C50C-407E-A947-70E740481C1C}">
+                <a14:useLocalDpi xmlns:a14="http://schemas.microsoft.com/office/drawing/2010/main" val="0"/>
+              </a:ext>
+            </a:extLst>
+          </a:blip>
+          <a:stretch>
+            <a:fillRect/>
+          </a:stretch>
+        </p:blipFill>
+        <p:spPr>
+          <a:xfrm>
+            <a:off x="1912418" y="2587296"/>
+            <a:ext cx="8367164" cy="1683408"/>
+          </a:xfrm>
+          <a:prstGeom prst="rect">
+            <a:avLst/>
+          </a:prstGeom>
+        </p:spPr>
+      </p:pic>
+      <p:pic>
+        <p:nvPicPr>
           <p:cNvPr id="14" name="Picture 13">
             <a:extLst>
               <a:ext uri="{FF2B5EF4-FFF2-40B4-BE49-F238E27FC236}">
@@ -41727,14 +41761,14 @@
           <p:nvPr/>
         </p:nvPicPr>
         <p:blipFill>
-          <a:blip r:embed="rId2"/>
+          <a:blip r:embed="rId3"/>
           <a:stretch>
             <a:fillRect/>
           </a:stretch>
         </p:blipFill>
         <p:spPr>
           <a:xfrm>
-            <a:off x="1058233" y="381757"/>
+            <a:off x="688976" y="248052"/>
             <a:ext cx="10729505" cy="6188304"/>
           </a:xfrm>
           <a:prstGeom prst="rect">
@@ -41755,14 +41789,14 @@
           <p:nvPr/>
         </p:nvPicPr>
         <p:blipFill>
-          <a:blip r:embed="rId3"/>
+          <a:blip r:embed="rId4"/>
           <a:stretch>
             <a:fillRect/>
           </a:stretch>
         </p:blipFill>
         <p:spPr>
           <a:xfrm>
-            <a:off x="3228575" y="2704004"/>
+            <a:off x="3228575" y="2091872"/>
             <a:ext cx="5734850" cy="2500663"/>
           </a:xfrm>
           <a:prstGeom prst="rect">
@@ -41783,14 +41817,14 @@
           <p:nvPr/>
         </p:nvPicPr>
         <p:blipFill>
-          <a:blip r:embed="rId4"/>
+          <a:blip r:embed="rId5"/>
           <a:stretch>
             <a:fillRect/>
           </a:stretch>
         </p:blipFill>
         <p:spPr>
           <a:xfrm>
-            <a:off x="1058232" y="381757"/>
+            <a:off x="688975" y="248051"/>
             <a:ext cx="10729505" cy="6188304"/>
           </a:xfrm>
           <a:prstGeom prst="rect">
@@ -41811,14 +41845,14 @@
           <p:nvPr/>
         </p:nvPicPr>
         <p:blipFill>
-          <a:blip r:embed="rId5"/>
+          <a:blip r:embed="rId6"/>
           <a:stretch>
             <a:fillRect/>
           </a:stretch>
         </p:blipFill>
         <p:spPr>
           <a:xfrm>
-            <a:off x="4174770" y="2803583"/>
+            <a:off x="4245453" y="2745485"/>
             <a:ext cx="4496428" cy="1367030"/>
           </a:xfrm>
           <a:prstGeom prst="rect">
@@ -41860,6 +41894,9 @@
                     <p:cTn id="3" fill="hold">
                       <p:stCondLst>
                         <p:cond delay="indefinite"/>
+                        <p:cond evt="onBegin" delay="0">
+                          <p:tn val="2"/>
+                        </p:cond>
                       </p:stCondLst>
                       <p:childTnLst>
                         <p:par>
@@ -41869,7 +41906,7 @@
                             </p:stCondLst>
                             <p:childTnLst>
                               <p:par>
-                                <p:cTn id="5" presetID="22" presetClass="entr" presetSubtype="4" fill="hold" nodeType="clickEffect">
+                                <p:cTn id="5" presetID="14" presetClass="entr" presetSubtype="10" fill="hold" nodeType="afterEffect">
                                   <p:stCondLst>
                                     <p:cond delay="0"/>
                                   </p:stCondLst>
@@ -41882,7 +41919,7 @@
                                           </p:stCondLst>
                                         </p:cTn>
                                         <p:tgtEl>
-                                          <p:spTgt spid="14"/>
+                                          <p:spTgt spid="13"/>
                                         </p:tgtEl>
                                         <p:attrNameLst>
                                           <p:attrName>style.visibility</p:attrName>
@@ -41892,11 +41929,11 @@
                                         <p:strVal val="visible"/>
                                       </p:to>
                                     </p:set>
-                                    <p:animEffect transition="in" filter="wipe(down)">
+                                    <p:animEffect transition="in" filter="randombar(horizontal)">
                                       <p:cBhvr>
                                         <p:cTn id="7" dur="500"/>
                                         <p:tgtEl>
-                                          <p:spTgt spid="14"/>
+                                          <p:spTgt spid="13"/>
                                         </p:tgtEl>
                                       </p:cBhvr>
                                     </p:animEffect>
@@ -41922,14 +41959,111 @@
                             </p:stCondLst>
                             <p:childTnLst>
                               <p:par>
-                                <p:cTn id="10" presetID="42" presetClass="exit" presetSubtype="0" fill="hold" nodeType="clickEffect">
+                                <p:cTn id="10" presetID="10" presetClass="exit" presetSubtype="0" fill="hold" nodeType="clickEffect">
                                   <p:stCondLst>
                                     <p:cond delay="0"/>
                                   </p:stCondLst>
                                   <p:childTnLst>
                                     <p:animEffect transition="out" filter="fade">
                                       <p:cBhvr>
-                                        <p:cTn id="11" dur="1000"/>
+                                        <p:cTn id="11" dur="500"/>
+                                        <p:tgtEl>
+                                          <p:spTgt spid="13"/>
+                                        </p:tgtEl>
+                                      </p:cBhvr>
+                                    </p:animEffect>
+                                    <p:set>
+                                      <p:cBhvr>
+                                        <p:cTn id="12" dur="1" fill="hold">
+                                          <p:stCondLst>
+                                            <p:cond delay="499"/>
+                                          </p:stCondLst>
+                                        </p:cTn>
+                                        <p:tgtEl>
+                                          <p:spTgt spid="13"/>
+                                        </p:tgtEl>
+                                        <p:attrNameLst>
+                                          <p:attrName>style.visibility</p:attrName>
+                                        </p:attrNameLst>
+                                      </p:cBhvr>
+                                      <p:to>
+                                        <p:strVal val="hidden"/>
+                                      </p:to>
+                                    </p:set>
+                                  </p:childTnLst>
+                                </p:cTn>
+                              </p:par>
+                            </p:childTnLst>
+                          </p:cTn>
+                        </p:par>
+                        <p:par>
+                          <p:cTn id="13" fill="hold">
+                            <p:stCondLst>
+                              <p:cond delay="500"/>
+                            </p:stCondLst>
+                            <p:childTnLst>
+                              <p:par>
+                                <p:cTn id="14" presetID="22" presetClass="entr" presetSubtype="4" fill="hold" nodeType="afterEffect">
+                                  <p:stCondLst>
+                                    <p:cond delay="0"/>
+                                  </p:stCondLst>
+                                  <p:childTnLst>
+                                    <p:set>
+                                      <p:cBhvr>
+                                        <p:cTn id="15" dur="1" fill="hold">
+                                          <p:stCondLst>
+                                            <p:cond delay="0"/>
+                                          </p:stCondLst>
+                                        </p:cTn>
+                                        <p:tgtEl>
+                                          <p:spTgt spid="14"/>
+                                        </p:tgtEl>
+                                        <p:attrNameLst>
+                                          <p:attrName>style.visibility</p:attrName>
+                                        </p:attrNameLst>
+                                      </p:cBhvr>
+                                      <p:to>
+                                        <p:strVal val="visible"/>
+                                      </p:to>
+                                    </p:set>
+                                    <p:animEffect transition="in" filter="wipe(down)">
+                                      <p:cBhvr>
+                                        <p:cTn id="16" dur="500"/>
+                                        <p:tgtEl>
+                                          <p:spTgt spid="14"/>
+                                        </p:tgtEl>
+                                      </p:cBhvr>
+                                    </p:animEffect>
+                                  </p:childTnLst>
+                                </p:cTn>
+                              </p:par>
+                            </p:childTnLst>
+                          </p:cTn>
+                        </p:par>
+                      </p:childTnLst>
+                    </p:cTn>
+                  </p:par>
+                  <p:par>
+                    <p:cTn id="17" fill="hold">
+                      <p:stCondLst>
+                        <p:cond delay="indefinite"/>
+                      </p:stCondLst>
+                      <p:childTnLst>
+                        <p:par>
+                          <p:cTn id="18" fill="hold">
+                            <p:stCondLst>
+                              <p:cond delay="0"/>
+                            </p:stCondLst>
+                            <p:childTnLst>
+                              <p:par>
+                                <p:cTn id="19" presetID="42" presetClass="exit" presetSubtype="0" fill="hold" nodeType="clickEffect">
+                                  <p:stCondLst>
+                                    <p:cond delay="0"/>
+                                  </p:stCondLst>
+                                  <p:childTnLst>
+                                    <p:animEffect transition="out" filter="fade">
+                                      <p:cBhvr>
+                                        <p:cTn id="20" dur="1000"/>
                                         <p:tgtEl>
                                           <p:spTgt spid="14"/>
                                         </p:tgtEl>
@@ -41937,7 +42071,7 @@
                                     </p:animEffect>
                                     <p:anim calcmode="lin" valueType="num">
                                       <p:cBhvr>
-                                        <p:cTn id="12" dur="1000"/>
+                                        <p:cTn id="21" dur="1000"/>
                                         <p:tgtEl>
                                           <p:spTgt spid="14"/>
                                         </p:tgtEl>
@@ -41960,7 +42094,7 @@
                                     </p:anim>
                                     <p:anim calcmode="lin" valueType="num">
                                       <p:cBhvr>
-                                        <p:cTn id="13" dur="1000"/>
+                                        <p:cTn id="22" dur="1000"/>
                                         <p:tgtEl>
                                           <p:spTgt spid="14"/>
                                         </p:tgtEl>
@@ -41983,7 +42117,7 @@
                                     </p:anim>
                                     <p:set>
                                       <p:cBhvr>
-                                        <p:cTn id="14" dur="1" fill="hold">
+                                        <p:cTn id="23" dur="1" fill="hold">
                                           <p:stCondLst>
                                             <p:cond delay="999"/>
                                           </p:stCondLst>
@@ -42006,20 +42140,20 @@
                           </p:cTn>
                         </p:par>
                         <p:par>
-                          <p:cTn id="15" fill="hold">
+                          <p:cTn id="24" fill="hold">
                             <p:stCondLst>
                               <p:cond delay="1000"/>
                             </p:stCondLst>
                             <p:childTnLst>
                               <p:par>
-                                <p:cTn id="16" presetID="1" presetClass="entr" presetSubtype="0" fill="hold" nodeType="afterEffect">
+                                <p:cTn id="25" presetID="1" presetClass="entr" presetSubtype="0" fill="hold" nodeType="afterEffect">
                                   <p:stCondLst>
                                     <p:cond delay="0"/>
                                   </p:stCondLst>
                                   <p:childTnLst>
                                     <p:set>
                                       <p:cBhvr>
-                                        <p:cTn id="17" dur="1" fill="hold">
+                                        <p:cTn id="26" dur="1" fill="hold">
                                           <p:stCondLst>
                                             <p:cond delay="0"/>
                                           </p:stCondLst>
@@ -42045,26 +42179,26 @@
                     </p:cTn>
                   </p:par>
                   <p:par>
-                    <p:cTn id="18" fill="hold">
+                    <p:cTn id="27" fill="hold">
                       <p:stCondLst>
                         <p:cond delay="indefinite"/>
                       </p:stCondLst>
                       <p:childTnLst>
                         <p:par>
-                          <p:cTn id="19" fill="hold">
+                          <p:cTn id="28" fill="hold">
                             <p:stCondLst>
                               <p:cond delay="0"/>
                             </p:stCondLst>
                             <p:childTnLst>
                               <p:par>
-                                <p:cTn id="20" presetID="16" presetClass="exit" presetSubtype="21" fill="hold" nodeType="clickEffect">
+                                <p:cTn id="29" presetID="16" presetClass="exit" presetSubtype="21" fill="hold" nodeType="clickEffect">
                                   <p:stCondLst>
                                     <p:cond delay="0"/>
                                   </p:stCondLst>
                                   <p:childTnLst>
                                     <p:animEffect transition="out" filter="barn(inVertical)">
                                       <p:cBhvr>
-                                        <p:cTn id="21" dur="500"/>
+                                        <p:cTn id="30" dur="500"/>
                                         <p:tgtEl>
                                           <p:spTgt spid="15"/>
                                         </p:tgtEl>
@@ -42072,7 +42206,7 @@
                                     </p:animEffect>
                                     <p:set>
                                       <p:cBhvr>
-                                        <p:cTn id="22" dur="1" fill="hold">
+                                        <p:cTn id="31" dur="1" fill="hold">
                                           <p:stCondLst>
                                             <p:cond delay="499"/>
                                           </p:stCondLst>
@@ -42095,20 +42229,20 @@
                           </p:cTn>
                         </p:par>
                         <p:par>
-                          <p:cTn id="23" fill="hold">
+                          <p:cTn id="32" fill="hold">
                             <p:stCondLst>
                               <p:cond delay="500"/>
                             </p:stCondLst>
                             <p:childTnLst>
                               <p:par>
-                                <p:cTn id="24" presetID="16" presetClass="entr" presetSubtype="21" fill="hold" nodeType="afterEffect">
+                                <p:cTn id="33" presetID="16" presetClass="entr" presetSubtype="21" fill="hold" nodeType="afterEffect">
                                   <p:stCondLst>
                                     <p:cond delay="0"/>
                                   </p:stCondLst>
                                   <p:childTnLst>
                                     <p:set>
                                       <p:cBhvr>
-                                        <p:cTn id="25" dur="1" fill="hold">
+                                        <p:cTn id="34" dur="1" fill="hold">
                                           <p:stCondLst>
                                             <p:cond delay="0"/>
                                           </p:stCondLst>
@@ -42126,7 +42260,7 @@
                                     </p:set>
                                     <p:animEffect transition="in" filter="barn(inVertical)">
                                       <p:cBhvr>
-                                        <p:cTn id="26" dur="500"/>
+                                        <p:cTn id="35" dur="500"/>
                                         <p:tgtEl>
                                           <p:spTgt spid="16"/>
                                         </p:tgtEl>
@@ -42142,26 +42276,26 @@
                     </p:cTn>
                   </p:par>
                   <p:par>
-                    <p:cTn id="27" fill="hold">
+                    <p:cTn id="36" fill="hold">
                       <p:stCondLst>
                         <p:cond delay="indefinite"/>
                       </p:stCondLst>
                       <p:childTnLst>
                         <p:par>
-                          <p:cTn id="28" fill="hold">
+                          <p:cTn id="37" fill="hold">
                             <p:stCondLst>
                               <p:cond delay="0"/>
                             </p:stCondLst>
                             <p:childTnLst>
                               <p:par>
-                                <p:cTn id="29" presetID="21" presetClass="exit" presetSubtype="1" fill="hold" nodeType="clickEffect">
+                                <p:cTn id="38" presetID="21" presetClass="exit" presetSubtype="1" fill="hold" nodeType="clickEffect">
                                   <p:stCondLst>
                                     <p:cond delay="0"/>
                                   </p:stCondLst>
                                   <p:childTnLst>
                                     <p:animEffect transition="out" filter="wheel(1)">
                                       <p:cBhvr>
-                                        <p:cTn id="30" dur="500"/>
+                                        <p:cTn id="39" dur="500"/>
                                         <p:tgtEl>
                                           <p:spTgt spid="16"/>
                                         </p:tgtEl>
@@ -42169,7 +42303,7 @@
                                     </p:animEffect>
                                     <p:set>
                                       <p:cBhvr>
-                                        <p:cTn id="31" dur="1" fill="hold">
+                                        <p:cTn id="40" dur="1" fill="hold">
                                           <p:stCondLst>
                                             <p:cond delay="499"/>
                                           </p:stCondLst>
@@ -42192,20 +42326,20 @@
                           </p:cTn>
                         </p:par>
                         <p:par>
-                          <p:cTn id="32" fill="hold">
+                          <p:cTn id="41" fill="hold">
                             <p:stCondLst>
                               <p:cond delay="500"/>
                             </p:stCondLst>
                             <p:childTnLst>
                               <p:par>
-                                <p:cTn id="33" presetID="14" presetClass="entr" presetSubtype="10" fill="hold" nodeType="afterEffect">
+                                <p:cTn id="42" presetID="14" presetClass="entr" presetSubtype="10" fill="hold" nodeType="afterEffect">
                                   <p:stCondLst>
                                     <p:cond delay="0"/>
                                   </p:stCondLst>
                                   <p:childTnLst>
                                     <p:set>
                                       <p:cBhvr>
-                                        <p:cTn id="34" dur="1" fill="hold">
+                                        <p:cTn id="43" dur="1" fill="hold">
                                           <p:stCondLst>
                                             <p:cond delay="0"/>
                                           </p:stCondLst>
@@ -42223,7 +42357,7 @@
                                     </p:set>
                                     <p:animEffect transition="in" filter="randombar(horizontal)">
                                       <p:cBhvr>
-                                        <p:cTn id="35" dur="500"/>
+                                        <p:cTn id="44" dur="500"/>
                                         <p:tgtEl>
                                           <p:spTgt spid="17"/>
                                         </p:tgtEl>
@@ -42520,6 +42654,40 @@
       </p:sp>
       <p:pic>
         <p:nvPicPr>
+          <p:cNvPr id="4" name="Picture 3">
+            <a:extLst>
+              <a:ext uri="{FF2B5EF4-FFF2-40B4-BE49-F238E27FC236}">
+                <a16:creationId xmlns:a16="http://schemas.microsoft.com/office/drawing/2014/main" id="{1A1357F2-507D-4F5F-A67E-B2D8B84057A9}"/>
+              </a:ext>
+            </a:extLst>
+          </p:cNvPr>
+          <p:cNvPicPr/>
+          <p:nvPr/>
+        </p:nvPicPr>
+        <p:blipFill>
+          <a:blip r:embed="rId2" cstate="print">
+            <a:extLst>
+              <a:ext uri="{28A0092B-C50C-407E-A947-70E740481C1C}">
+                <a14:useLocalDpi xmlns:a14="http://schemas.microsoft.com/office/drawing/2010/main" val="0"/>
+              </a:ext>
+            </a:extLst>
+          </a:blip>
+          <a:stretch>
+            <a:fillRect/>
+          </a:stretch>
+        </p:blipFill>
+        <p:spPr>
+          <a:xfrm>
+            <a:off x="3305810" y="2924810"/>
+            <a:ext cx="5580380" cy="2151380"/>
+          </a:xfrm>
+          <a:prstGeom prst="rect">
+            <a:avLst/>
+          </a:prstGeom>
+        </p:spPr>
+      </p:pic>
+      <p:pic>
+        <p:nvPicPr>
           <p:cNvPr id="5" name="Picture 4">
             <a:extLst>
               <a:ext uri="{FF2B5EF4-FFF2-40B4-BE49-F238E27FC236}">
@@ -42531,14 +42699,14 @@
           <p:nvPr/>
         </p:nvPicPr>
         <p:blipFill>
-          <a:blip r:embed="rId2"/>
+          <a:blip r:embed="rId3"/>
           <a:stretch>
             <a:fillRect/>
           </a:stretch>
         </p:blipFill>
         <p:spPr>
           <a:xfrm>
-            <a:off x="3203328" y="2438399"/>
+            <a:off x="3797772" y="2496918"/>
             <a:ext cx="4596455" cy="3634295"/>
           </a:xfrm>
           <a:prstGeom prst="rect">
@@ -42559,14 +42727,14 @@
           <p:nvPr/>
         </p:nvPicPr>
         <p:blipFill>
-          <a:blip r:embed="rId3"/>
+          <a:blip r:embed="rId4"/>
           <a:stretch>
             <a:fillRect/>
           </a:stretch>
         </p:blipFill>
         <p:spPr>
           <a:xfrm>
-            <a:off x="3203327" y="2479386"/>
+            <a:off x="3797772" y="2438399"/>
             <a:ext cx="4596455" cy="3692814"/>
           </a:xfrm>
           <a:prstGeom prst="rect">
@@ -42587,14 +42755,14 @@
           <p:nvPr/>
         </p:nvPicPr>
         <p:blipFill>
-          <a:blip r:embed="rId4"/>
+          <a:blip r:embed="rId5"/>
           <a:stretch>
             <a:fillRect/>
           </a:stretch>
         </p:blipFill>
         <p:spPr>
           <a:xfrm>
-            <a:off x="3203326" y="2379880"/>
+            <a:off x="3797772" y="2438399"/>
             <a:ext cx="4596454" cy="3692814"/>
           </a:xfrm>
           <a:prstGeom prst="rect">
@@ -42612,13 +42780,13 @@
   <p:clrMapOvr>
     <a:masterClrMapping/>
   </p:clrMapOvr>
-  <mc:AlternateContent xmlns:mc="http://schemas.openxmlformats.org/markup-compatibility/2006" xmlns:p159="http://schemas.microsoft.com/office/powerpoint/2015/09/main">
-    <mc:Choice Requires="p159">
+  <mc:AlternateContent xmlns:mc="http://schemas.openxmlformats.org/markup-compatibility/2006">
+    <mc:Choice xmlns:p159="http://schemas.microsoft.com/office/powerpoint/2015/09/main" Requires="p159">
       <p:transition xmlns:p14="http://schemas.microsoft.com/office/powerpoint/2010/main" spd="slow" p14:dur="2000">
         <p159:morph option="byObject"/>
       </p:transition>
     </mc:Choice>
-    <mc:Fallback xmlns="">
+    <mc:Fallback>
       <p:transition spd="slow">
         <p:fade/>
       </p:transition>
@@ -42648,7 +42816,7 @@
                             </p:stCondLst>
                             <p:childTnLst>
                               <p:par>
-                                <p:cTn id="5" presetID="53" presetClass="entr" presetSubtype="16" fill="hold" nodeType="afterEffect">
+                                <p:cTn id="5" presetID="42" presetClass="entr" presetSubtype="0" fill="hold" nodeType="afterEffect">
                                   <p:stCondLst>
                                     <p:cond delay="0"/>
                                   </p:stCondLst>
@@ -42656,6 +42824,149 @@
                                     <p:set>
                                       <p:cBhvr>
                                         <p:cTn id="6" dur="1" fill="hold">
+                                          <p:stCondLst>
+                                            <p:cond delay="0"/>
+                                          </p:stCondLst>
+                                        </p:cTn>
+                                        <p:tgtEl>
+                                          <p:spTgt spid="4"/>
+                                        </p:tgtEl>
+                                        <p:attrNameLst>
+                                          <p:attrName>style.visibility</p:attrName>
+                                        </p:attrNameLst>
+                                      </p:cBhvr>
+                                      <p:to>
+                                        <p:strVal val="visible"/>
+                                      </p:to>
+                                    </p:set>
+                                    <p:animEffect transition="in" filter="fade">
+                                      <p:cBhvr>
+                                        <p:cTn id="7" dur="1000"/>
+                                        <p:tgtEl>
+                                          <p:spTgt spid="4"/>
+                                        </p:tgtEl>
+                                      </p:cBhvr>
+                                    </p:animEffect>
+                                    <p:anim calcmode="lin" valueType="num">
+                                      <p:cBhvr>
+                                        <p:cTn id="8" dur="1000" fill="hold"/>
+                                        <p:tgtEl>
+                                          <p:spTgt spid="4"/>
+                                        </p:tgtEl>
+                                        <p:attrNameLst>
+                                          <p:attrName>ppt_x</p:attrName>
+                                        </p:attrNameLst>
+                                      </p:cBhvr>
+                                      <p:tavLst>
+                                        <p:tav tm="0">
+                                          <p:val>
+                                            <p:strVal val="#ppt_x"/>
+                                          </p:val>
+                                        </p:tav>
+                                        <p:tav tm="100000">
+                                          <p:val>
+                                            <p:strVal val="#ppt_x"/>
+                                          </p:val>
+                                        </p:tav>
+                                      </p:tavLst>
+                                    </p:anim>
+                                    <p:anim calcmode="lin" valueType="num">
+                                      <p:cBhvr>
+                                        <p:cTn id="9" dur="1000" fill="hold"/>
+                                        <p:tgtEl>
+                                          <p:spTgt spid="4"/>
+                                        </p:tgtEl>
+                                        <p:attrNameLst>
+                                          <p:attrName>ppt_y</p:attrName>
+                                        </p:attrNameLst>
+                                      </p:cBhvr>
+                                      <p:tavLst>
+                                        <p:tav tm="0">
+                                          <p:val>
+                                            <p:strVal val="#ppt_y+.1"/>
+                                          </p:val>
+                                        </p:tav>
+                                        <p:tav tm="100000">
+                                          <p:val>
+                                            <p:strVal val="#ppt_y"/>
+                                          </p:val>
+                                        </p:tav>
+                                      </p:tavLst>
+                                    </p:anim>
+                                  </p:childTnLst>
+                                </p:cTn>
+                              </p:par>
+                            </p:childTnLst>
+                          </p:cTn>
+                        </p:par>
+                      </p:childTnLst>
+                    </p:cTn>
+                  </p:par>
+                  <p:par>
+                    <p:cTn id="10" fill="hold">
+                      <p:stCondLst>
+                        <p:cond delay="indefinite"/>
+                      </p:stCondLst>
+                      <p:childTnLst>
+                        <p:par>
+                          <p:cTn id="11" fill="hold">
+                            <p:stCondLst>
+                              <p:cond delay="0"/>
+                            </p:stCondLst>
+                            <p:childTnLst>
+                              <p:par>
+                                <p:cTn id="12" presetID="22" presetClass="exit" presetSubtype="4" fill="hold" nodeType="clickEffect">
+                                  <p:stCondLst>
+                                    <p:cond delay="0"/>
+                                  </p:stCondLst>
+                                  <p:childTnLst>
+                                    <p:animEffect transition="out" filter="wipe(down)">
+                                      <p:cBhvr>
+                                        <p:cTn id="13" dur="500"/>
+                                        <p:tgtEl>
+                                          <p:spTgt spid="4"/>
+                                        </p:tgtEl>
+                                      </p:cBhvr>
+                                    </p:animEffect>
+                                    <p:set>
+                                      <p:cBhvr>
+                                        <p:cTn id="14" dur="1" fill="hold">
+                                          <p:stCondLst>
+                                            <p:cond delay="499"/>
+                                          </p:stCondLst>
+                                        </p:cTn>
+                                        <p:tgtEl>
+                                          <p:spTgt spid="4"/>
+                                        </p:tgtEl>
+                                        <p:attrNameLst>
+                                          <p:attrName>style.visibility</p:attrName>
+                                        </p:attrNameLst>
+                                      </p:cBhvr>
+                                      <p:to>
+                                        <p:strVal val="hidden"/>
+                                      </p:to>
+                                    </p:set>
+                                  </p:childTnLst>
+                                </p:cTn>
+                              </p:par>
+                            </p:childTnLst>
+                          </p:cTn>
+                        </p:par>
+                        <p:par>
+                          <p:cTn id="15" fill="hold">
+                            <p:stCondLst>
+                              <p:cond delay="500"/>
+                            </p:stCondLst>
+                            <p:childTnLst>
+                              <p:par>
+                                <p:cTn id="16" presetID="53" presetClass="entr" presetSubtype="16" fill="hold" nodeType="afterEffect">
+                                  <p:stCondLst>
+                                    <p:cond delay="0"/>
+                                  </p:stCondLst>
+                                  <p:childTnLst>
+                                    <p:set>
+                                      <p:cBhvr>
+                                        <p:cTn id="17" dur="1" fill="hold">
                                           <p:stCondLst>
                                             <p:cond delay="0"/>
                                           </p:stCondLst>
@@ -42673,7 +42984,7 @@
                                     </p:set>
                                     <p:anim calcmode="lin" valueType="num">
                                       <p:cBhvr>
-                                        <p:cTn id="7" dur="500" fill="hold"/>
+                                        <p:cTn id="18" dur="500" fill="hold"/>
                                         <p:tgtEl>
                                           <p:spTgt spid="5"/>
                                         </p:tgtEl>
@@ -42696,7 +43007,7 @@
                                     </p:anim>
                                     <p:anim calcmode="lin" valueType="num">
                                       <p:cBhvr>
-                                        <p:cTn id="8" dur="500" fill="hold"/>
+                                        <p:cTn id="19" dur="500" fill="hold"/>
                                         <p:tgtEl>
                                           <p:spTgt spid="5"/>
                                         </p:tgtEl>
@@ -42719,7 +43030,7 @@
                                     </p:anim>
                                     <p:animEffect transition="in" filter="fade">
                                       <p:cBhvr>
-                                        <p:cTn id="9" dur="500"/>
+                                        <p:cTn id="20" dur="500"/>
                                         <p:tgtEl>
                                           <p:spTgt spid="5"/>
                                         </p:tgtEl>
@@ -42735,26 +43046,26 @@
                     </p:cTn>
                   </p:par>
                   <p:par>
-                    <p:cTn id="10" fill="hold">
+                    <p:cTn id="21" fill="hold">
                       <p:stCondLst>
                         <p:cond delay="indefinite"/>
                       </p:stCondLst>
                       <p:childTnLst>
                         <p:par>
-                          <p:cTn id="11" fill="hold">
+                          <p:cTn id="22" fill="hold">
                             <p:stCondLst>
                               <p:cond delay="0"/>
                             </p:stCondLst>
                             <p:childTnLst>
                               <p:par>
-                                <p:cTn id="12" presetID="1" presetClass="exit" presetSubtype="0" fill="hold" nodeType="clickEffect">
+                                <p:cTn id="23" presetID="1" presetClass="exit" presetSubtype="0" fill="hold" nodeType="clickEffect">
                                   <p:stCondLst>
                                     <p:cond delay="0"/>
                                   </p:stCondLst>
                                   <p:childTnLst>
                                     <p:set>
                                       <p:cBhvr>
-                                        <p:cTn id="13" dur="1" fill="hold">
+                                        <p:cTn id="24" dur="1" fill="hold">
                                           <p:stCondLst>
                                             <p:cond delay="0"/>
                                           </p:stCondLst>
@@ -42777,20 +43088,20 @@
                           </p:cTn>
                         </p:par>
                         <p:par>
-                          <p:cTn id="14" fill="hold">
+                          <p:cTn id="25" fill="hold">
                             <p:stCondLst>
                               <p:cond delay="0"/>
                             </p:stCondLst>
                             <p:childTnLst>
                               <p:par>
-                                <p:cTn id="15" presetID="53" presetClass="entr" presetSubtype="16" fill="hold" nodeType="afterEffect">
+                                <p:cTn id="26" presetID="53" presetClass="entr" presetSubtype="16" fill="hold" nodeType="afterEffect">
                                   <p:stCondLst>
                                     <p:cond delay="0"/>
                                   </p:stCondLst>
                                   <p:childTnLst>
                                     <p:set>
                                       <p:cBhvr>
-                                        <p:cTn id="16" dur="1" fill="hold">
+                                        <p:cTn id="27" dur="1" fill="hold">
                                           <p:stCondLst>
                                             <p:cond delay="0"/>
                                           </p:stCondLst>
@@ -42808,7 +43119,7 @@
                                     </p:set>
                                     <p:anim calcmode="lin" valueType="num">
                                       <p:cBhvr>
-                                        <p:cTn id="17" dur="500" fill="hold"/>
+                                        <p:cTn id="28" dur="500" fill="hold"/>
                                         <p:tgtEl>
                                           <p:spTgt spid="6"/>
                                         </p:tgtEl>
@@ -42831,7 +43142,7 @@
                                     </p:anim>
                                     <p:anim calcmode="lin" valueType="num">
                                       <p:cBhvr>
-                                        <p:cTn id="18" dur="500" fill="hold"/>
+                                        <p:cTn id="29" dur="500" fill="hold"/>
                                         <p:tgtEl>
                                           <p:spTgt spid="6"/>
                                         </p:tgtEl>
@@ -42854,7 +43165,7 @@
                                     </p:anim>
                                     <p:animEffect transition="in" filter="fade">
                                       <p:cBhvr>
-                                        <p:cTn id="19" dur="500"/>
+                                        <p:cTn id="30" dur="500"/>
                                         <p:tgtEl>
                                           <p:spTgt spid="6"/>
                                         </p:tgtEl>
@@ -42870,26 +43181,26 @@
                     </p:cTn>
                   </p:par>
                   <p:par>
-                    <p:cTn id="20" fill="hold">
+                    <p:cTn id="31" fill="hold">
                       <p:stCondLst>
                         <p:cond delay="indefinite"/>
                       </p:stCondLst>
                       <p:childTnLst>
                         <p:par>
-                          <p:cTn id="21" fill="hold">
+                          <p:cTn id="32" fill="hold">
                             <p:stCondLst>
                               <p:cond delay="0"/>
                             </p:stCondLst>
                             <p:childTnLst>
                               <p:par>
-                                <p:cTn id="22" presetID="16" presetClass="exit" presetSubtype="21" fill="hold" nodeType="clickEffect">
+                                <p:cTn id="33" presetID="16" presetClass="exit" presetSubtype="21" fill="hold" nodeType="clickEffect">
                                   <p:stCondLst>
                                     <p:cond delay="0"/>
                                   </p:stCondLst>
                                   <p:childTnLst>
                                     <p:animEffect transition="out" filter="barn(inVertical)">
                                       <p:cBhvr>
-                                        <p:cTn id="23" dur="500"/>
+                                        <p:cTn id="34" dur="500"/>
                                         <p:tgtEl>
                                           <p:spTgt spid="6"/>
                                         </p:tgtEl>
@@ -42897,7 +43208,7 @@
                                     </p:animEffect>
                                     <p:set>
                                       <p:cBhvr>
-                                        <p:cTn id="24" dur="1" fill="hold">
+                                        <p:cTn id="35" dur="1" fill="hold">
                                           <p:stCondLst>
                                             <p:cond delay="499"/>
                                           </p:stCondLst>
@@ -42920,20 +43231,20 @@
                           </p:cTn>
                         </p:par>
                         <p:par>
-                          <p:cTn id="25" fill="hold">
+                          <p:cTn id="36" fill="hold">
                             <p:stCondLst>
                               <p:cond delay="500"/>
                             </p:stCondLst>
                             <p:childTnLst>
                               <p:par>
-                                <p:cTn id="26" presetID="42" presetClass="entr" presetSubtype="0" fill="hold" nodeType="afterEffect">
+                                <p:cTn id="37" presetID="42" presetClass="entr" presetSubtype="0" fill="hold" nodeType="afterEffect">
                                   <p:stCondLst>
                                     <p:cond delay="0"/>
                                   </p:stCondLst>
                                   <p:childTnLst>
                                     <p:set>
                                       <p:cBhvr>
-                                        <p:cTn id="27" dur="1" fill="hold">
+                                        <p:cTn id="38" dur="1" fill="hold">
                                           <p:stCondLst>
                                             <p:cond delay="0"/>
                                           </p:stCondLst>
@@ -42951,7 +43262,7 @@
                                     </p:set>
                                     <p:animEffect transition="in" filter="fade">
                                       <p:cBhvr>
-                                        <p:cTn id="28" dur="1000"/>
+                                        <p:cTn id="39" dur="1000"/>
                                         <p:tgtEl>
                                           <p:spTgt spid="7"/>
                                         </p:tgtEl>
@@ -42959,7 +43270,7 @@
                                     </p:animEffect>
                                     <p:anim calcmode="lin" valueType="num">
                                       <p:cBhvr>
-                                        <p:cTn id="29" dur="1000" fill="hold"/>
+                                        <p:cTn id="40" dur="1000" fill="hold"/>
                                         <p:tgtEl>
                                           <p:spTgt spid="7"/>
                                         </p:tgtEl>
@@ -42982,7 +43293,7 @@
                                     </p:anim>
                                     <p:anim calcmode="lin" valueType="num">
                                       <p:cBhvr>
-                                        <p:cTn id="30" dur="1000" fill="hold"/>
+                                        <p:cTn id="41" dur="1000" fill="hold"/>
                                         <p:tgtEl>
                                           <p:spTgt spid="7"/>
                                         </p:tgtEl>
@@ -44538,13 +44849,13 @@
   <p:clrMapOvr>
     <a:masterClrMapping/>
   </p:clrMapOvr>
-  <mc:AlternateContent xmlns:mc="http://schemas.openxmlformats.org/markup-compatibility/2006" xmlns:p14="http://schemas.microsoft.com/office/powerpoint/2010/main">
-    <mc:Choice Requires="p14">
+  <mc:AlternateContent xmlns:mc="http://schemas.openxmlformats.org/markup-compatibility/2006">
+    <mc:Choice xmlns:p14="http://schemas.microsoft.com/office/powerpoint/2010/main" Requires="p14">
       <p:transition spd="slow" p14:dur="1400">
         <p:blinds/>
       </p:transition>
     </mc:Choice>
-    <mc:Fallback xmlns="">
+    <mc:Fallback>
       <p:transition spd="slow">
         <p:blinds/>
       </p:transition>
@@ -44594,13 +44905,13 @@
   <p:clrMapOvr>
     <a:masterClrMapping/>
   </p:clrMapOvr>
-  <mc:AlternateContent xmlns:mc="http://schemas.openxmlformats.org/markup-compatibility/2006" xmlns:p159="http://schemas.microsoft.com/office/powerpoint/2015/09/main">
-    <mc:Choice Requires="p159">
+  <mc:AlternateContent xmlns:mc="http://schemas.openxmlformats.org/markup-compatibility/2006">
+    <mc:Choice xmlns:p159="http://schemas.microsoft.com/office/powerpoint/2015/09/main" Requires="p159">
       <p:transition xmlns:p14="http://schemas.microsoft.com/office/powerpoint/2010/main" spd="slow" p14:dur="2000">
         <p159:morph option="byObject"/>
       </p:transition>
     </mc:Choice>
-    <mc:Fallback xmlns="">
+    <mc:Fallback>
       <p:transition spd="slow">
         <p:fade/>
       </p:transition>
@@ -49668,6 +49979,104 @@
       </p:sp>
       <p:pic>
         <p:nvPicPr>
+          <p:cNvPr id="4" name="Picture 3">
+            <a:extLst>
+              <a:ext uri="{FF2B5EF4-FFF2-40B4-BE49-F238E27FC236}">
+                <a16:creationId xmlns:a16="http://schemas.microsoft.com/office/drawing/2014/main" id="{EADEEAE5-DD4D-493A-ABB2-D84627DAB703}"/>
+              </a:ext>
+            </a:extLst>
+          </p:cNvPr>
+          <p:cNvPicPr/>
+          <p:nvPr/>
+        </p:nvPicPr>
+        <p:blipFill>
+          <a:blip r:embed="rId2" cstate="print">
+            <a:extLst>
+              <a:ext uri="{28A0092B-C50C-407E-A947-70E740481C1C}">
+                <a14:useLocalDpi xmlns:a14="http://schemas.microsoft.com/office/drawing/2010/main" val="0"/>
+              </a:ext>
+            </a:extLst>
+          </a:blip>
+          <a:stretch>
+            <a:fillRect/>
+          </a:stretch>
+        </p:blipFill>
+        <p:spPr>
+          <a:xfrm>
+            <a:off x="911402" y="2815381"/>
+            <a:ext cx="11164530" cy="1978524"/>
+          </a:xfrm>
+          <a:prstGeom prst="rect">
+            <a:avLst/>
+          </a:prstGeom>
+        </p:spPr>
+      </p:pic>
+      <p:pic>
+        <p:nvPicPr>
+          <p:cNvPr id="6" name="Picture 5">
+            <a:extLst>
+              <a:ext uri="{FF2B5EF4-FFF2-40B4-BE49-F238E27FC236}">
+                <a16:creationId xmlns:a16="http://schemas.microsoft.com/office/drawing/2014/main" id="{604C9414-1173-4825-801B-11EC729EB168}"/>
+              </a:ext>
+            </a:extLst>
+          </p:cNvPr>
+          <p:cNvPicPr/>
+          <p:nvPr/>
+        </p:nvPicPr>
+        <p:blipFill>
+          <a:blip r:embed="rId3" cstate="print">
+            <a:extLst>
+              <a:ext uri="{28A0092B-C50C-407E-A947-70E740481C1C}">
+                <a14:useLocalDpi xmlns:a14="http://schemas.microsoft.com/office/drawing/2010/main" val="0"/>
+              </a:ext>
+            </a:extLst>
+          </a:blip>
+          <a:stretch>
+            <a:fillRect/>
+          </a:stretch>
+        </p:blipFill>
+        <p:spPr>
+          <a:xfrm>
+            <a:off x="3278503" y="2503369"/>
+            <a:ext cx="6430327" cy="2602548"/>
+          </a:xfrm>
+          <a:prstGeom prst="rect">
+            <a:avLst/>
+          </a:prstGeom>
+        </p:spPr>
+      </p:pic>
+      <p:pic>
+        <p:nvPicPr>
+          <p:cNvPr id="8" name="Picture 7">
+            <a:extLst>
+              <a:ext uri="{FF2B5EF4-FFF2-40B4-BE49-F238E27FC236}">
+                <a16:creationId xmlns:a16="http://schemas.microsoft.com/office/drawing/2014/main" id="{3EDD1054-A979-4791-B099-B2FCADB8C065}"/>
+              </a:ext>
+            </a:extLst>
+          </p:cNvPr>
+          <p:cNvPicPr>
+            <a:picLocks noChangeAspect="1"/>
+          </p:cNvPicPr>
+          <p:nvPr/>
+        </p:nvPicPr>
+        <p:blipFill>
+          <a:blip r:embed="rId4"/>
+          <a:stretch>
+            <a:fillRect/>
+          </a:stretch>
+        </p:blipFill>
+        <p:spPr>
+          <a:xfrm>
+            <a:off x="3278503" y="2815381"/>
+            <a:ext cx="6398897" cy="1978524"/>
+          </a:xfrm>
+          <a:prstGeom prst="rect">
+            <a:avLst/>
+          </a:prstGeom>
+        </p:spPr>
+      </p:pic>
+      <p:pic>
+        <p:nvPicPr>
           <p:cNvPr id="9" name="Picture 8">
             <a:extLst>
               <a:ext uri="{FF2B5EF4-FFF2-40B4-BE49-F238E27FC236}">
@@ -49679,7 +50088,7 @@
           <p:nvPr/>
         </p:nvPicPr>
         <p:blipFill>
-          <a:blip r:embed="rId2"/>
+          <a:blip r:embed="rId5"/>
           <a:stretch>
             <a:fillRect/>
           </a:stretch>
@@ -49707,14 +50116,14 @@
           <p:nvPr/>
         </p:nvPicPr>
         <p:blipFill>
-          <a:blip r:embed="rId3"/>
+          <a:blip r:embed="rId6"/>
           <a:stretch>
             <a:fillRect/>
           </a:stretch>
         </p:blipFill>
         <p:spPr>
           <a:xfrm>
-            <a:off x="3361942" y="2693989"/>
+            <a:off x="3361942" y="2583537"/>
             <a:ext cx="5468114" cy="1690923"/>
           </a:xfrm>
           <a:prstGeom prst="rect">
@@ -49735,14 +50144,14 @@
           <p:nvPr/>
         </p:nvPicPr>
         <p:blipFill>
-          <a:blip r:embed="rId4"/>
+          <a:blip r:embed="rId7"/>
           <a:stretch>
             <a:fillRect/>
           </a:stretch>
         </p:blipFill>
         <p:spPr>
           <a:xfrm>
-            <a:off x="1247864" y="526573"/>
+            <a:off x="1322475" y="526573"/>
             <a:ext cx="9459825" cy="5804853"/>
           </a:xfrm>
           <a:prstGeom prst="rect">
@@ -49763,14 +50172,14 @@
           <p:nvPr/>
         </p:nvPicPr>
         <p:blipFill>
-          <a:blip r:embed="rId5"/>
+          <a:blip r:embed="rId8"/>
           <a:stretch>
             <a:fillRect/>
           </a:stretch>
         </p:blipFill>
         <p:spPr>
           <a:xfrm>
-            <a:off x="3710510" y="2622541"/>
+            <a:off x="3828733" y="2511196"/>
             <a:ext cx="4534532" cy="1833818"/>
           </a:xfrm>
           <a:prstGeom prst="rect">
@@ -49821,7 +50230,7 @@
                             </p:stCondLst>
                             <p:childTnLst>
                               <p:par>
-                                <p:cTn id="5" presetID="16" presetClass="entr" presetSubtype="21" fill="hold" nodeType="clickEffect">
+                                <p:cTn id="5" presetID="14" presetClass="entr" presetSubtype="10" fill="hold" nodeType="clickEffect">
                                   <p:stCondLst>
                                     <p:cond delay="0"/>
                                   </p:stCondLst>
@@ -49834,7 +50243,7 @@
                                           </p:stCondLst>
                                         </p:cTn>
                                         <p:tgtEl>
-                                          <p:spTgt spid="9"/>
+                                          <p:spTgt spid="4"/>
                                         </p:tgtEl>
                                         <p:attrNameLst>
                                           <p:attrName>style.visibility</p:attrName>
@@ -49844,11 +50253,11 @@
                                         <p:strVal val="visible"/>
                                       </p:to>
                                     </p:set>
-                                    <p:animEffect transition="in" filter="barn(inVertical)">
+                                    <p:animEffect transition="in" filter="randombar(horizontal)">
                                       <p:cBhvr>
                                         <p:cTn id="7" dur="500"/>
                                         <p:tgtEl>
-                                          <p:spTgt spid="9"/>
+                                          <p:spTgt spid="4"/>
                                         </p:tgtEl>
                                       </p:cBhvr>
                                     </p:animEffect>
@@ -49874,14 +50283,380 @@
                             </p:stCondLst>
                             <p:childTnLst>
                               <p:par>
-                                <p:cTn id="10" presetID="16" presetClass="exit" presetSubtype="21" fill="hold" nodeType="clickEffect">
+                                <p:cTn id="10" presetID="53" presetClass="exit" presetSubtype="32" fill="hold" nodeType="clickEffect">
+                                  <p:stCondLst>
+                                    <p:cond delay="0"/>
+                                  </p:stCondLst>
+                                  <p:childTnLst>
+                                    <p:anim calcmode="lin" valueType="num">
+                                      <p:cBhvr>
+                                        <p:cTn id="11" dur="500"/>
+                                        <p:tgtEl>
+                                          <p:spTgt spid="4"/>
+                                        </p:tgtEl>
+                                        <p:attrNameLst>
+                                          <p:attrName>ppt_w</p:attrName>
+                                        </p:attrNameLst>
+                                      </p:cBhvr>
+                                      <p:tavLst>
+                                        <p:tav tm="0">
+                                          <p:val>
+                                            <p:strVal val="ppt_w"/>
+                                          </p:val>
+                                        </p:tav>
+                                        <p:tav tm="100000">
+                                          <p:val>
+                                            <p:fltVal val="0"/>
+                                          </p:val>
+                                        </p:tav>
+                                      </p:tavLst>
+                                    </p:anim>
+                                    <p:anim calcmode="lin" valueType="num">
+                                      <p:cBhvr>
+                                        <p:cTn id="12" dur="500"/>
+                                        <p:tgtEl>
+                                          <p:spTgt spid="4"/>
+                                        </p:tgtEl>
+                                        <p:attrNameLst>
+                                          <p:attrName>ppt_h</p:attrName>
+                                        </p:attrNameLst>
+                                      </p:cBhvr>
+                                      <p:tavLst>
+                                        <p:tav tm="0">
+                                          <p:val>
+                                            <p:strVal val="ppt_h"/>
+                                          </p:val>
+                                        </p:tav>
+                                        <p:tav tm="100000">
+                                          <p:val>
+                                            <p:fltVal val="0"/>
+                                          </p:val>
+                                        </p:tav>
+                                      </p:tavLst>
+                                    </p:anim>
+                                    <p:animEffect transition="out" filter="fade">
+                                      <p:cBhvr>
+                                        <p:cTn id="13" dur="500"/>
+                                        <p:tgtEl>
+                                          <p:spTgt spid="4"/>
+                                        </p:tgtEl>
+                                      </p:cBhvr>
+                                    </p:animEffect>
+                                    <p:set>
+                                      <p:cBhvr>
+                                        <p:cTn id="14" dur="1" fill="hold">
+                                          <p:stCondLst>
+                                            <p:cond delay="499"/>
+                                          </p:stCondLst>
+                                        </p:cTn>
+                                        <p:tgtEl>
+                                          <p:spTgt spid="4"/>
+                                        </p:tgtEl>
+                                        <p:attrNameLst>
+                                          <p:attrName>style.visibility</p:attrName>
+                                        </p:attrNameLst>
+                                      </p:cBhvr>
+                                      <p:to>
+                                        <p:strVal val="hidden"/>
+                                      </p:to>
+                                    </p:set>
+                                  </p:childTnLst>
+                                </p:cTn>
+                              </p:par>
+                            </p:childTnLst>
+                          </p:cTn>
+                        </p:par>
+                        <p:par>
+                          <p:cTn id="15" fill="hold">
+                            <p:stCondLst>
+                              <p:cond delay="500"/>
+                            </p:stCondLst>
+                            <p:childTnLst>
+                              <p:par>
+                                <p:cTn id="16" presetID="1" presetClass="entr" presetSubtype="0" fill="hold" nodeType="afterEffect">
+                                  <p:stCondLst>
+                                    <p:cond delay="0"/>
+                                  </p:stCondLst>
+                                  <p:childTnLst>
+                                    <p:set>
+                                      <p:cBhvr>
+                                        <p:cTn id="17" dur="1" fill="hold">
+                                          <p:stCondLst>
+                                            <p:cond delay="0"/>
+                                          </p:stCondLst>
+                                        </p:cTn>
+                                        <p:tgtEl>
+                                          <p:spTgt spid="6"/>
+                                        </p:tgtEl>
+                                        <p:attrNameLst>
+                                          <p:attrName>style.visibility</p:attrName>
+                                        </p:attrNameLst>
+                                      </p:cBhvr>
+                                      <p:to>
+                                        <p:strVal val="visible"/>
+                                      </p:to>
+                                    </p:set>
+                                  </p:childTnLst>
+                                </p:cTn>
+                              </p:par>
+                            </p:childTnLst>
+                          </p:cTn>
+                        </p:par>
+                      </p:childTnLst>
+                    </p:cTn>
+                  </p:par>
+                  <p:par>
+                    <p:cTn id="18" fill="hold">
+                      <p:stCondLst>
+                        <p:cond delay="indefinite"/>
+                      </p:stCondLst>
+                      <p:childTnLst>
+                        <p:par>
+                          <p:cTn id="19" fill="hold">
+                            <p:stCondLst>
+                              <p:cond delay="0"/>
+                            </p:stCondLst>
+                            <p:childTnLst>
+                              <p:par>
+                                <p:cTn id="20" presetID="42" presetClass="exit" presetSubtype="0" fill="hold" nodeType="clickEffect">
+                                  <p:stCondLst>
+                                    <p:cond delay="0"/>
+                                  </p:stCondLst>
+                                  <p:childTnLst>
+                                    <p:animEffect transition="out" filter="fade">
+                                      <p:cBhvr>
+                                        <p:cTn id="21" dur="500"/>
+                                        <p:tgtEl>
+                                          <p:spTgt spid="6"/>
+                                        </p:tgtEl>
+                                      </p:cBhvr>
+                                    </p:animEffect>
+                                    <p:anim calcmode="lin" valueType="num">
+                                      <p:cBhvr>
+                                        <p:cTn id="22" dur="500"/>
+                                        <p:tgtEl>
+                                          <p:spTgt spid="6"/>
+                                        </p:tgtEl>
+                                        <p:attrNameLst>
+                                          <p:attrName>ppt_x</p:attrName>
+                                        </p:attrNameLst>
+                                      </p:cBhvr>
+                                      <p:tavLst>
+                                        <p:tav tm="0">
+                                          <p:val>
+                                            <p:strVal val="ppt_x"/>
+                                          </p:val>
+                                        </p:tav>
+                                        <p:tav tm="100000">
+                                          <p:val>
+                                            <p:strVal val="ppt_x"/>
+                                          </p:val>
+                                        </p:tav>
+                                      </p:tavLst>
+                                    </p:anim>
+                                    <p:anim calcmode="lin" valueType="num">
+                                      <p:cBhvr>
+                                        <p:cTn id="23" dur="500"/>
+                                        <p:tgtEl>
+                                          <p:spTgt spid="6"/>
+                                        </p:tgtEl>
+                                        <p:attrNameLst>
+                                          <p:attrName>ppt_y</p:attrName>
+                                        </p:attrNameLst>
+                                      </p:cBhvr>
+                                      <p:tavLst>
+                                        <p:tav tm="0">
+                                          <p:val>
+                                            <p:strVal val="ppt_y"/>
+                                          </p:val>
+                                        </p:tav>
+                                        <p:tav tm="100000">
+                                          <p:val>
+                                            <p:strVal val="ppt_y+.1"/>
+                                          </p:val>
+                                        </p:tav>
+                                      </p:tavLst>
+                                    </p:anim>
+                                    <p:set>
+                                      <p:cBhvr>
+                                        <p:cTn id="24" dur="1" fill="hold">
+                                          <p:stCondLst>
+                                            <p:cond delay="499"/>
+                                          </p:stCondLst>
+                                        </p:cTn>
+                                        <p:tgtEl>
+                                          <p:spTgt spid="6"/>
+                                        </p:tgtEl>
+                                        <p:attrNameLst>
+                                          <p:attrName>style.visibility</p:attrName>
+                                        </p:attrNameLst>
+                                      </p:cBhvr>
+                                      <p:to>
+                                        <p:strVal val="hidden"/>
+                                      </p:to>
+                                    </p:set>
+                                  </p:childTnLst>
+                                </p:cTn>
+                              </p:par>
+                            </p:childTnLst>
+                          </p:cTn>
+                        </p:par>
+                        <p:par>
+                          <p:cTn id="25" fill="hold">
+                            <p:stCondLst>
+                              <p:cond delay="500"/>
+                            </p:stCondLst>
+                            <p:childTnLst>
+                              <p:par>
+                                <p:cTn id="26" presetID="22" presetClass="entr" presetSubtype="4" fill="hold" nodeType="afterEffect">
+                                  <p:stCondLst>
+                                    <p:cond delay="0"/>
+                                  </p:stCondLst>
+                                  <p:childTnLst>
+                                    <p:set>
+                                      <p:cBhvr>
+                                        <p:cTn id="27" dur="1" fill="hold">
+                                          <p:stCondLst>
+                                            <p:cond delay="0"/>
+                                          </p:stCondLst>
+                                        </p:cTn>
+                                        <p:tgtEl>
+                                          <p:spTgt spid="8"/>
+                                        </p:tgtEl>
+                                        <p:attrNameLst>
+                                          <p:attrName>style.visibility</p:attrName>
+                                        </p:attrNameLst>
+                                      </p:cBhvr>
+                                      <p:to>
+                                        <p:strVal val="visible"/>
+                                      </p:to>
+                                    </p:set>
+                                    <p:animEffect transition="in" filter="wipe(down)">
+                                      <p:cBhvr>
+                                        <p:cTn id="28" dur="500"/>
+                                        <p:tgtEl>
+                                          <p:spTgt spid="8"/>
+                                        </p:tgtEl>
+                                      </p:cBhvr>
+                                    </p:animEffect>
+                                  </p:childTnLst>
+                                </p:cTn>
+                              </p:par>
+                            </p:childTnLst>
+                          </p:cTn>
+                        </p:par>
+                      </p:childTnLst>
+                    </p:cTn>
+                  </p:par>
+                  <p:par>
+                    <p:cTn id="29" fill="hold">
+                      <p:stCondLst>
+                        <p:cond delay="indefinite"/>
+                      </p:stCondLst>
+                      <p:childTnLst>
+                        <p:par>
+                          <p:cTn id="30" fill="hold">
+                            <p:stCondLst>
+                              <p:cond delay="0"/>
+                            </p:stCondLst>
+                            <p:childTnLst>
+                              <p:par>
+                                <p:cTn id="31" presetID="16" presetClass="entr" presetSubtype="21" fill="hold" nodeType="clickEffect">
+                                  <p:stCondLst>
+                                    <p:cond delay="0"/>
+                                  </p:stCondLst>
+                                  <p:childTnLst>
+                                    <p:set>
+                                      <p:cBhvr>
+                                        <p:cTn id="32" dur="1" fill="hold">
+                                          <p:stCondLst>
+                                            <p:cond delay="0"/>
+                                          </p:stCondLst>
+                                        </p:cTn>
+                                        <p:tgtEl>
+                                          <p:spTgt spid="9"/>
+                                        </p:tgtEl>
+                                        <p:attrNameLst>
+                                          <p:attrName>style.visibility</p:attrName>
+                                        </p:attrNameLst>
+                                      </p:cBhvr>
+                                      <p:to>
+                                        <p:strVal val="visible"/>
+                                      </p:to>
+                                    </p:set>
+                                    <p:animEffect transition="in" filter="barn(inVertical)">
+                                      <p:cBhvr>
+                                        <p:cTn id="33" dur="500"/>
+                                        <p:tgtEl>
+                                          <p:spTgt spid="9"/>
+                                        </p:tgtEl>
+                                      </p:cBhvr>
+                                    </p:animEffect>
+                                  </p:childTnLst>
+                                </p:cTn>
+                              </p:par>
+                            </p:childTnLst>
+                          </p:cTn>
+                        </p:par>
+                      </p:childTnLst>
+                    </p:cTn>
+                  </p:par>
+                  <p:par>
+                    <p:cTn id="34" fill="hold">
+                      <p:stCondLst>
+                        <p:cond delay="indefinite"/>
+                      </p:stCondLst>
+                      <p:childTnLst>
+                        <p:par>
+                          <p:cTn id="35" fill="hold">
+                            <p:stCondLst>
+                              <p:cond delay="0"/>
+                            </p:stCondLst>
+                            <p:childTnLst>
+                              <p:par>
+                                <p:cTn id="36" presetID="16" presetClass="exit" presetSubtype="21" fill="hold" nodeType="clickEffect">
                                   <p:stCondLst>
                                     <p:cond delay="0"/>
                                   </p:stCondLst>
                                   <p:childTnLst>
                                     <p:animEffect transition="out" filter="barn(inVertical)">
                                       <p:cBhvr>
-                                        <p:cTn id="11" dur="500"/>
+                                        <p:cTn id="37" dur="500"/>
+                                        <p:tgtEl>
+                                          <p:spTgt spid="8"/>
+                                        </p:tgtEl>
+                                      </p:cBhvr>
+                                    </p:animEffect>
+                                    <p:set>
+                                      <p:cBhvr>
+                                        <p:cTn id="38" dur="1" fill="hold">
+                                          <p:stCondLst>
+                                            <p:cond delay="499"/>
+                                          </p:stCondLst>
+                                        </p:cTn>
+                                        <p:tgtEl>
+                                          <p:spTgt spid="8"/>
+                                        </p:tgtEl>
+                                        <p:attrNameLst>
+                                          <p:attrName>style.visibility</p:attrName>
+                                        </p:attrNameLst>
+                                      </p:cBhvr>
+                                      <p:to>
+                                        <p:strVal val="hidden"/>
+                                      </p:to>
+                                    </p:set>
+                                  </p:childTnLst>
+                                </p:cTn>
+                              </p:par>
+                              <p:par>
+                                <p:cTn id="39" presetID="16" presetClass="exit" presetSubtype="21" fill="hold" nodeType="withEffect">
+                                  <p:stCondLst>
+                                    <p:cond delay="0"/>
+                                  </p:stCondLst>
+                                  <p:childTnLst>
+                                    <p:animEffect transition="out" filter="barn(inVertical)">
+                                      <p:cBhvr>
+                                        <p:cTn id="40" dur="500"/>
                                         <p:tgtEl>
                                           <p:spTgt spid="9"/>
                                         </p:tgtEl>
@@ -49889,7 +50664,7 @@
                                     </p:animEffect>
                                     <p:set>
                                       <p:cBhvr>
-                                        <p:cTn id="12" dur="1" fill="hold">
+                                        <p:cTn id="41" dur="1" fill="hold">
                                           <p:stCondLst>
                                             <p:cond delay="499"/>
                                           </p:stCondLst>
@@ -49912,20 +50687,20 @@
                           </p:cTn>
                         </p:par>
                         <p:par>
-                          <p:cTn id="13" fill="hold">
+                          <p:cTn id="42" fill="hold">
                             <p:stCondLst>
                               <p:cond delay="500"/>
                             </p:stCondLst>
                             <p:childTnLst>
                               <p:par>
-                                <p:cTn id="14" presetID="22" presetClass="entr" presetSubtype="4" fill="hold" nodeType="afterEffect">
+                                <p:cTn id="43" presetID="22" presetClass="entr" presetSubtype="4" fill="hold" nodeType="afterEffect">
                                   <p:stCondLst>
                                     <p:cond delay="0"/>
                                   </p:stCondLst>
                                   <p:childTnLst>
                                     <p:set>
                                       <p:cBhvr>
-                                        <p:cTn id="15" dur="1" fill="hold">
+                                        <p:cTn id="44" dur="1" fill="hold">
                                           <p:stCondLst>
                                             <p:cond delay="0"/>
                                           </p:stCondLst>
@@ -49943,7 +50718,7 @@
                                     </p:set>
                                     <p:animEffect transition="in" filter="wipe(down)">
                                       <p:cBhvr>
-                                        <p:cTn id="16" dur="500"/>
+                                        <p:cTn id="45" dur="500"/>
                                         <p:tgtEl>
                                           <p:spTgt spid="10"/>
                                         </p:tgtEl>
@@ -49959,26 +50734,26 @@
                     </p:cTn>
                   </p:par>
                   <p:par>
-                    <p:cTn id="17" fill="hold">
+                    <p:cTn id="46" fill="hold">
                       <p:stCondLst>
                         <p:cond delay="indefinite"/>
                       </p:stCondLst>
                       <p:childTnLst>
                         <p:par>
-                          <p:cTn id="18" fill="hold">
+                          <p:cTn id="47" fill="hold">
                             <p:stCondLst>
                               <p:cond delay="0"/>
                             </p:stCondLst>
                             <p:childTnLst>
                               <p:par>
-                                <p:cTn id="19" presetID="22" presetClass="exit" presetSubtype="4" fill="hold" nodeType="clickEffect">
+                                <p:cTn id="48" presetID="22" presetClass="exit" presetSubtype="4" fill="hold" nodeType="clickEffect">
                                   <p:stCondLst>
                                     <p:cond delay="0"/>
                                   </p:stCondLst>
                                   <p:childTnLst>
                                     <p:animEffect transition="out" filter="wipe(down)">
                                       <p:cBhvr>
-                                        <p:cTn id="20" dur="500"/>
+                                        <p:cTn id="49" dur="500"/>
                                         <p:tgtEl>
                                           <p:spTgt spid="10"/>
                                         </p:tgtEl>
@@ -49986,7 +50761,7 @@
                                     </p:animEffect>
                                     <p:set>
                                       <p:cBhvr>
-                                        <p:cTn id="21" dur="1" fill="hold">
+                                        <p:cTn id="50" dur="1" fill="hold">
                                           <p:stCondLst>
                                             <p:cond delay="499"/>
                                           </p:stCondLst>
@@ -50009,20 +50784,20 @@
                           </p:cTn>
                         </p:par>
                         <p:par>
-                          <p:cTn id="22" fill="hold">
+                          <p:cTn id="51" fill="hold">
                             <p:stCondLst>
                               <p:cond delay="500"/>
                             </p:stCondLst>
                             <p:childTnLst>
                               <p:par>
-                                <p:cTn id="23" presetID="10" presetClass="entr" presetSubtype="0" fill="hold" nodeType="afterEffect">
+                                <p:cTn id="52" presetID="10" presetClass="entr" presetSubtype="0" fill="hold" nodeType="afterEffect">
                                   <p:stCondLst>
                                     <p:cond delay="0"/>
                                   </p:stCondLst>
                                   <p:childTnLst>
                                     <p:set>
                                       <p:cBhvr>
-                                        <p:cTn id="24" dur="1" fill="hold">
+                                        <p:cTn id="53" dur="1" fill="hold">
                                           <p:stCondLst>
                                             <p:cond delay="0"/>
                                           </p:stCondLst>
@@ -50040,7 +50815,7 @@
                                     </p:set>
                                     <p:animEffect transition="in" filter="fade">
                                       <p:cBhvr>
-                                        <p:cTn id="25" dur="500"/>
+                                        <p:cTn id="54" dur="500"/>
                                         <p:tgtEl>
                                           <p:spTgt spid="11"/>
                                         </p:tgtEl>
@@ -50056,26 +50831,26 @@
                     </p:cTn>
                   </p:par>
                   <p:par>
-                    <p:cTn id="26" fill="hold">
+                    <p:cTn id="55" fill="hold">
                       <p:stCondLst>
                         <p:cond delay="indefinite"/>
                       </p:stCondLst>
                       <p:childTnLst>
                         <p:par>
-                          <p:cTn id="27" fill="hold">
+                          <p:cTn id="56" fill="hold">
                             <p:stCondLst>
                               <p:cond delay="0"/>
                             </p:stCondLst>
                             <p:childTnLst>
                               <p:par>
-                                <p:cTn id="28" presetID="22" presetClass="exit" presetSubtype="4" fill="hold" nodeType="clickEffect">
+                                <p:cTn id="57" presetID="22" presetClass="exit" presetSubtype="4" fill="hold" nodeType="clickEffect">
                                   <p:stCondLst>
                                     <p:cond delay="0"/>
                                   </p:stCondLst>
                                   <p:childTnLst>
                                     <p:animEffect transition="out" filter="wipe(down)">
                                       <p:cBhvr>
-                                        <p:cTn id="29" dur="500"/>
+                                        <p:cTn id="58" dur="500"/>
                                         <p:tgtEl>
                                           <p:spTgt spid="11"/>
                                         </p:tgtEl>
@@ -50083,7 +50858,7 @@
                                     </p:animEffect>
                                     <p:set>
                                       <p:cBhvr>
-                                        <p:cTn id="30" dur="1" fill="hold">
+                                        <p:cTn id="59" dur="1" fill="hold">
                                           <p:stCondLst>
                                             <p:cond delay="499"/>
                                           </p:stCondLst>
@@ -50109,26 +50884,26 @@
                     </p:cTn>
                   </p:par>
                   <p:par>
-                    <p:cTn id="31" fill="hold">
+                    <p:cTn id="60" fill="hold">
                       <p:stCondLst>
                         <p:cond delay="indefinite"/>
                       </p:stCondLst>
                       <p:childTnLst>
                         <p:par>
-                          <p:cTn id="32" fill="hold">
+                          <p:cTn id="61" fill="hold">
                             <p:stCondLst>
                               <p:cond delay="0"/>
                             </p:stCondLst>
                             <p:childTnLst>
                               <p:par>
-                                <p:cTn id="33" presetID="14" presetClass="entr" presetSubtype="10" fill="hold" nodeType="clickEffect">
+                                <p:cTn id="62" presetID="14" presetClass="entr" presetSubtype="10" fill="hold" nodeType="clickEffect">
                                   <p:stCondLst>
                                     <p:cond delay="0"/>
                                   </p:stCondLst>
                                   <p:childTnLst>
                                     <p:set>
                                       <p:cBhvr>
-                                        <p:cTn id="34" dur="1" fill="hold">
+                                        <p:cTn id="63" dur="1" fill="hold">
                                           <p:stCondLst>
                                             <p:cond delay="0"/>
                                           </p:stCondLst>
@@ -50146,7 +50921,7 @@
                                     </p:set>
                                     <p:animEffect transition="in" filter="randombar(horizontal)">
                                       <p:cBhvr>
-                                        <p:cTn id="35" dur="500"/>
+                                        <p:cTn id="64" dur="500"/>
                                         <p:tgtEl>
                                           <p:spTgt spid="12"/>
                                         </p:tgtEl>
@@ -52063,6 +52838,15 @@
 </file>
 
 <file path=customXml/item1.xml><?xml version="1.0" encoding="utf-8"?>
+<p:properties xmlns:p="http://schemas.microsoft.com/office/2006/metadata/properties" xmlns:xsi="http://www.w3.org/2001/XMLSchema-instance" xmlns:pc="http://schemas.microsoft.com/office/infopath/2007/PartnerControls">
+  <documentManagement>
+    <Status xmlns="71af3243-3dd4-4a8d-8c0d-dd76da1f02a5">Not started</Status>
+    <MediaServiceKeyPoints xmlns="71af3243-3dd4-4a8d-8c0d-dd76da1f02a5" xsi:nil="true"/>
+  </documentManagement>
+</p:properties>
+</file>
+
+<file path=customXml/item2.xml><?xml version="1.0" encoding="utf-8"?>
 <ct:contentTypeSchema xmlns:ct="http://schemas.microsoft.com/office/2006/metadata/contentType" xmlns:ma="http://schemas.microsoft.com/office/2006/metadata/properties/metaAttributes" ct:_="" ma:_="" ma:contentTypeName="Document" ma:contentTypeID="0x01010079F111ED35F8CC479449609E8A0923A6" ma:contentTypeVersion="12" ma:contentTypeDescription="Create a new document." ma:contentTypeScope="" ma:versionID="a410dd7f93c95333ffa1b60ed6adedd1">
   <xsd:schema xmlns:xsd="http://www.w3.org/2001/XMLSchema" xmlns:xs="http://www.w3.org/2001/XMLSchema" xmlns:p="http://schemas.microsoft.com/office/2006/metadata/properties" xmlns:ns2="71af3243-3dd4-4a8d-8c0d-dd76da1f02a5" xmlns:ns3="16c05727-aa75-4e4a-9b5f-8a80a1165891" targetNamespace="http://schemas.microsoft.com/office/2006/metadata/properties" ma:root="true" ma:fieldsID="a936d9baba76aa3866493feff160faab" ns2:_="" ns3:_="">
     <xsd:import namespace="71af3243-3dd4-4a8d-8c0d-dd76da1f02a5"/>
@@ -52283,15 +53067,6 @@
 </ct:contentTypeSchema>
 </file>
 
-<file path=customXml/item2.xml><?xml version="1.0" encoding="utf-8"?>
-<p:properties xmlns:p="http://schemas.microsoft.com/office/2006/metadata/properties" xmlns:xsi="http://www.w3.org/2001/XMLSchema-instance" xmlns:pc="http://schemas.microsoft.com/office/infopath/2007/PartnerControls">
-  <documentManagement>
-    <Status xmlns="71af3243-3dd4-4a8d-8c0d-dd76da1f02a5">Not started</Status>
-    <MediaServiceKeyPoints xmlns="71af3243-3dd4-4a8d-8c0d-dd76da1f02a5" xsi:nil="true"/>
-  </documentManagement>
-</p:properties>
-</file>
-
 <file path=customXml/item3.xml><?xml version="1.0" encoding="utf-8"?>
 <?mso-contentType ?>
 <FormTemplates xmlns="http://schemas.microsoft.com/sharepoint/v3/contenttype/forms">
@@ -52302,6 +53077,16 @@
 </file>
 
 <file path=customXml/itemProps1.xml><?xml version="1.0" encoding="utf-8"?>
+<ds:datastoreItem xmlns:ds="http://schemas.openxmlformats.org/officeDocument/2006/customXml" ds:itemID="{8D289AE2-D2AE-49D1-AFAC-3A79F6794255}">
+  <ds:schemaRefs>
+    <ds:schemaRef ds:uri="http://schemas.microsoft.com/office/2006/metadata/properties"/>
+    <ds:schemaRef ds:uri="http://schemas.microsoft.com/office/infopath/2007/PartnerControls"/>
+    <ds:schemaRef ds:uri="71af3243-3dd4-4a8d-8c0d-dd76da1f02a5"/>
+  </ds:schemaRefs>
+</ds:datastoreItem>
+</file>
+
+<file path=customXml/itemProps2.xml><?xml version="1.0" encoding="utf-8"?>
 <ds:datastoreItem xmlns:ds="http://schemas.openxmlformats.org/officeDocument/2006/customXml" ds:itemID="{41E7CA09-9778-4414-AE97-8064B12DA30E}">
   <ds:schemaRefs>
     <ds:schemaRef ds:uri="http://schemas.microsoft.com/office/2006/metadata/contentType"/>
@@ -52320,16 +53105,6 @@
 </ds:datastoreItem>
 </file>
 
-<file path=customXml/itemProps2.xml><?xml version="1.0" encoding="utf-8"?>
-<ds:datastoreItem xmlns:ds="http://schemas.openxmlformats.org/officeDocument/2006/customXml" ds:itemID="{8D289AE2-D2AE-49D1-AFAC-3A79F6794255}">
-  <ds:schemaRefs>
-    <ds:schemaRef ds:uri="http://schemas.microsoft.com/office/2006/metadata/properties"/>
-    <ds:schemaRef ds:uri="http://schemas.microsoft.com/office/infopath/2007/PartnerControls"/>
-    <ds:schemaRef ds:uri="71af3243-3dd4-4a8d-8c0d-dd76da1f02a5"/>
-  </ds:schemaRefs>
-</ds:datastoreItem>
-</file>
-
 <file path=customXml/itemProps3.xml><?xml version="1.0" encoding="utf-8"?>
 <ds:datastoreItem xmlns:ds="http://schemas.openxmlformats.org/officeDocument/2006/customXml" ds:itemID="{927BD4C1-B6B1-4715-ABF9-E660A51A4EA0}">
   <ds:schemaRefs>

--- a/Report/VDQ_TNL_MuaSamTrucTuyen.pptx
+++ b/Report/VDQ_TNL_MuaSamTrucTuyen.pptx
@@ -227,7 +227,7 @@
           <a:p>
             <a:fld id="{4BDACA7B-76AF-42FA-8C90-59D98D30F665}" type="datetimeFigureOut">
               <a:rPr lang="vi-VN" smtClean="0"/>
-              <a:t>06/12/2023</a:t>
+              <a:t>07/12/2023</a:t>
             </a:fld>
             <a:endParaRPr lang="vi-VN"/>
           </a:p>
@@ -825,7 +825,7 @@
           <a:p>
             <a:fld id="{ED291B17-9318-49DB-B28B-6E5994AE9581}" type="datetime1">
               <a:rPr lang="en-US" smtClean="0"/>
-              <a:t>12/6/2023</a:t>
+              <a:t>12/7/2023</a:t>
             </a:fld>
             <a:endParaRPr lang="en-US"/>
           </a:p>
@@ -1028,7 +1028,7 @@
           <a:p>
             <a:fld id="{2CED4963-E985-44C4-B8C4-FDD613B7C2F8}" type="datetime1">
               <a:rPr lang="en-US" smtClean="0"/>
-              <a:t>12/6/2023</a:t>
+              <a:t>12/7/2023</a:t>
             </a:fld>
             <a:endParaRPr lang="en-US"/>
           </a:p>
@@ -1390,7 +1390,7 @@
           <a:p>
             <a:fld id="{ED291B17-9318-49DB-B28B-6E5994AE9581}" type="datetime1">
               <a:rPr lang="en-US" smtClean="0"/>
-              <a:t>12/6/2023</a:t>
+              <a:t>12/7/2023</a:t>
             </a:fld>
             <a:endParaRPr lang="en-US"/>
           </a:p>
@@ -1536,7 +1536,7 @@
             <a:fld id="{ED3D6733-6F27-4404-AB51-585418F146E5}" type="datetimeFigureOut">
               <a:rPr lang="ko-KR" altLang="en-US" smtClean="0"/>
               <a:pPr/>
-              <a:t>2023-12-06</a:t>
+              <a:t>2023-12-07</a:t>
             </a:fld>
             <a:endParaRPr lang="ko-KR" altLang="en-US"/>
           </a:p>
@@ -1728,7 +1728,7 @@
             <a:fld id="{ED3D6733-6F27-4404-AB51-585418F146E5}" type="datetimeFigureOut">
               <a:rPr lang="ko-KR" altLang="en-US" smtClean="0"/>
               <a:pPr/>
-              <a:t>2023-12-06</a:t>
+              <a:t>2023-12-07</a:t>
             </a:fld>
             <a:endParaRPr lang="ko-KR" altLang="en-US"/>
           </a:p>
@@ -2232,7 +2232,7 @@
           <a:p>
             <a:fld id="{ED291B17-9318-49DB-B28B-6E5994AE9581}" type="datetime1">
               <a:rPr lang="en-US" smtClean="0"/>
-              <a:t>12/6/2023</a:t>
+              <a:t>12/7/2023</a:t>
             </a:fld>
             <a:endParaRPr lang="en-US"/>
           </a:p>
@@ -2402,7 +2402,7 @@
           <a:p>
             <a:fld id="{78DD82B9-B8EE-4375-B6FF-88FA6ABB15D9}" type="datetime1">
               <a:rPr lang="en-US" smtClean="0"/>
-              <a:t>12/6/2023</a:t>
+              <a:t>12/7/2023</a:t>
             </a:fld>
             <a:endParaRPr lang="en-US"/>
           </a:p>
@@ -2660,7 +2660,7 @@
           <a:p>
             <a:fld id="{B2497495-0637-405E-AE64-5CC7506D51F5}" type="datetime1">
               <a:rPr lang="en-US" smtClean="0"/>
-              <a:t>12/6/2023</a:t>
+              <a:t>12/7/2023</a:t>
             </a:fld>
             <a:endParaRPr lang="en-US"/>
           </a:p>
@@ -2948,7 +2948,7 @@
           <a:p>
             <a:fld id="{7BFFD690-9426-415D-8B65-26881E07B2D4}" type="datetime1">
               <a:rPr lang="en-US" smtClean="0"/>
-              <a:t>12/6/2023</a:t>
+              <a:t>12/7/2023</a:t>
             </a:fld>
             <a:endParaRPr lang="en-US"/>
           </a:p>
@@ -3390,7 +3390,7 @@
           <a:p>
             <a:fld id="{04C4989A-474C-40DE-95B9-011C28B71673}" type="datetime1">
               <a:rPr lang="en-US" smtClean="0"/>
-              <a:t>12/6/2023</a:t>
+              <a:t>12/7/2023</a:t>
             </a:fld>
             <a:endParaRPr lang="en-US"/>
           </a:p>
@@ -3508,7 +3508,7 @@
           <a:p>
             <a:fld id="{5DB4ED54-5B5E-4A04-93D3-5772E3CE3818}" type="datetime1">
               <a:rPr lang="en-US" smtClean="0"/>
-              <a:t>12/6/2023</a:t>
+              <a:t>12/7/2023</a:t>
             </a:fld>
             <a:endParaRPr lang="en-US"/>
           </a:p>
@@ -3694,7 +3694,7 @@
           <a:p>
             <a:fld id="{78DD82B9-B8EE-4375-B6FF-88FA6ABB15D9}" type="datetime1">
               <a:rPr lang="en-US" smtClean="0"/>
-              <a:t>12/6/2023</a:t>
+              <a:t>12/7/2023</a:t>
             </a:fld>
             <a:endParaRPr lang="en-US"/>
           </a:p>
@@ -3801,7 +3801,7 @@
           <a:p>
             <a:fld id="{4EDE50D6-574B-40AF-946F-D52A04ADE379}" type="datetime1">
               <a:rPr lang="en-US" smtClean="0"/>
-              <a:t>12/6/2023</a:t>
+              <a:t>12/7/2023</a:t>
             </a:fld>
             <a:endParaRPr lang="en-US"/>
           </a:p>
@@ -4089,7 +4089,7 @@
           <a:p>
             <a:fld id="{D82884F1-FFEA-405F-9602-3DCA865EDA4E}" type="datetime1">
               <a:rPr lang="en-US" smtClean="0"/>
-              <a:t>12/6/2023</a:t>
+              <a:t>12/7/2023</a:t>
             </a:fld>
             <a:endParaRPr lang="en-US"/>
           </a:p>
@@ -4363,7 +4363,7 @@
           <a:p>
             <a:fld id="{7E18DB4A-8810-4A10-AD5C-D5E2C667F5B3}" type="datetime1">
               <a:rPr lang="en-US" smtClean="0"/>
-              <a:t>12/6/2023</a:t>
+              <a:t>12/7/2023</a:t>
             </a:fld>
             <a:endParaRPr lang="en-US"/>
           </a:p>
@@ -4539,7 +4539,7 @@
           <a:p>
             <a:fld id="{2CED4963-E985-44C4-B8C4-FDD613B7C2F8}" type="datetime1">
               <a:rPr lang="en-US" smtClean="0"/>
-              <a:t>12/6/2023</a:t>
+              <a:t>12/7/2023</a:t>
             </a:fld>
             <a:endParaRPr lang="en-US"/>
           </a:p>
@@ -4719,7 +4719,7 @@
           <a:p>
             <a:fld id="{ED291B17-9318-49DB-B28B-6E5994AE9581}" type="datetime1">
               <a:rPr lang="en-US" smtClean="0"/>
-              <a:t>12/6/2023</a:t>
+              <a:t>12/7/2023</a:t>
             </a:fld>
             <a:endParaRPr lang="en-US"/>
           </a:p>
@@ -4956,7 +4956,7 @@
           <a:p>
             <a:fld id="{ED291B17-9318-49DB-B28B-6E5994AE9581}" type="datetime1">
               <a:rPr lang="en-US" smtClean="0"/>
-              <a:t>12/6/2023</a:t>
+              <a:t>12/7/2023</a:t>
             </a:fld>
             <a:endParaRPr lang="en-US"/>
           </a:p>
@@ -5126,7 +5126,7 @@
           <a:p>
             <a:fld id="{78DD82B9-B8EE-4375-B6FF-88FA6ABB15D9}" type="datetime1">
               <a:rPr lang="en-US" smtClean="0"/>
-              <a:t>12/6/2023</a:t>
+              <a:t>12/7/2023</a:t>
             </a:fld>
             <a:endParaRPr lang="en-US"/>
           </a:p>
@@ -5432,7 +5432,7 @@
           <a:p>
             <a:fld id="{B2497495-0637-405E-AE64-5CC7506D51F5}" type="datetime1">
               <a:rPr lang="en-US" smtClean="0"/>
-              <a:t>12/6/2023</a:t>
+              <a:t>12/7/2023</a:t>
             </a:fld>
             <a:endParaRPr lang="en-US"/>
           </a:p>
@@ -5736,7 +5736,7 @@
           <a:p>
             <a:fld id="{7BFFD690-9426-415D-8B65-26881E07B2D4}" type="datetime1">
               <a:rPr lang="en-US" smtClean="0"/>
-              <a:t>12/6/2023</a:t>
+              <a:t>12/7/2023</a:t>
             </a:fld>
             <a:endParaRPr lang="en-US"/>
           </a:p>
@@ -6158,7 +6158,7 @@
           <a:p>
             <a:fld id="{04C4989A-474C-40DE-95B9-011C28B71673}" type="datetime1">
               <a:rPr lang="en-US" smtClean="0"/>
-              <a:t>12/6/2023</a:t>
+              <a:t>12/7/2023</a:t>
             </a:fld>
             <a:endParaRPr lang="en-US"/>
           </a:p>
@@ -6458,7 +6458,7 @@
           <a:p>
             <a:fld id="{B2497495-0637-405E-AE64-5CC7506D51F5}" type="datetime1">
               <a:rPr lang="en-US" smtClean="0"/>
-              <a:t>12/6/2023</a:t>
+              <a:t>12/7/2023</a:t>
             </a:fld>
             <a:endParaRPr lang="en-US"/>
           </a:p>
@@ -6588,7 +6588,7 @@
           <a:p>
             <a:fld id="{5DB4ED54-5B5E-4A04-93D3-5772E3CE3818}" type="datetime1">
               <a:rPr lang="en-US" smtClean="0"/>
-              <a:t>12/6/2023</a:t>
+              <a:t>12/7/2023</a:t>
             </a:fld>
             <a:endParaRPr lang="en-US"/>
           </a:p>
@@ -6683,7 +6683,7 @@
           <a:p>
             <a:fld id="{4EDE50D6-574B-40AF-946F-D52A04ADE379}" type="datetime1">
               <a:rPr lang="en-US" smtClean="0"/>
-              <a:t>12/6/2023</a:t>
+              <a:t>12/7/2023</a:t>
             </a:fld>
             <a:endParaRPr lang="en-US"/>
           </a:p>
@@ -6956,7 +6956,7 @@
           <a:p>
             <a:fld id="{D82884F1-FFEA-405F-9602-3DCA865EDA4E}" type="datetime1">
               <a:rPr lang="en-US" smtClean="0"/>
-              <a:t>12/6/2023</a:t>
+              <a:t>12/7/2023</a:t>
             </a:fld>
             <a:endParaRPr lang="en-US"/>
           </a:p>
@@ -7222,7 +7222,7 @@
           <a:p>
             <a:fld id="{7E18DB4A-8810-4A10-AD5C-D5E2C667F5B3}" type="datetime1">
               <a:rPr lang="en-US" smtClean="0"/>
-              <a:t>12/6/2023</a:t>
+              <a:t>12/7/2023</a:t>
             </a:fld>
             <a:endParaRPr lang="en-US"/>
           </a:p>
@@ -7393,7 +7393,7 @@
           <a:p>
             <a:fld id="{2CED4963-E985-44C4-B8C4-FDD613B7C2F8}" type="datetime1">
               <a:rPr lang="en-US" smtClean="0"/>
-              <a:t>12/6/2023</a:t>
+              <a:t>12/7/2023</a:t>
             </a:fld>
             <a:endParaRPr lang="en-US"/>
           </a:p>
@@ -7616,7 +7616,7 @@
           <a:p>
             <a:fld id="{ED291B17-9318-49DB-B28B-6E5994AE9581}" type="datetime1">
               <a:rPr lang="en-US" smtClean="0"/>
-              <a:t>12/6/2023</a:t>
+              <a:t>12/7/2023</a:t>
             </a:fld>
             <a:endParaRPr lang="en-US"/>
           </a:p>
@@ -8189,7 +8189,7 @@
           <a:p>
             <a:fld id="{ED291B17-9318-49DB-B28B-6E5994AE9581}" type="datetime1">
               <a:rPr lang="en-US" smtClean="0"/>
-              <a:t>12/6/2023</a:t>
+              <a:t>12/7/2023</a:t>
             </a:fld>
             <a:endParaRPr lang="en-US"/>
           </a:p>
@@ -8364,7 +8364,7 @@
           <a:p>
             <a:fld id="{78DD82B9-B8EE-4375-B6FF-88FA6ABB15D9}" type="datetime1">
               <a:rPr lang="en-US" smtClean="0"/>
-              <a:t>12/6/2023</a:t>
+              <a:t>12/7/2023</a:t>
             </a:fld>
             <a:endParaRPr lang="en-US"/>
           </a:p>
@@ -8615,7 +8615,7 @@
           <a:p>
             <a:fld id="{B2497495-0637-405E-AE64-5CC7506D51F5}" type="datetime1">
               <a:rPr lang="en-US" smtClean="0"/>
-              <a:t>12/6/2023</a:t>
+              <a:t>12/7/2023</a:t>
             </a:fld>
             <a:endParaRPr lang="en-US"/>
           </a:p>
@@ -8912,7 +8912,7 @@
           <a:p>
             <a:fld id="{7BFFD690-9426-415D-8B65-26881E07B2D4}" type="datetime1">
               <a:rPr lang="en-US" smtClean="0"/>
-              <a:t>12/6/2023</a:t>
+              <a:t>12/7/2023</a:t>
             </a:fld>
             <a:endParaRPr lang="en-US"/>
           </a:p>
@@ -9153,7 +9153,7 @@
           <a:p>
             <a:fld id="{7BFFD690-9426-415D-8B65-26881E07B2D4}" type="datetime1">
               <a:rPr lang="en-US" smtClean="0"/>
-              <a:t>12/6/2023</a:t>
+              <a:t>12/7/2023</a:t>
             </a:fld>
             <a:endParaRPr lang="en-US"/>
           </a:p>
@@ -9595,7 +9595,7 @@
           <a:p>
             <a:fld id="{04C4989A-474C-40DE-95B9-011C28B71673}" type="datetime1">
               <a:rPr lang="en-US" smtClean="0"/>
-              <a:t>12/6/2023</a:t>
+              <a:t>12/7/2023</a:t>
             </a:fld>
             <a:endParaRPr lang="en-US"/>
           </a:p>
@@ -9713,7 +9713,7 @@
           <a:p>
             <a:fld id="{5DB4ED54-5B5E-4A04-93D3-5772E3CE3818}" type="datetime1">
               <a:rPr lang="en-US" smtClean="0"/>
-              <a:t>12/6/2023</a:t>
+              <a:t>12/7/2023</a:t>
             </a:fld>
             <a:endParaRPr lang="en-US"/>
           </a:p>
@@ -9808,7 +9808,7 @@
           <a:p>
             <a:fld id="{4EDE50D6-574B-40AF-946F-D52A04ADE379}" type="datetime1">
               <a:rPr lang="en-US" smtClean="0"/>
-              <a:t>12/6/2023</a:t>
+              <a:t>12/7/2023</a:t>
             </a:fld>
             <a:endParaRPr lang="en-US"/>
           </a:p>
@@ -10091,7 +10091,7 @@
           <a:p>
             <a:fld id="{D82884F1-FFEA-405F-9602-3DCA865EDA4E}" type="datetime1">
               <a:rPr lang="en-US" smtClean="0"/>
-              <a:t>12/6/2023</a:t>
+              <a:t>12/7/2023</a:t>
             </a:fld>
             <a:endParaRPr lang="en-US"/>
           </a:p>
@@ -10383,7 +10383,7 @@
           <a:p>
             <a:fld id="{7E18DB4A-8810-4A10-AD5C-D5E2C667F5B3}" type="datetime1">
               <a:rPr lang="en-US" smtClean="0"/>
-              <a:t>12/6/2023</a:t>
+              <a:t>12/7/2023</a:t>
             </a:fld>
             <a:endParaRPr lang="en-US"/>
           </a:p>
@@ -10675,7 +10675,7 @@
           <a:p>
             <a:fld id="{ED291B17-9318-49DB-B28B-6E5994AE9581}" type="datetime1">
               <a:rPr lang="en-US" smtClean="0"/>
-              <a:t>12/6/2023</a:t>
+              <a:t>12/7/2023</a:t>
             </a:fld>
             <a:endParaRPr lang="en-US"/>
           </a:p>
@@ -10924,7 +10924,7 @@
           <a:p>
             <a:fld id="{ED291B17-9318-49DB-B28B-6E5994AE9581}" type="datetime1">
               <a:rPr lang="en-US" smtClean="0"/>
-              <a:t>12/6/2023</a:t>
+              <a:t>12/7/2023</a:t>
             </a:fld>
             <a:endParaRPr lang="en-US"/>
           </a:p>
@@ -11465,7 +11465,7 @@
           <a:p>
             <a:fld id="{ED291B17-9318-49DB-B28B-6E5994AE9581}" type="datetime1">
               <a:rPr lang="en-US" smtClean="0"/>
-              <a:t>12/6/2023</a:t>
+              <a:t>12/7/2023</a:t>
             </a:fld>
             <a:endParaRPr lang="en-US"/>
           </a:p>
@@ -11714,7 +11714,7 @@
           <a:p>
             <a:fld id="{ED291B17-9318-49DB-B28B-6E5994AE9581}" type="datetime1">
               <a:rPr lang="en-US" smtClean="0"/>
-              <a:t>12/6/2023</a:t>
+              <a:t>12/7/2023</a:t>
             </a:fld>
             <a:endParaRPr lang="en-US"/>
           </a:p>
@@ -12247,7 +12247,7 @@
           <a:p>
             <a:fld id="{ED291B17-9318-49DB-B28B-6E5994AE9581}" type="datetime1">
               <a:rPr lang="en-US" smtClean="0"/>
-              <a:t>12/6/2023</a:t>
+              <a:t>12/7/2023</a:t>
             </a:fld>
             <a:endParaRPr lang="en-US"/>
           </a:p>
@@ -12670,7 +12670,7 @@
           <a:p>
             <a:fld id="{04C4989A-474C-40DE-95B9-011C28B71673}" type="datetime1">
               <a:rPr lang="en-US" smtClean="0"/>
-              <a:t>12/6/2023</a:t>
+              <a:t>12/7/2023</a:t>
             </a:fld>
             <a:endParaRPr lang="en-US"/>
           </a:p>
@@ -12967,7 +12967,7 @@
           <a:p>
             <a:fld id="{ED291B17-9318-49DB-B28B-6E5994AE9581}" type="datetime1">
               <a:rPr lang="en-US" smtClean="0"/>
-              <a:t>12/6/2023</a:t>
+              <a:t>12/7/2023</a:t>
             </a:fld>
             <a:endParaRPr lang="en-US"/>
           </a:p>
@@ -13142,7 +13142,7 @@
           <a:p>
             <a:fld id="{2CED4963-E985-44C4-B8C4-FDD613B7C2F8}" type="datetime1">
               <a:rPr lang="en-US" smtClean="0"/>
-              <a:t>12/6/2023</a:t>
+              <a:t>12/7/2023</a:t>
             </a:fld>
             <a:endParaRPr lang="en-US"/>
           </a:p>
@@ -13322,7 +13322,7 @@
           <a:p>
             <a:fld id="{ED291B17-9318-49DB-B28B-6E5994AE9581}" type="datetime1">
               <a:rPr lang="en-US" smtClean="0"/>
-              <a:t>12/6/2023</a:t>
+              <a:t>12/7/2023</a:t>
             </a:fld>
             <a:endParaRPr lang="en-US"/>
           </a:p>
@@ -22176,7 +22176,7 @@
           <a:p>
             <a:fld id="{ED291B17-9318-49DB-B28B-6E5994AE9581}" type="datetime1">
               <a:rPr lang="en-US" smtClean="0"/>
-              <a:t>12/6/2023</a:t>
+              <a:t>12/7/2023</a:t>
             </a:fld>
             <a:endParaRPr lang="en-US"/>
           </a:p>
@@ -22383,7 +22383,7 @@
           <a:p>
             <a:fld id="{78DD82B9-B8EE-4375-B6FF-88FA6ABB15D9}" type="datetime1">
               <a:rPr lang="en-US" smtClean="0"/>
-              <a:t>12/6/2023</a:t>
+              <a:t>12/7/2023</a:t>
             </a:fld>
             <a:endParaRPr lang="en-US"/>
           </a:p>
@@ -31281,7 +31281,7 @@
           <a:p>
             <a:fld id="{B2497495-0637-405E-AE64-5CC7506D51F5}" type="datetime1">
               <a:rPr lang="en-US" smtClean="0"/>
-              <a:t>12/6/2023</a:t>
+              <a:t>12/7/2023</a:t>
             </a:fld>
             <a:endParaRPr lang="en-US"/>
           </a:p>
@@ -31555,7 +31555,7 @@
           <a:p>
             <a:fld id="{7BFFD690-9426-415D-8B65-26881E07B2D4}" type="datetime1">
               <a:rPr lang="en-US" smtClean="0"/>
-              <a:t>12/6/2023</a:t>
+              <a:t>12/7/2023</a:t>
             </a:fld>
             <a:endParaRPr lang="en-US"/>
           </a:p>
@@ -31953,7 +31953,7 @@
           <a:p>
             <a:fld id="{04C4989A-474C-40DE-95B9-011C28B71673}" type="datetime1">
               <a:rPr lang="en-US" smtClean="0"/>
-              <a:t>12/6/2023</a:t>
+              <a:t>12/7/2023</a:t>
             </a:fld>
             <a:endParaRPr lang="en-US"/>
           </a:p>
@@ -32071,7 +32071,7 @@
           <a:p>
             <a:fld id="{5DB4ED54-5B5E-4A04-93D3-5772E3CE3818}" type="datetime1">
               <a:rPr lang="en-US" smtClean="0"/>
-              <a:t>12/6/2023</a:t>
+              <a:t>12/7/2023</a:t>
             </a:fld>
             <a:endParaRPr lang="en-US"/>
           </a:p>
@@ -32166,7 +32166,7 @@
           <a:p>
             <a:fld id="{4EDE50D6-574B-40AF-946F-D52A04ADE379}" type="datetime1">
               <a:rPr lang="en-US" smtClean="0"/>
-              <a:t>12/6/2023</a:t>
+              <a:t>12/7/2023</a:t>
             </a:fld>
             <a:endParaRPr lang="en-US"/>
           </a:p>
@@ -32289,7 +32289,7 @@
           <a:p>
             <a:fld id="{5DB4ED54-5B5E-4A04-93D3-5772E3CE3818}" type="datetime1">
               <a:rPr lang="en-US" smtClean="0"/>
-              <a:t>12/6/2023</a:t>
+              <a:t>12/7/2023</a:t>
             </a:fld>
             <a:endParaRPr lang="en-US"/>
           </a:p>
@@ -32579,7 +32579,7 @@
           <a:p>
             <a:fld id="{D82884F1-FFEA-405F-9602-3DCA865EDA4E}" type="datetime1">
               <a:rPr lang="en-US" smtClean="0"/>
-              <a:t>12/6/2023</a:t>
+              <a:t>12/7/2023</a:t>
             </a:fld>
             <a:endParaRPr lang="en-US"/>
           </a:p>
@@ -32860,7 +32860,7 @@
           <a:p>
             <a:fld id="{7E18DB4A-8810-4A10-AD5C-D5E2C667F5B3}" type="datetime1">
               <a:rPr lang="en-US" smtClean="0"/>
-              <a:t>12/6/2023</a:t>
+              <a:t>12/7/2023</a:t>
             </a:fld>
             <a:endParaRPr lang="en-US"/>
           </a:p>
@@ -33066,7 +33066,7 @@
           <a:p>
             <a:fld id="{2CED4963-E985-44C4-B8C4-FDD613B7C2F8}" type="datetime1">
               <a:rPr lang="en-US" smtClean="0"/>
-              <a:t>12/6/2023</a:t>
+              <a:t>12/7/2023</a:t>
             </a:fld>
             <a:endParaRPr lang="en-US"/>
           </a:p>
@@ -33246,7 +33246,7 @@
           <a:p>
             <a:fld id="{ED291B17-9318-49DB-B28B-6E5994AE9581}" type="datetime1">
               <a:rPr lang="en-US" smtClean="0"/>
-              <a:t>12/6/2023</a:t>
+              <a:t>12/7/2023</a:t>
             </a:fld>
             <a:endParaRPr lang="en-US"/>
           </a:p>
@@ -33491,7 +33491,7 @@
           <a:p>
             <a:fld id="{ED291B17-9318-49DB-B28B-6E5994AE9581}" type="datetime1">
               <a:rPr lang="en-US" smtClean="0"/>
-              <a:t>12/6/2023</a:t>
+              <a:t>12/7/2023</a:t>
             </a:fld>
             <a:endParaRPr lang="en-US"/>
           </a:p>
@@ -33691,7 +33691,7 @@
           <a:p>
             <a:fld id="{78DD82B9-B8EE-4375-B6FF-88FA6ABB15D9}" type="datetime1">
               <a:rPr lang="en-US" smtClean="0"/>
-              <a:t>12/6/2023</a:t>
+              <a:t>12/7/2023</a:t>
             </a:fld>
             <a:endParaRPr lang="en-US"/>
           </a:p>
@@ -33967,7 +33967,7 @@
           <a:p>
             <a:fld id="{B2497495-0637-405E-AE64-5CC7506D51F5}" type="datetime1">
               <a:rPr lang="en-US" smtClean="0"/>
-              <a:t>12/6/2023</a:t>
+              <a:t>12/7/2023</a:t>
             </a:fld>
             <a:endParaRPr lang="en-US"/>
           </a:p>
@@ -34235,7 +34235,7 @@
           <a:p>
             <a:fld id="{7BFFD690-9426-415D-8B65-26881E07B2D4}" type="datetime1">
               <a:rPr lang="en-US" smtClean="0"/>
-              <a:t>12/6/2023</a:t>
+              <a:t>12/7/2023</a:t>
             </a:fld>
             <a:endParaRPr lang="en-US"/>
           </a:p>
@@ -34650,7 +34650,7 @@
           <a:p>
             <a:fld id="{04C4989A-474C-40DE-95B9-011C28B71673}" type="datetime1">
               <a:rPr lang="en-US" smtClean="0"/>
-              <a:t>12/6/2023</a:t>
+              <a:t>12/7/2023</a:t>
             </a:fld>
             <a:endParaRPr lang="en-US"/>
           </a:p>
@@ -34792,7 +34792,7 @@
           <a:p>
             <a:fld id="{5DB4ED54-5B5E-4A04-93D3-5772E3CE3818}" type="datetime1">
               <a:rPr lang="en-US" smtClean="0"/>
-              <a:t>12/6/2023</a:t>
+              <a:t>12/7/2023</a:t>
             </a:fld>
             <a:endParaRPr lang="en-US"/>
           </a:p>
@@ -34899,7 +34899,7 @@
           <a:p>
             <a:fld id="{4EDE50D6-574B-40AF-946F-D52A04ADE379}" type="datetime1">
               <a:rPr lang="en-US" smtClean="0"/>
-              <a:t>12/6/2023</a:t>
+              <a:t>12/7/2023</a:t>
             </a:fld>
             <a:endParaRPr lang="en-US"/>
           </a:p>
@@ -35000,7 +35000,7 @@
           <a:p>
             <a:fld id="{4EDE50D6-574B-40AF-946F-D52A04ADE379}" type="datetime1">
               <a:rPr lang="en-US" smtClean="0"/>
-              <a:t>12/6/2023</a:t>
+              <a:t>12/7/2023</a:t>
             </a:fld>
             <a:endParaRPr lang="en-US"/>
           </a:p>
@@ -35313,7 +35313,7 @@
           <a:p>
             <a:fld id="{D82884F1-FFEA-405F-9602-3DCA865EDA4E}" type="datetime1">
               <a:rPr lang="en-US" smtClean="0"/>
-              <a:t>12/6/2023</a:t>
+              <a:t>12/7/2023</a:t>
             </a:fld>
             <a:endParaRPr lang="en-US"/>
           </a:p>
@@ -35603,7 +35603,7 @@
           <a:p>
             <a:fld id="{7E18DB4A-8810-4A10-AD5C-D5E2C667F5B3}" type="datetime1">
               <a:rPr lang="en-US" smtClean="0"/>
-              <a:t>12/6/2023</a:t>
+              <a:t>12/7/2023</a:t>
             </a:fld>
             <a:endParaRPr lang="en-US"/>
           </a:p>
@@ -35804,7 +35804,7 @@
           <a:p>
             <a:fld id="{2CED4963-E985-44C4-B8C4-FDD613B7C2F8}" type="datetime1">
               <a:rPr lang="en-US" smtClean="0"/>
-              <a:t>12/6/2023</a:t>
+              <a:t>12/7/2023</a:t>
             </a:fld>
             <a:endParaRPr lang="en-US"/>
           </a:p>
@@ -36014,7 +36014,7 @@
           <a:p>
             <a:fld id="{ED291B17-9318-49DB-B28B-6E5994AE9581}" type="datetime1">
               <a:rPr lang="en-US" smtClean="0"/>
-              <a:t>12/6/2023</a:t>
+              <a:t>12/7/2023</a:t>
             </a:fld>
             <a:endParaRPr lang="en-US"/>
           </a:p>
@@ -36403,7 +36403,7 @@
           <a:p>
             <a:fld id="{D82884F1-FFEA-405F-9602-3DCA865EDA4E}" type="datetime1">
               <a:rPr lang="en-US" smtClean="0"/>
-              <a:t>12/6/2023</a:t>
+              <a:t>12/7/2023</a:t>
             </a:fld>
             <a:endParaRPr lang="en-US"/>
           </a:p>
@@ -36695,7 +36695,7 @@
           <a:p>
             <a:fld id="{7E18DB4A-8810-4A10-AD5C-D5E2C667F5B3}" type="datetime1">
               <a:rPr lang="en-US" smtClean="0"/>
-              <a:t>12/6/2023</a:t>
+              <a:t>12/7/2023</a:t>
             </a:fld>
             <a:endParaRPr lang="en-US"/>
           </a:p>
@@ -36910,7 +36910,7 @@
           <a:p>
             <a:fld id="{ED291B17-9318-49DB-B28B-6E5994AE9581}" type="datetime1">
               <a:rPr lang="en-US" smtClean="0"/>
-              <a:t>12/6/2023</a:t>
+              <a:t>12/7/2023</a:t>
             </a:fld>
             <a:endParaRPr lang="en-US"/>
           </a:p>
@@ -37758,7 +37758,7 @@
           <a:p>
             <a:fld id="{ED291B17-9318-49DB-B28B-6E5994AE9581}" type="datetime1">
               <a:rPr lang="en-US" smtClean="0"/>
-              <a:t>12/6/2023</a:t>
+              <a:t>12/7/2023</a:t>
             </a:fld>
             <a:endParaRPr lang="en-US"/>
           </a:p>
@@ -38412,7 +38412,7 @@
           <a:p>
             <a:fld id="{ED291B17-9318-49DB-B28B-6E5994AE9581}" type="datetime1">
               <a:rPr lang="en-US" smtClean="0"/>
-              <a:t>12/6/2023</a:t>
+              <a:t>12/7/2023</a:t>
             </a:fld>
             <a:endParaRPr lang="en-US"/>
           </a:p>
@@ -39320,7 +39320,7 @@
           <a:p>
             <a:fld id="{ED291B17-9318-49DB-B28B-6E5994AE9581}" type="datetime1">
               <a:rPr lang="en-US" smtClean="0"/>
-              <a:t>12/6/2023</a:t>
+              <a:t>12/7/2023</a:t>
             </a:fld>
             <a:endParaRPr lang="en-US"/>
           </a:p>
@@ -39989,7 +39989,7 @@
           <a:p>
             <a:fld id="{ED291B17-9318-49DB-B28B-6E5994AE9581}" type="datetime1">
               <a:rPr lang="en-US" smtClean="0"/>
-              <a:t>12/6/2023</a:t>
+              <a:t>12/7/2023</a:t>
             </a:fld>
             <a:endParaRPr lang="en-US"/>
           </a:p>
@@ -40645,7 +40645,7 @@
           <a:p>
             <a:fld id="{ED291B17-9318-49DB-B28B-6E5994AE9581}" type="datetime1">
               <a:rPr lang="en-US" smtClean="0"/>
-              <a:t>12/6/2023</a:t>
+              <a:t>12/7/2023</a:t>
             </a:fld>
             <a:endParaRPr lang="en-US"/>
           </a:p>
@@ -41796,7 +41796,7 @@
         </p:blipFill>
         <p:spPr>
           <a:xfrm>
-            <a:off x="3228575" y="2091872"/>
+            <a:off x="3626242" y="2438399"/>
             <a:ext cx="5734850" cy="2500663"/>
           </a:xfrm>
           <a:prstGeom prst="rect">
@@ -41824,7 +41824,7 @@
         </p:blipFill>
         <p:spPr>
           <a:xfrm>
-            <a:off x="688975" y="248051"/>
+            <a:off x="688976" y="251556"/>
             <a:ext cx="10729505" cy="6188304"/>
           </a:xfrm>
           <a:prstGeom prst="rect">
@@ -42654,10 +42654,10 @@
       </p:sp>
       <p:pic>
         <p:nvPicPr>
-          <p:cNvPr id="4" name="Picture 3">
+          <p:cNvPr id="5" name="Picture 4">
             <a:extLst>
               <a:ext uri="{FF2B5EF4-FFF2-40B4-BE49-F238E27FC236}">
-                <a16:creationId xmlns:a16="http://schemas.microsoft.com/office/drawing/2014/main" id="{1A1357F2-507D-4F5F-A67E-B2D8B84057A9}"/>
+                <a16:creationId xmlns:a16="http://schemas.microsoft.com/office/drawing/2014/main" id="{36A5DD57-975F-4E56-A3BC-D9EA6E4C8609}"/>
               </a:ext>
             </a:extLst>
           </p:cNvPr>
@@ -42665,33 +42665,69 @@
           <p:nvPr/>
         </p:nvPicPr>
         <p:blipFill>
-          <a:blip r:embed="rId2" cstate="print">
-            <a:extLst>
-              <a:ext uri="{28A0092B-C50C-407E-A947-70E740481C1C}">
-                <a14:useLocalDpi xmlns:a14="http://schemas.microsoft.com/office/drawing/2010/main" val="0"/>
-              </a:ext>
-            </a:extLst>
-          </a:blip>
+          <a:blip r:embed="rId2"/>
           <a:stretch>
             <a:fillRect/>
           </a:stretch>
         </p:blipFill>
         <p:spPr>
           <a:xfrm>
-            <a:off x="3305810" y="2924810"/>
-            <a:ext cx="5580380" cy="2151380"/>
+            <a:off x="3797772" y="2537905"/>
+            <a:ext cx="4596455" cy="3634295"/>
           </a:xfrm>
           <a:prstGeom prst="rect">
             <a:avLst/>
           </a:prstGeom>
         </p:spPr>
       </p:pic>
+      <p:sp>
+        <p:nvSpPr>
+          <p:cNvPr id="3" name="TextBox 2">
+            <a:extLst>
+              <a:ext uri="{FF2B5EF4-FFF2-40B4-BE49-F238E27FC236}">
+                <a16:creationId xmlns:a16="http://schemas.microsoft.com/office/drawing/2014/main" id="{086A0AE4-1F92-4BFC-9802-4A5AFC79AF9B}"/>
+              </a:ext>
+            </a:extLst>
+          </p:cNvPr>
+          <p:cNvSpPr txBox="1"/>
+          <p:nvPr/>
+        </p:nvSpPr>
+        <p:spPr>
+          <a:xfrm>
+            <a:off x="1422401" y="658207"/>
+            <a:ext cx="8829675" cy="1569660"/>
+          </a:xfrm>
+          <a:prstGeom prst="rect">
+            <a:avLst/>
+          </a:prstGeom>
+          <a:noFill/>
+        </p:spPr>
+        <p:txBody>
+          <a:bodyPr wrap="square" rtlCol="0">
+            <a:spAutoFit/>
+          </a:bodyPr>
+          <a:lstStyle/>
+          <a:p>
+            <a:r>
+              <a:rPr lang="en-US" sz="3200" b="1">
+                <a:latin typeface="Verdana" panose="020B0604030504040204" pitchFamily="34" charset="0"/>
+                <a:ea typeface="Verdana" panose="020B0604030504040204" pitchFamily="34" charset="0"/>
+              </a:rPr>
+              <a:t>Trường hợp 1: dự đoán giá bán lẻ tốt nhất dựa trên giá bán sỉ là 200 USD và tổng số lượng bán là 500</a:t>
+            </a:r>
+            <a:endParaRPr lang="vi-VN" sz="3200" b="1">
+              <a:latin typeface="Verdana" panose="020B0604030504040204" pitchFamily="34" charset="0"/>
+              <a:ea typeface="Verdana" panose="020B0604030504040204" pitchFamily="34" charset="0"/>
+            </a:endParaRPr>
+          </a:p>
+        </p:txBody>
+      </p:sp>
       <p:pic>
         <p:nvPicPr>
-          <p:cNvPr id="5" name="Picture 4">
+          <p:cNvPr id="8" name="Picture 7">
             <a:extLst>
               <a:ext uri="{FF2B5EF4-FFF2-40B4-BE49-F238E27FC236}">
-                <a16:creationId xmlns:a16="http://schemas.microsoft.com/office/drawing/2014/main" id="{36A5DD57-975F-4E56-A3BC-D9EA6E4C8609}"/>
+                <a16:creationId xmlns:a16="http://schemas.microsoft.com/office/drawing/2014/main" id="{036322FA-63CC-4F8A-A74C-A868BDA376B3}"/>
               </a:ext>
             </a:extLst>
           </p:cNvPr>
@@ -42706,7 +42742,7 @@
         </p:blipFill>
         <p:spPr>
           <a:xfrm>
-            <a:off x="3797772" y="2496918"/>
+            <a:off x="3797772" y="2537905"/>
             <a:ext cx="4596455" cy="3634295"/>
           </a:xfrm>
           <a:prstGeom prst="rect">
@@ -42714,12 +42750,96 @@
           </a:prstGeom>
         </p:spPr>
       </p:pic>
+      <p:sp>
+        <p:nvSpPr>
+          <p:cNvPr id="9" name="TextBox 8">
+            <a:extLst>
+              <a:ext uri="{FF2B5EF4-FFF2-40B4-BE49-F238E27FC236}">
+                <a16:creationId xmlns:a16="http://schemas.microsoft.com/office/drawing/2014/main" id="{DCB872A3-38B3-49C6-AB27-549FCEF4A7E0}"/>
+              </a:ext>
+            </a:extLst>
+          </p:cNvPr>
+          <p:cNvSpPr txBox="1"/>
+          <p:nvPr/>
+        </p:nvSpPr>
+        <p:spPr>
+          <a:xfrm>
+            <a:off x="1422400" y="658207"/>
+            <a:ext cx="8829675" cy="1569660"/>
+          </a:xfrm>
+          <a:prstGeom prst="rect">
+            <a:avLst/>
+          </a:prstGeom>
+          <a:noFill/>
+        </p:spPr>
+        <p:txBody>
+          <a:bodyPr wrap="square" rtlCol="0">
+            <a:spAutoFit/>
+          </a:bodyPr>
+          <a:lstStyle/>
+          <a:p>
+            <a:r>
+              <a:rPr lang="en-US" sz="3200" b="1">
+                <a:latin typeface="Verdana" panose="020B0604030504040204" pitchFamily="34" charset="0"/>
+                <a:ea typeface="Verdana" panose="020B0604030504040204" pitchFamily="34" charset="0"/>
+              </a:rPr>
+              <a:t>Trường hợp 2: dự đoán giá bán lẻ tốt nhất dựa trên giá bán sỉ là 1000 USD và tổng số lượng bán là 500</a:t>
+            </a:r>
+            <a:endParaRPr lang="vi-VN" sz="3200" b="1">
+              <a:latin typeface="Verdana" panose="020B0604030504040204" pitchFamily="34" charset="0"/>
+              <a:ea typeface="Verdana" panose="020B0604030504040204" pitchFamily="34" charset="0"/>
+            </a:endParaRPr>
+          </a:p>
+        </p:txBody>
+      </p:sp>
+      <p:sp>
+        <p:nvSpPr>
+          <p:cNvPr id="11" name="TextBox 10">
+            <a:extLst>
+              <a:ext uri="{FF2B5EF4-FFF2-40B4-BE49-F238E27FC236}">
+                <a16:creationId xmlns:a16="http://schemas.microsoft.com/office/drawing/2014/main" id="{A5FE5E62-AFEC-448F-93D1-C1E83DCB2B60}"/>
+              </a:ext>
+            </a:extLst>
+          </p:cNvPr>
+          <p:cNvSpPr txBox="1"/>
+          <p:nvPr/>
+        </p:nvSpPr>
+        <p:spPr>
+          <a:xfrm>
+            <a:off x="2994025" y="1150649"/>
+            <a:ext cx="8829675" cy="584775"/>
+          </a:xfrm>
+          <a:prstGeom prst="rect">
+            <a:avLst/>
+          </a:prstGeom>
+          <a:noFill/>
+        </p:spPr>
+        <p:txBody>
+          <a:bodyPr wrap="square" rtlCol="0">
+            <a:spAutoFit/>
+          </a:bodyPr>
+          <a:lstStyle/>
+          <a:p>
+            <a:r>
+              <a:rPr lang="en-US" sz="3200" b="1">
+                <a:latin typeface="Verdana" panose="020B0604030504040204" pitchFamily="34" charset="0"/>
+                <a:ea typeface="Verdana" panose="020B0604030504040204" pitchFamily="34" charset="0"/>
+              </a:rPr>
+              <a:t>So sánh 5 mô hình hồi quy</a:t>
+            </a:r>
+            <a:endParaRPr lang="vi-VN" sz="3200" b="1">
+              <a:latin typeface="Verdana" panose="020B0604030504040204" pitchFamily="34" charset="0"/>
+              <a:ea typeface="Verdana" panose="020B0604030504040204" pitchFamily="34" charset="0"/>
+            </a:endParaRPr>
+          </a:p>
+        </p:txBody>
+      </p:sp>
       <p:pic>
         <p:nvPicPr>
-          <p:cNvPr id="6" name="Picture 5">
+          <p:cNvPr id="12" name="Picture 11">
             <a:extLst>
               <a:ext uri="{FF2B5EF4-FFF2-40B4-BE49-F238E27FC236}">
-                <a16:creationId xmlns:a16="http://schemas.microsoft.com/office/drawing/2014/main" id="{08F08995-BA80-418E-863A-D6DE46B7AFAF}"/>
+                <a16:creationId xmlns:a16="http://schemas.microsoft.com/office/drawing/2014/main" id="{B4227267-6803-4C59-B010-DDF7AE3F7A99}"/>
               </a:ext>
             </a:extLst>
           </p:cNvPr>
@@ -42734,36 +42854,8 @@
         </p:blipFill>
         <p:spPr>
           <a:xfrm>
-            <a:off x="3797772" y="2438399"/>
-            <a:ext cx="4596455" cy="3692814"/>
-          </a:xfrm>
-          <a:prstGeom prst="rect">
-            <a:avLst/>
-          </a:prstGeom>
-        </p:spPr>
-      </p:pic>
-      <p:pic>
-        <p:nvPicPr>
-          <p:cNvPr id="7" name="Picture 6">
-            <a:extLst>
-              <a:ext uri="{FF2B5EF4-FFF2-40B4-BE49-F238E27FC236}">
-                <a16:creationId xmlns:a16="http://schemas.microsoft.com/office/drawing/2014/main" id="{BBD91141-4184-4B2E-A0D3-2714A49168FE}"/>
-              </a:ext>
-            </a:extLst>
-          </p:cNvPr>
-          <p:cNvPicPr/>
-          <p:nvPr/>
-        </p:nvPicPr>
-        <p:blipFill>
-          <a:blip r:embed="rId5"/>
-          <a:stretch>
-            <a:fillRect/>
-          </a:stretch>
-        </p:blipFill>
-        <p:spPr>
-          <a:xfrm>
-            <a:off x="3797772" y="2438399"/>
-            <a:ext cx="4596454" cy="3692814"/>
+            <a:off x="3797771" y="2537905"/>
+            <a:ext cx="4596455" cy="3634295"/>
           </a:xfrm>
           <a:prstGeom prst="rect">
             <a:avLst/>
@@ -42780,13 +42872,13 @@
   <p:clrMapOvr>
     <a:masterClrMapping/>
   </p:clrMapOvr>
-  <mc:AlternateContent xmlns:mc="http://schemas.openxmlformats.org/markup-compatibility/2006">
-    <mc:Choice xmlns:p159="http://schemas.microsoft.com/office/powerpoint/2015/09/main" Requires="p159">
+  <mc:AlternateContent xmlns:mc="http://schemas.openxmlformats.org/markup-compatibility/2006" xmlns:p159="http://schemas.microsoft.com/office/powerpoint/2015/09/main">
+    <mc:Choice Requires="p159">
       <p:transition xmlns:p14="http://schemas.microsoft.com/office/powerpoint/2010/main" spd="slow" p14:dur="2000">
         <p159:morph option="byObject"/>
       </p:transition>
     </mc:Choice>
-    <mc:Fallback>
+    <mc:Fallback xmlns="">
       <p:transition spd="slow">
         <p:fade/>
       </p:transition>
@@ -42804,9 +42896,6 @@
                     <p:cTn id="3" fill="hold">
                       <p:stCondLst>
                         <p:cond delay="indefinite"/>
-                        <p:cond evt="onBegin" delay="0">
-                          <p:tn val="2"/>
-                        </p:cond>
                       </p:stCondLst>
                       <p:childTnLst>
                         <p:par>
@@ -42816,127 +42905,28 @@
                             </p:stCondLst>
                             <p:childTnLst>
                               <p:par>
-                                <p:cTn id="5" presetID="42" presetClass="entr" presetSubtype="0" fill="hold" nodeType="afterEffect">
+                                <p:cTn id="5" presetID="10" presetClass="exit" presetSubtype="0" fill="hold" grpId="0" nodeType="clickEffect">
                                   <p:stCondLst>
                                     <p:cond delay="0"/>
                                   </p:stCondLst>
                                   <p:childTnLst>
-                                    <p:set>
+                                    <p:animEffect transition="out" filter="fade">
                                       <p:cBhvr>
-                                        <p:cTn id="6" dur="1" fill="hold">
-                                          <p:stCondLst>
-                                            <p:cond delay="0"/>
-                                          </p:stCondLst>
-                                        </p:cTn>
+                                        <p:cTn id="6" dur="500"/>
                                         <p:tgtEl>
-                                          <p:spTgt spid="4"/>
-                                        </p:tgtEl>
-                                        <p:attrNameLst>
-                                          <p:attrName>style.visibility</p:attrName>
-                                        </p:attrNameLst>
-                                      </p:cBhvr>
-                                      <p:to>
-                                        <p:strVal val="visible"/>
-                                      </p:to>
-                                    </p:set>
-                                    <p:animEffect transition="in" filter="fade">
-                                      <p:cBhvr>
-                                        <p:cTn id="7" dur="1000"/>
-                                        <p:tgtEl>
-                                          <p:spTgt spid="4"/>
-                                        </p:tgtEl>
-                                      </p:cBhvr>
-                                    </p:animEffect>
-                                    <p:anim calcmode="lin" valueType="num">
-                                      <p:cBhvr>
-                                        <p:cTn id="8" dur="1000" fill="hold"/>
-                                        <p:tgtEl>
-                                          <p:spTgt spid="4"/>
-                                        </p:tgtEl>
-                                        <p:attrNameLst>
-                                          <p:attrName>ppt_x</p:attrName>
-                                        </p:attrNameLst>
-                                      </p:cBhvr>
-                                      <p:tavLst>
-                                        <p:tav tm="0">
-                                          <p:val>
-                                            <p:strVal val="#ppt_x"/>
-                                          </p:val>
-                                        </p:tav>
-                                        <p:tav tm="100000">
-                                          <p:val>
-                                            <p:strVal val="#ppt_x"/>
-                                          </p:val>
-                                        </p:tav>
-                                      </p:tavLst>
-                                    </p:anim>
-                                    <p:anim calcmode="lin" valueType="num">
-                                      <p:cBhvr>
-                                        <p:cTn id="9" dur="1000" fill="hold"/>
-                                        <p:tgtEl>
-                                          <p:spTgt spid="4"/>
-                                        </p:tgtEl>
-                                        <p:attrNameLst>
-                                          <p:attrName>ppt_y</p:attrName>
-                                        </p:attrNameLst>
-                                      </p:cBhvr>
-                                      <p:tavLst>
-                                        <p:tav tm="0">
-                                          <p:val>
-                                            <p:strVal val="#ppt_y+.1"/>
-                                          </p:val>
-                                        </p:tav>
-                                        <p:tav tm="100000">
-                                          <p:val>
-                                            <p:strVal val="#ppt_y"/>
-                                          </p:val>
-                                        </p:tav>
-                                      </p:tavLst>
-                                    </p:anim>
-                                  </p:childTnLst>
-                                </p:cTn>
-                              </p:par>
-                            </p:childTnLst>
-                          </p:cTn>
-                        </p:par>
-                      </p:childTnLst>
-                    </p:cTn>
-                  </p:par>
-                  <p:par>
-                    <p:cTn id="10" fill="hold">
-                      <p:stCondLst>
-                        <p:cond delay="indefinite"/>
-                      </p:stCondLst>
-                      <p:childTnLst>
-                        <p:par>
-                          <p:cTn id="11" fill="hold">
-                            <p:stCondLst>
-                              <p:cond delay="0"/>
-                            </p:stCondLst>
-                            <p:childTnLst>
-                              <p:par>
-                                <p:cTn id="12" presetID="22" presetClass="exit" presetSubtype="4" fill="hold" nodeType="clickEffect">
-                                  <p:stCondLst>
-                                    <p:cond delay="0"/>
-                                  </p:stCondLst>
-                                  <p:childTnLst>
-                                    <p:animEffect transition="out" filter="wipe(down)">
-                                      <p:cBhvr>
-                                        <p:cTn id="13" dur="500"/>
-                                        <p:tgtEl>
-                                          <p:spTgt spid="4"/>
+                                          <p:spTgt spid="2"/>
                                         </p:tgtEl>
                                       </p:cBhvr>
                                     </p:animEffect>
                                     <p:set>
                                       <p:cBhvr>
-                                        <p:cTn id="14" dur="1" fill="hold">
+                                        <p:cTn id="7" dur="1" fill="hold">
                                           <p:stCondLst>
                                             <p:cond delay="499"/>
                                           </p:stCondLst>
                                         </p:cTn>
                                         <p:tgtEl>
-                                          <p:spTgt spid="4"/>
+                                          <p:spTgt spid="2"/>
                                         </p:tgtEl>
                                         <p:attrNameLst>
                                           <p:attrName>style.visibility</p:attrName>
@@ -42953,20 +42943,64 @@
                           </p:cTn>
                         </p:par>
                         <p:par>
-                          <p:cTn id="15" fill="hold">
+                          <p:cTn id="8" fill="hold">
                             <p:stCondLst>
                               <p:cond delay="500"/>
                             </p:stCondLst>
                             <p:childTnLst>
                               <p:par>
-                                <p:cTn id="16" presetID="53" presetClass="entr" presetSubtype="16" fill="hold" nodeType="afterEffect">
+                                <p:cTn id="9" presetID="14" presetClass="entr" presetSubtype="10" fill="hold" grpId="0" nodeType="afterEffect">
                                   <p:stCondLst>
                                     <p:cond delay="0"/>
                                   </p:stCondLst>
                                   <p:childTnLst>
                                     <p:set>
                                       <p:cBhvr>
-                                        <p:cTn id="17" dur="1" fill="hold">
+                                        <p:cTn id="10" dur="1" fill="hold">
+                                          <p:stCondLst>
+                                            <p:cond delay="0"/>
+                                          </p:stCondLst>
+                                        </p:cTn>
+                                        <p:tgtEl>
+                                          <p:spTgt spid="3"/>
+                                        </p:tgtEl>
+                                        <p:attrNameLst>
+                                          <p:attrName>style.visibility</p:attrName>
+                                        </p:attrNameLst>
+                                      </p:cBhvr>
+                                      <p:to>
+                                        <p:strVal val="visible"/>
+                                      </p:to>
+                                    </p:set>
+                                    <p:animEffect transition="in" filter="randombar(horizontal)">
+                                      <p:cBhvr>
+                                        <p:cTn id="11" dur="500"/>
+                                        <p:tgtEl>
+                                          <p:spTgt spid="3"/>
+                                        </p:tgtEl>
+                                      </p:cBhvr>
+                                    </p:animEffect>
+                                  </p:childTnLst>
+                                </p:cTn>
+                              </p:par>
+                            </p:childTnLst>
+                          </p:cTn>
+                        </p:par>
+                        <p:par>
+                          <p:cTn id="12" fill="hold">
+                            <p:stCondLst>
+                              <p:cond delay="1000"/>
+                            </p:stCondLst>
+                            <p:childTnLst>
+                              <p:par>
+                                <p:cTn id="13" presetID="53" presetClass="entr" presetSubtype="16" fill="hold" nodeType="afterEffect">
+                                  <p:stCondLst>
+                                    <p:cond delay="0"/>
+                                  </p:stCondLst>
+                                  <p:childTnLst>
+                                    <p:set>
+                                      <p:cBhvr>
+                                        <p:cTn id="14" dur="1" fill="hold">
                                           <p:stCondLst>
                                             <p:cond delay="0"/>
                                           </p:stCondLst>
@@ -42984,7 +43018,7 @@
                                     </p:set>
                                     <p:anim calcmode="lin" valueType="num">
                                       <p:cBhvr>
-                                        <p:cTn id="18" dur="500" fill="hold"/>
+                                        <p:cTn id="15" dur="500" fill="hold"/>
                                         <p:tgtEl>
                                           <p:spTgt spid="5"/>
                                         </p:tgtEl>
@@ -43007,7 +43041,7 @@
                                     </p:anim>
                                     <p:anim calcmode="lin" valueType="num">
                                       <p:cBhvr>
-                                        <p:cTn id="19" dur="500" fill="hold"/>
+                                        <p:cTn id="16" dur="500" fill="hold"/>
                                         <p:tgtEl>
                                           <p:spTgt spid="5"/>
                                         </p:tgtEl>
@@ -43030,7 +43064,7 @@
                                     </p:anim>
                                     <p:animEffect transition="in" filter="fade">
                                       <p:cBhvr>
-                                        <p:cTn id="20" dur="500"/>
+                                        <p:cTn id="17" dur="500"/>
                                         <p:tgtEl>
                                           <p:spTgt spid="5"/>
                                         </p:tgtEl>
@@ -43046,28 +43080,80 @@
                     </p:cTn>
                   </p:par>
                   <p:par>
-                    <p:cTn id="21" fill="hold">
+                    <p:cTn id="18" fill="hold">
                       <p:stCondLst>
                         <p:cond delay="indefinite"/>
                       </p:stCondLst>
                       <p:childTnLst>
                         <p:par>
-                          <p:cTn id="22" fill="hold">
+                          <p:cTn id="19" fill="hold">
                             <p:stCondLst>
                               <p:cond delay="0"/>
                             </p:stCondLst>
                             <p:childTnLst>
                               <p:par>
-                                <p:cTn id="23" presetID="1" presetClass="exit" presetSubtype="0" fill="hold" nodeType="clickEffect">
+                                <p:cTn id="20" presetID="16" presetClass="exit" presetSubtype="21" fill="hold" grpId="1" nodeType="clickEffect">
                                   <p:stCondLst>
                                     <p:cond delay="0"/>
                                   </p:stCondLst>
                                   <p:childTnLst>
+                                    <p:animEffect transition="out" filter="barn(inVertical)">
+                                      <p:cBhvr>
+                                        <p:cTn id="21" dur="500"/>
+                                        <p:tgtEl>
+                                          <p:spTgt spid="3"/>
+                                        </p:tgtEl>
+                                      </p:cBhvr>
+                                    </p:animEffect>
                                     <p:set>
                                       <p:cBhvr>
-                                        <p:cTn id="24" dur="1" fill="hold">
+                                        <p:cTn id="22" dur="1" fill="hold">
                                           <p:stCondLst>
-                                            <p:cond delay="0"/>
+                                            <p:cond delay="499"/>
+                                          </p:stCondLst>
+                                        </p:cTn>
+                                        <p:tgtEl>
+                                          <p:spTgt spid="3"/>
+                                        </p:tgtEl>
+                                        <p:attrNameLst>
+                                          <p:attrName>style.visibility</p:attrName>
+                                        </p:attrNameLst>
+                                      </p:cBhvr>
+                                      <p:to>
+                                        <p:strVal val="hidden"/>
+                                      </p:to>
+                                    </p:set>
+                                  </p:childTnLst>
+                                </p:cTn>
+                              </p:par>
+                            </p:childTnLst>
+                          </p:cTn>
+                        </p:par>
+                        <p:par>
+                          <p:cTn id="23" fill="hold">
+                            <p:stCondLst>
+                              <p:cond delay="500"/>
+                            </p:stCondLst>
+                            <p:childTnLst>
+                              <p:par>
+                                <p:cTn id="24" presetID="16" presetClass="exit" presetSubtype="21" fill="hold" nodeType="afterEffect">
+                                  <p:stCondLst>
+                                    <p:cond delay="0"/>
+                                  </p:stCondLst>
+                                  <p:childTnLst>
+                                    <p:animEffect transition="out" filter="barn(inVertical)">
+                                      <p:cBhvr>
+                                        <p:cTn id="25" dur="500"/>
+                                        <p:tgtEl>
+                                          <p:spTgt spid="5"/>
+                                        </p:tgtEl>
+                                      </p:cBhvr>
+                                    </p:animEffect>
+                                    <p:set>
+                                      <p:cBhvr>
+                                        <p:cTn id="26" dur="1" fill="hold">
+                                          <p:stCondLst>
+                                            <p:cond delay="499"/>
                                           </p:stCondLst>
                                         </p:cTn>
                                         <p:tgtEl>
@@ -43088,26 +43174,26 @@
                           </p:cTn>
                         </p:par>
                         <p:par>
-                          <p:cTn id="25" fill="hold">
+                          <p:cTn id="27" fill="hold">
                             <p:stCondLst>
-                              <p:cond delay="0"/>
+                              <p:cond delay="1000"/>
                             </p:stCondLst>
                             <p:childTnLst>
                               <p:par>
-                                <p:cTn id="26" presetID="53" presetClass="entr" presetSubtype="16" fill="hold" nodeType="afterEffect">
+                                <p:cTn id="28" presetID="14" presetClass="entr" presetSubtype="10" fill="hold" grpId="0" nodeType="afterEffect">
                                   <p:stCondLst>
                                     <p:cond delay="0"/>
                                   </p:stCondLst>
                                   <p:childTnLst>
                                     <p:set>
                                       <p:cBhvr>
-                                        <p:cTn id="27" dur="1" fill="hold">
+                                        <p:cTn id="29" dur="1" fill="hold">
                                           <p:stCondLst>
                                             <p:cond delay="0"/>
                                           </p:stCondLst>
                                         </p:cTn>
                                         <p:tgtEl>
-                                          <p:spTgt spid="6"/>
+                                          <p:spTgt spid="9"/>
                                         </p:tgtEl>
                                         <p:attrNameLst>
                                           <p:attrName>style.visibility</p:attrName>
@@ -43117,57 +43203,55 @@
                                         <p:strVal val="visible"/>
                                       </p:to>
                                     </p:set>
-                                    <p:anim calcmode="lin" valueType="num">
-                                      <p:cBhvr>
-                                        <p:cTn id="28" dur="500" fill="hold"/>
-                                        <p:tgtEl>
-                                          <p:spTgt spid="6"/>
-                                        </p:tgtEl>
-                                        <p:attrNameLst>
-                                          <p:attrName>ppt_w</p:attrName>
-                                        </p:attrNameLst>
-                                      </p:cBhvr>
-                                      <p:tavLst>
-                                        <p:tav tm="0">
-                                          <p:val>
-                                            <p:fltVal val="0"/>
-                                          </p:val>
-                                        </p:tav>
-                                        <p:tav tm="100000">
-                                          <p:val>
-                                            <p:strVal val="#ppt_w"/>
-                                          </p:val>
-                                        </p:tav>
-                                      </p:tavLst>
-                                    </p:anim>
-                                    <p:anim calcmode="lin" valueType="num">
-                                      <p:cBhvr>
-                                        <p:cTn id="29" dur="500" fill="hold"/>
-                                        <p:tgtEl>
-                                          <p:spTgt spid="6"/>
-                                        </p:tgtEl>
-                                        <p:attrNameLst>
-                                          <p:attrName>ppt_h</p:attrName>
-                                        </p:attrNameLst>
-                                      </p:cBhvr>
-                                      <p:tavLst>
-                                        <p:tav tm="0">
-                                          <p:val>
-                                            <p:fltVal val="0"/>
-                                          </p:val>
-                                        </p:tav>
-                                        <p:tav tm="100000">
-                                          <p:val>
-                                            <p:strVal val="#ppt_h"/>
-                                          </p:val>
-                                        </p:tav>
-                                      </p:tavLst>
-                                    </p:anim>
-                                    <p:animEffect transition="in" filter="fade">
+                                    <p:animEffect transition="in" filter="randombar(horizontal)">
                                       <p:cBhvr>
                                         <p:cTn id="30" dur="500"/>
                                         <p:tgtEl>
-                                          <p:spTgt spid="6"/>
+                                          <p:spTgt spid="9"/>
+                                        </p:tgtEl>
+                                      </p:cBhvr>
+                                    </p:animEffect>
+                                  </p:childTnLst>
+                                </p:cTn>
+                              </p:par>
+                            </p:childTnLst>
+                          </p:cTn>
+                        </p:par>
+                        <p:par>
+                          <p:cTn id="31" fill="hold">
+                            <p:stCondLst>
+                              <p:cond delay="1500"/>
+                            </p:stCondLst>
+                            <p:childTnLst>
+                              <p:par>
+                                <p:cTn id="32" presetID="6" presetClass="entr" presetSubtype="16" fill="hold" nodeType="afterEffect">
+                                  <p:stCondLst>
+                                    <p:cond delay="0"/>
+                                  </p:stCondLst>
+                                  <p:childTnLst>
+                                    <p:set>
+                                      <p:cBhvr>
+                                        <p:cTn id="33" dur="1" fill="hold">
+                                          <p:stCondLst>
+                                            <p:cond delay="0"/>
+                                          </p:stCondLst>
+                                        </p:cTn>
+                                        <p:tgtEl>
+                                          <p:spTgt spid="8"/>
+                                        </p:tgtEl>
+                                        <p:attrNameLst>
+                                          <p:attrName>style.visibility</p:attrName>
+                                        </p:attrNameLst>
+                                      </p:cBhvr>
+                                      <p:to>
+                                        <p:strVal val="visible"/>
+                                      </p:to>
+                                    </p:set>
+                                    <p:animEffect transition="in" filter="circle(in)">
+                                      <p:cBhvr>
+                                        <p:cTn id="34" dur="500"/>
+                                        <p:tgtEl>
+                                          <p:spTgt spid="8"/>
                                         </p:tgtEl>
                                       </p:cBhvr>
                                     </p:animEffect>
@@ -43181,40 +43265,75 @@
                     </p:cTn>
                   </p:par>
                   <p:par>
-                    <p:cTn id="31" fill="hold">
+                    <p:cTn id="35" fill="hold">
                       <p:stCondLst>
                         <p:cond delay="indefinite"/>
                       </p:stCondLst>
                       <p:childTnLst>
                         <p:par>
-                          <p:cTn id="32" fill="hold">
+                          <p:cTn id="36" fill="hold">
                             <p:stCondLst>
                               <p:cond delay="0"/>
                             </p:stCondLst>
                             <p:childTnLst>
                               <p:par>
-                                <p:cTn id="33" presetID="16" presetClass="exit" presetSubtype="21" fill="hold" nodeType="clickEffect">
+                                <p:cTn id="37" presetID="6" presetClass="exit" presetSubtype="32" fill="hold" grpId="1" nodeType="clickEffect">
                                   <p:stCondLst>
                                     <p:cond delay="0"/>
                                   </p:stCondLst>
                                   <p:childTnLst>
-                                    <p:animEffect transition="out" filter="barn(inVertical)">
+                                    <p:animEffect transition="out" filter="circle(out)">
                                       <p:cBhvr>
-                                        <p:cTn id="34" dur="500"/>
+                                        <p:cTn id="38" dur="500"/>
                                         <p:tgtEl>
-                                          <p:spTgt spid="6"/>
+                                          <p:spTgt spid="9"/>
                                         </p:tgtEl>
                                       </p:cBhvr>
                                     </p:animEffect>
                                     <p:set>
                                       <p:cBhvr>
-                                        <p:cTn id="35" dur="1" fill="hold">
+                                        <p:cTn id="39" dur="1" fill="hold">
                                           <p:stCondLst>
                                             <p:cond delay="499"/>
                                           </p:stCondLst>
                                         </p:cTn>
                                         <p:tgtEl>
-                                          <p:spTgt spid="6"/>
+                                          <p:spTgt spid="9"/>
+                                        </p:tgtEl>
+                                        <p:attrNameLst>
+                                          <p:attrName>style.visibility</p:attrName>
+                                        </p:attrNameLst>
+                                      </p:cBhvr>
+                                      <p:to>
+                                        <p:strVal val="hidden"/>
+                                      </p:to>
+                                    </p:set>
+                                  </p:childTnLst>
+                                </p:cTn>
+                              </p:par>
+                              <p:par>
+                                <p:cTn id="40" presetID="6" presetClass="exit" presetSubtype="32" fill="hold" nodeType="withEffect">
+                                  <p:stCondLst>
+                                    <p:cond delay="0"/>
+                                  </p:stCondLst>
+                                  <p:childTnLst>
+                                    <p:animEffect transition="out" filter="circle(out)">
+                                      <p:cBhvr>
+                                        <p:cTn id="41" dur="500"/>
+                                        <p:tgtEl>
+                                          <p:spTgt spid="8"/>
+                                        </p:tgtEl>
+                                      </p:cBhvr>
+                                    </p:animEffect>
+                                    <p:set>
+                                      <p:cBhvr>
+                                        <p:cTn id="42" dur="1" fill="hold">
+                                          <p:stCondLst>
+                                            <p:cond delay="499"/>
+                                          </p:stCondLst>
+                                        </p:cTn>
+                                        <p:tgtEl>
+                                          <p:spTgt spid="8"/>
                                         </p:tgtEl>
                                         <p:attrNameLst>
                                           <p:attrName>style.visibility</p:attrName>
@@ -43231,26 +43350,26 @@
                           </p:cTn>
                         </p:par>
                         <p:par>
-                          <p:cTn id="36" fill="hold">
+                          <p:cTn id="43" fill="hold">
                             <p:stCondLst>
                               <p:cond delay="500"/>
                             </p:stCondLst>
                             <p:childTnLst>
                               <p:par>
-                                <p:cTn id="37" presetID="42" presetClass="entr" presetSubtype="0" fill="hold" nodeType="afterEffect">
+                                <p:cTn id="44" presetID="14" presetClass="entr" presetSubtype="10" fill="hold" grpId="0" nodeType="afterEffect">
                                   <p:stCondLst>
                                     <p:cond delay="0"/>
                                   </p:stCondLst>
                                   <p:childTnLst>
                                     <p:set>
                                       <p:cBhvr>
-                                        <p:cTn id="38" dur="1" fill="hold">
+                                        <p:cTn id="45" dur="1" fill="hold">
                                           <p:stCondLst>
                                             <p:cond delay="0"/>
                                           </p:stCondLst>
                                         </p:cTn>
                                         <p:tgtEl>
-                                          <p:spTgt spid="7"/>
+                                          <p:spTgt spid="11"/>
                                         </p:tgtEl>
                                         <p:attrNameLst>
                                           <p:attrName>style.visibility</p:attrName>
@@ -43260,60 +43379,58 @@
                                         <p:strVal val="visible"/>
                                       </p:to>
                                     </p:set>
-                                    <p:animEffect transition="in" filter="fade">
+                                    <p:animEffect transition="in" filter="randombar(horizontal)">
                                       <p:cBhvr>
-                                        <p:cTn id="39" dur="1000"/>
+                                        <p:cTn id="46" dur="500"/>
                                         <p:tgtEl>
-                                          <p:spTgt spid="7"/>
+                                          <p:spTgt spid="11"/>
                                         </p:tgtEl>
                                       </p:cBhvr>
                                     </p:animEffect>
-                                    <p:anim calcmode="lin" valueType="num">
+                                  </p:childTnLst>
+                                </p:cTn>
+                              </p:par>
+                            </p:childTnLst>
+                          </p:cTn>
+                        </p:par>
+                        <p:par>
+                          <p:cTn id="47" fill="hold">
+                            <p:stCondLst>
+                              <p:cond delay="1000"/>
+                            </p:stCondLst>
+                            <p:childTnLst>
+                              <p:par>
+                                <p:cTn id="48" presetID="14" presetClass="entr" presetSubtype="10" fill="hold" nodeType="afterEffect">
+                                  <p:stCondLst>
+                                    <p:cond delay="0"/>
+                                  </p:stCondLst>
+                                  <p:childTnLst>
+                                    <p:set>
                                       <p:cBhvr>
-                                        <p:cTn id="40" dur="1000" fill="hold"/>
+                                        <p:cTn id="49" dur="1" fill="hold">
+                                          <p:stCondLst>
+                                            <p:cond delay="0"/>
+                                          </p:stCondLst>
+                                        </p:cTn>
                                         <p:tgtEl>
-                                          <p:spTgt spid="7"/>
+                                          <p:spTgt spid="12"/>
                                         </p:tgtEl>
                                         <p:attrNameLst>
-                                          <p:attrName>ppt_x</p:attrName>
+                                          <p:attrName>style.visibility</p:attrName>
                                         </p:attrNameLst>
                                       </p:cBhvr>
-                                      <p:tavLst>
-                                        <p:tav tm="0">
-                                          <p:val>
-                                            <p:strVal val="#ppt_x"/>
-                                          </p:val>
-                                        </p:tav>
-                                        <p:tav tm="100000">
-                                          <p:val>
-                                            <p:strVal val="#ppt_x"/>
-                                          </p:val>
-                                        </p:tav>
-                                      </p:tavLst>
-                                    </p:anim>
-                                    <p:anim calcmode="lin" valueType="num">
+                                      <p:to>
+                                        <p:strVal val="visible"/>
+                                      </p:to>
+                                    </p:set>
+                                    <p:animEffect transition="in" filter="randombar(horizontal)">
                                       <p:cBhvr>
-                                        <p:cTn id="41" dur="1000" fill="hold"/>
+                                        <p:cTn id="50" dur="500"/>
                                         <p:tgtEl>
-                                          <p:spTgt spid="7"/>
+                                          <p:spTgt spid="12"/>
                                         </p:tgtEl>
-                                        <p:attrNameLst>
-                                          <p:attrName>ppt_y</p:attrName>
-                                        </p:attrNameLst>
                                       </p:cBhvr>
-                                      <p:tavLst>
-                                        <p:tav tm="0">
-                                          <p:val>
-                                            <p:strVal val="#ppt_y+.1"/>
-                                          </p:val>
-                                        </p:tav>
-                                        <p:tav tm="100000">
-                                          <p:val>
-                                            <p:strVal val="#ppt_y"/>
-                                          </p:val>
-                                        </p:tav>
-                                      </p:tavLst>
-                                    </p:anim>
+                                    </p:animEffect>
                                   </p:childTnLst>
                                 </p:cTn>
                               </p:par>
@@ -43344,6 +43461,14 @@
         </p:cTn>
       </p:par>
     </p:tnLst>
+    <p:bldLst>
+      <p:bldP spid="2" grpId="0"/>
+      <p:bldP spid="3" grpId="0"/>
+      <p:bldP spid="3" grpId="1"/>
+      <p:bldP spid="9" grpId="0"/>
+      <p:bldP spid="9" grpId="1"/>
+      <p:bldP spid="11" grpId="0"/>
+    </p:bldLst>
   </p:timing>
 </p:sld>
 </file>
@@ -43492,6 +43617,96 @@
           <a:xfrm>
             <a:off x="513734" y="311577"/>
             <a:ext cx="11164530" cy="6234845"/>
+          </a:xfrm>
+          <a:prstGeom prst="rect">
+            <a:avLst/>
+          </a:prstGeom>
+        </p:spPr>
+      </p:pic>
+      <p:pic>
+        <p:nvPicPr>
+          <p:cNvPr id="7" name="Picture 6">
+            <a:extLst>
+              <a:ext uri="{FF2B5EF4-FFF2-40B4-BE49-F238E27FC236}">
+                <a16:creationId xmlns:a16="http://schemas.microsoft.com/office/drawing/2014/main" id="{6EAFA8B2-DC68-4D1F-A877-7624EA5D2B81}"/>
+              </a:ext>
+            </a:extLst>
+          </p:cNvPr>
+          <p:cNvPicPr>
+            <a:picLocks noChangeAspect="1"/>
+          </p:cNvPicPr>
+          <p:nvPr/>
+        </p:nvPicPr>
+        <p:blipFill>
+          <a:blip r:embed="rId5"/>
+          <a:stretch>
+            <a:fillRect/>
+          </a:stretch>
+        </p:blipFill>
+        <p:spPr>
+          <a:xfrm>
+            <a:off x="3810000" y="671800"/>
+            <a:ext cx="4156500" cy="1591160"/>
+          </a:xfrm>
+          <a:prstGeom prst="rect">
+            <a:avLst/>
+          </a:prstGeom>
+        </p:spPr>
+      </p:pic>
+      <p:pic>
+        <p:nvPicPr>
+          <p:cNvPr id="9" name="Picture 8">
+            <a:extLst>
+              <a:ext uri="{FF2B5EF4-FFF2-40B4-BE49-F238E27FC236}">
+                <a16:creationId xmlns:a16="http://schemas.microsoft.com/office/drawing/2014/main" id="{F2B668DF-63C6-425F-9FAE-A8BCE431EB21}"/>
+              </a:ext>
+            </a:extLst>
+          </p:cNvPr>
+          <p:cNvPicPr>
+            <a:picLocks noChangeAspect="1"/>
+          </p:cNvPicPr>
+          <p:nvPr/>
+        </p:nvPicPr>
+        <p:blipFill>
+          <a:blip r:embed="rId6"/>
+          <a:stretch>
+            <a:fillRect/>
+          </a:stretch>
+        </p:blipFill>
+        <p:spPr>
+          <a:xfrm>
+            <a:off x="3810000" y="2295101"/>
+            <a:ext cx="4156500" cy="1526878"/>
+          </a:xfrm>
+          <a:prstGeom prst="rect">
+            <a:avLst/>
+          </a:prstGeom>
+        </p:spPr>
+      </p:pic>
+      <p:pic>
+        <p:nvPicPr>
+          <p:cNvPr id="11" name="Picture 10">
+            <a:extLst>
+              <a:ext uri="{FF2B5EF4-FFF2-40B4-BE49-F238E27FC236}">
+                <a16:creationId xmlns:a16="http://schemas.microsoft.com/office/drawing/2014/main" id="{2330C182-1156-4BEA-9FD1-26EA68335CFB}"/>
+              </a:ext>
+            </a:extLst>
+          </p:cNvPr>
+          <p:cNvPicPr>
+            <a:picLocks noChangeAspect="1"/>
+          </p:cNvPicPr>
+          <p:nvPr/>
+        </p:nvPicPr>
+        <p:blipFill>
+          <a:blip r:embed="rId7"/>
+          <a:stretch>
+            <a:fillRect/>
+          </a:stretch>
+        </p:blipFill>
+        <p:spPr>
+          <a:xfrm>
+            <a:off x="3931492" y="3884409"/>
+            <a:ext cx="4035008" cy="1421731"/>
           </a:xfrm>
           <a:prstGeom prst="rect">
             <a:avLst/>
@@ -43774,14 +43989,58 @@
                             </p:stCondLst>
                             <p:childTnLst>
                               <p:par>
-                                <p:cTn id="23" presetID="14" presetClass="entr" presetSubtype="10" fill="hold" nodeType="clickEffect">
+                                <p:cTn id="23" presetID="14" presetClass="exit" presetSubtype="10" fill="hold" nodeType="clickEffect">
+                                  <p:stCondLst>
+                                    <p:cond delay="0"/>
+                                  </p:stCondLst>
+                                  <p:childTnLst>
+                                    <p:animEffect transition="out" filter="randombar(horizontal)">
+                                      <p:cBhvr>
+                                        <p:cTn id="24" dur="500"/>
+                                        <p:tgtEl>
+                                          <p:spTgt spid="5"/>
+                                        </p:tgtEl>
+                                      </p:cBhvr>
+                                    </p:animEffect>
+                                    <p:set>
+                                      <p:cBhvr>
+                                        <p:cTn id="25" dur="1" fill="hold">
+                                          <p:stCondLst>
+                                            <p:cond delay="499"/>
+                                          </p:stCondLst>
+                                        </p:cTn>
+                                        <p:tgtEl>
+                                          <p:spTgt spid="5"/>
+                                        </p:tgtEl>
+                                        <p:attrNameLst>
+                                          <p:attrName>style.visibility</p:attrName>
+                                        </p:attrNameLst>
+                                      </p:cBhvr>
+                                      <p:to>
+                                        <p:strVal val="hidden"/>
+                                      </p:to>
+                                    </p:set>
+                                  </p:childTnLst>
+                                </p:cTn>
+                              </p:par>
+                            </p:childTnLst>
+                          </p:cTn>
+                        </p:par>
+                        <p:par>
+                          <p:cTn id="26" fill="hold">
+                            <p:stCondLst>
+                              <p:cond delay="500"/>
+                            </p:stCondLst>
+                            <p:childTnLst>
+                              <p:par>
+                                <p:cTn id="27" presetID="14" presetClass="entr" presetSubtype="10" fill="hold" nodeType="afterEffect">
                                   <p:stCondLst>
                                     <p:cond delay="0"/>
                                   </p:stCondLst>
                                   <p:childTnLst>
                                     <p:set>
                                       <p:cBhvr>
-                                        <p:cTn id="24" dur="1" fill="hold">
+                                        <p:cTn id="28" dur="1" fill="hold">
                                           <p:stCondLst>
                                             <p:cond delay="0"/>
                                           </p:stCondLst>
@@ -43799,9 +44058,367 @@
                                     </p:set>
                                     <p:animEffect transition="in" filter="randombar(horizontal)">
                                       <p:cBhvr>
-                                        <p:cTn id="25" dur="500"/>
+                                        <p:cTn id="29" dur="500"/>
                                         <p:tgtEl>
                                           <p:spTgt spid="6"/>
+                                        </p:tgtEl>
+                                      </p:cBhvr>
+                                    </p:animEffect>
+                                  </p:childTnLst>
+                                </p:cTn>
+                              </p:par>
+                            </p:childTnLst>
+                          </p:cTn>
+                        </p:par>
+                      </p:childTnLst>
+                    </p:cTn>
+                  </p:par>
+                  <p:par>
+                    <p:cTn id="30" fill="hold">
+                      <p:stCondLst>
+                        <p:cond delay="indefinite"/>
+                      </p:stCondLst>
+                      <p:childTnLst>
+                        <p:par>
+                          <p:cTn id="31" fill="hold">
+                            <p:stCondLst>
+                              <p:cond delay="0"/>
+                            </p:stCondLst>
+                            <p:childTnLst>
+                              <p:par>
+                                <p:cTn id="32" presetID="10" presetClass="exit" presetSubtype="0" fill="hold" nodeType="clickEffect">
+                                  <p:stCondLst>
+                                    <p:cond delay="0"/>
+                                  </p:stCondLst>
+                                  <p:childTnLst>
+                                    <p:animEffect transition="out" filter="fade">
+                                      <p:cBhvr>
+                                        <p:cTn id="33" dur="500"/>
+                                        <p:tgtEl>
+                                          <p:spTgt spid="6"/>
+                                        </p:tgtEl>
+                                      </p:cBhvr>
+                                    </p:animEffect>
+                                    <p:set>
+                                      <p:cBhvr>
+                                        <p:cTn id="34" dur="1" fill="hold">
+                                          <p:stCondLst>
+                                            <p:cond delay="499"/>
+                                          </p:stCondLst>
+                                        </p:cTn>
+                                        <p:tgtEl>
+                                          <p:spTgt spid="6"/>
+                                        </p:tgtEl>
+                                        <p:attrNameLst>
+                                          <p:attrName>style.visibility</p:attrName>
+                                        </p:attrNameLst>
+                                      </p:cBhvr>
+                                      <p:to>
+                                        <p:strVal val="hidden"/>
+                                      </p:to>
+                                    </p:set>
+                                  </p:childTnLst>
+                                </p:cTn>
+                              </p:par>
+                              <p:par>
+                                <p:cTn id="35" presetID="10" presetClass="exit" presetSubtype="0" fill="hold" grpId="0" nodeType="withEffect">
+                                  <p:stCondLst>
+                                    <p:cond delay="0"/>
+                                  </p:stCondLst>
+                                  <p:childTnLst>
+                                    <p:animEffect transition="out" filter="fade">
+                                      <p:cBhvr>
+                                        <p:cTn id="36" dur="500"/>
+                                        <p:tgtEl>
+                                          <p:spTgt spid="2"/>
+                                        </p:tgtEl>
+                                      </p:cBhvr>
+                                    </p:animEffect>
+                                    <p:set>
+                                      <p:cBhvr>
+                                        <p:cTn id="37" dur="1" fill="hold">
+                                          <p:stCondLst>
+                                            <p:cond delay="499"/>
+                                          </p:stCondLst>
+                                        </p:cTn>
+                                        <p:tgtEl>
+                                          <p:spTgt spid="2"/>
+                                        </p:tgtEl>
+                                        <p:attrNameLst>
+                                          <p:attrName>style.visibility</p:attrName>
+                                        </p:attrNameLst>
+                                      </p:cBhvr>
+                                      <p:to>
+                                        <p:strVal val="hidden"/>
+                                      </p:to>
+                                    </p:set>
+                                  </p:childTnLst>
+                                </p:cTn>
+                              </p:par>
+                            </p:childTnLst>
+                          </p:cTn>
+                        </p:par>
+                        <p:par>
+                          <p:cTn id="38" fill="hold">
+                            <p:stCondLst>
+                              <p:cond delay="500"/>
+                            </p:stCondLst>
+                            <p:childTnLst>
+                              <p:par>
+                                <p:cTn id="39" presetID="55" presetClass="entr" presetSubtype="0" fill="hold" nodeType="afterEffect">
+                                  <p:stCondLst>
+                                    <p:cond delay="0"/>
+                                  </p:stCondLst>
+                                  <p:childTnLst>
+                                    <p:set>
+                                      <p:cBhvr>
+                                        <p:cTn id="40" dur="1" fill="hold">
+                                          <p:stCondLst>
+                                            <p:cond delay="0"/>
+                                          </p:stCondLst>
+                                        </p:cTn>
+                                        <p:tgtEl>
+                                          <p:spTgt spid="7"/>
+                                        </p:tgtEl>
+                                        <p:attrNameLst>
+                                          <p:attrName>style.visibility</p:attrName>
+                                        </p:attrNameLst>
+                                      </p:cBhvr>
+                                      <p:to>
+                                        <p:strVal val="visible"/>
+                                      </p:to>
+                                    </p:set>
+                                    <p:anim calcmode="lin" valueType="num">
+                                      <p:cBhvr>
+                                        <p:cTn id="41" dur="1000" fill="hold"/>
+                                        <p:tgtEl>
+                                          <p:spTgt spid="7"/>
+                                        </p:tgtEl>
+                                        <p:attrNameLst>
+                                          <p:attrName>ppt_w</p:attrName>
+                                        </p:attrNameLst>
+                                      </p:cBhvr>
+                                      <p:tavLst>
+                                        <p:tav tm="0">
+                                          <p:val>
+                                            <p:strVal val="#ppt_w*0.70"/>
+                                          </p:val>
+                                        </p:tav>
+                                        <p:tav tm="100000">
+                                          <p:val>
+                                            <p:strVal val="#ppt_w"/>
+                                          </p:val>
+                                        </p:tav>
+                                      </p:tavLst>
+                                    </p:anim>
+                                    <p:anim calcmode="lin" valueType="num">
+                                      <p:cBhvr>
+                                        <p:cTn id="42" dur="1000" fill="hold"/>
+                                        <p:tgtEl>
+                                          <p:spTgt spid="7"/>
+                                        </p:tgtEl>
+                                        <p:attrNameLst>
+                                          <p:attrName>ppt_h</p:attrName>
+                                        </p:attrNameLst>
+                                      </p:cBhvr>
+                                      <p:tavLst>
+                                        <p:tav tm="0">
+                                          <p:val>
+                                            <p:strVal val="#ppt_h"/>
+                                          </p:val>
+                                        </p:tav>
+                                        <p:tav tm="100000">
+                                          <p:val>
+                                            <p:strVal val="#ppt_h"/>
+                                          </p:val>
+                                        </p:tav>
+                                      </p:tavLst>
+                                    </p:anim>
+                                    <p:animEffect transition="in" filter="fade">
+                                      <p:cBhvr>
+                                        <p:cTn id="43" dur="1000"/>
+                                        <p:tgtEl>
+                                          <p:spTgt spid="7"/>
+                                        </p:tgtEl>
+                                      </p:cBhvr>
+                                    </p:animEffect>
+                                  </p:childTnLst>
+                                </p:cTn>
+                              </p:par>
+                            </p:childTnLst>
+                          </p:cTn>
+                        </p:par>
+                        <p:par>
+                          <p:cTn id="44" fill="hold">
+                            <p:stCondLst>
+                              <p:cond delay="1500"/>
+                            </p:stCondLst>
+                            <p:childTnLst>
+                              <p:par>
+                                <p:cTn id="45" presetID="55" presetClass="entr" presetSubtype="0" fill="hold" nodeType="afterEffect">
+                                  <p:stCondLst>
+                                    <p:cond delay="0"/>
+                                  </p:stCondLst>
+                                  <p:childTnLst>
+                                    <p:set>
+                                      <p:cBhvr>
+                                        <p:cTn id="46" dur="1" fill="hold">
+                                          <p:stCondLst>
+                                            <p:cond delay="0"/>
+                                          </p:stCondLst>
+                                        </p:cTn>
+                                        <p:tgtEl>
+                                          <p:spTgt spid="9"/>
+                                        </p:tgtEl>
+                                        <p:attrNameLst>
+                                          <p:attrName>style.visibility</p:attrName>
+                                        </p:attrNameLst>
+                                      </p:cBhvr>
+                                      <p:to>
+                                        <p:strVal val="visible"/>
+                                      </p:to>
+                                    </p:set>
+                                    <p:anim calcmode="lin" valueType="num">
+                                      <p:cBhvr>
+                                        <p:cTn id="47" dur="1000" fill="hold"/>
+                                        <p:tgtEl>
+                                          <p:spTgt spid="9"/>
+                                        </p:tgtEl>
+                                        <p:attrNameLst>
+                                          <p:attrName>ppt_w</p:attrName>
+                                        </p:attrNameLst>
+                                      </p:cBhvr>
+                                      <p:tavLst>
+                                        <p:tav tm="0">
+                                          <p:val>
+                                            <p:strVal val="#ppt_w*0.70"/>
+                                          </p:val>
+                                        </p:tav>
+                                        <p:tav tm="100000">
+                                          <p:val>
+                                            <p:strVal val="#ppt_w"/>
+                                          </p:val>
+                                        </p:tav>
+                                      </p:tavLst>
+                                    </p:anim>
+                                    <p:anim calcmode="lin" valueType="num">
+                                      <p:cBhvr>
+                                        <p:cTn id="48" dur="1000" fill="hold"/>
+                                        <p:tgtEl>
+                                          <p:spTgt spid="9"/>
+                                        </p:tgtEl>
+                                        <p:attrNameLst>
+                                          <p:attrName>ppt_h</p:attrName>
+                                        </p:attrNameLst>
+                                      </p:cBhvr>
+                                      <p:tavLst>
+                                        <p:tav tm="0">
+                                          <p:val>
+                                            <p:strVal val="#ppt_h"/>
+                                          </p:val>
+                                        </p:tav>
+                                        <p:tav tm="100000">
+                                          <p:val>
+                                            <p:strVal val="#ppt_h"/>
+                                          </p:val>
+                                        </p:tav>
+                                      </p:tavLst>
+                                    </p:anim>
+                                    <p:animEffect transition="in" filter="fade">
+                                      <p:cBhvr>
+                                        <p:cTn id="49" dur="1000"/>
+                                        <p:tgtEl>
+                                          <p:spTgt spid="9"/>
+                                        </p:tgtEl>
+                                      </p:cBhvr>
+                                    </p:animEffect>
+                                  </p:childTnLst>
+                                </p:cTn>
+                              </p:par>
+                            </p:childTnLst>
+                          </p:cTn>
+                        </p:par>
+                        <p:par>
+                          <p:cTn id="50" fill="hold">
+                            <p:stCondLst>
+                              <p:cond delay="2500"/>
+                            </p:stCondLst>
+                            <p:childTnLst>
+                              <p:par>
+                                <p:cTn id="51" presetID="55" presetClass="entr" presetSubtype="0" fill="hold" nodeType="afterEffect">
+                                  <p:stCondLst>
+                                    <p:cond delay="0"/>
+                                  </p:stCondLst>
+                                  <p:childTnLst>
+                                    <p:set>
+                                      <p:cBhvr>
+                                        <p:cTn id="52" dur="1" fill="hold">
+                                          <p:stCondLst>
+                                            <p:cond delay="0"/>
+                                          </p:stCondLst>
+                                        </p:cTn>
+                                        <p:tgtEl>
+                                          <p:spTgt spid="11"/>
+                                        </p:tgtEl>
+                                        <p:attrNameLst>
+                                          <p:attrName>style.visibility</p:attrName>
+                                        </p:attrNameLst>
+                                      </p:cBhvr>
+                                      <p:to>
+                                        <p:strVal val="visible"/>
+                                      </p:to>
+                                    </p:set>
+                                    <p:anim calcmode="lin" valueType="num">
+                                      <p:cBhvr>
+                                        <p:cTn id="53" dur="1000" fill="hold"/>
+                                        <p:tgtEl>
+                                          <p:spTgt spid="11"/>
+                                        </p:tgtEl>
+                                        <p:attrNameLst>
+                                          <p:attrName>ppt_w</p:attrName>
+                                        </p:attrNameLst>
+                                      </p:cBhvr>
+                                      <p:tavLst>
+                                        <p:tav tm="0">
+                                          <p:val>
+                                            <p:strVal val="#ppt_w*0.70"/>
+                                          </p:val>
+                                        </p:tav>
+                                        <p:tav tm="100000">
+                                          <p:val>
+                                            <p:strVal val="#ppt_w"/>
+                                          </p:val>
+                                        </p:tav>
+                                      </p:tavLst>
+                                    </p:anim>
+                                    <p:anim calcmode="lin" valueType="num">
+                                      <p:cBhvr>
+                                        <p:cTn id="54" dur="1000" fill="hold"/>
+                                        <p:tgtEl>
+                                          <p:spTgt spid="11"/>
+                                        </p:tgtEl>
+                                        <p:attrNameLst>
+                                          <p:attrName>ppt_h</p:attrName>
+                                        </p:attrNameLst>
+                                      </p:cBhvr>
+                                      <p:tavLst>
+                                        <p:tav tm="0">
+                                          <p:val>
+                                            <p:strVal val="#ppt_h"/>
+                                          </p:val>
+                                        </p:tav>
+                                        <p:tav tm="100000">
+                                          <p:val>
+                                            <p:strVal val="#ppt_h"/>
+                                          </p:val>
+                                        </p:tav>
+                                      </p:tavLst>
+                                    </p:anim>
+                                    <p:animEffect transition="in" filter="fade">
+                                      <p:cBhvr>
+                                        <p:cTn id="55" dur="1000"/>
+                                        <p:tgtEl>
+                                          <p:spTgt spid="11"/>
                                         </p:tgtEl>
                                       </p:cBhvr>
                                     </p:animEffect>
@@ -43835,6 +44452,9 @@
         </p:cTn>
       </p:par>
     </p:tnLst>
+    <p:bldLst>
+      <p:bldP spid="2" grpId="0"/>
+    </p:bldLst>
   </p:timing>
 </p:sld>
 </file>
@@ -44849,13 +45469,13 @@
   <p:clrMapOvr>
     <a:masterClrMapping/>
   </p:clrMapOvr>
-  <mc:AlternateContent xmlns:mc="http://schemas.openxmlformats.org/markup-compatibility/2006">
-    <mc:Choice xmlns:p14="http://schemas.microsoft.com/office/powerpoint/2010/main" Requires="p14">
+  <mc:AlternateContent xmlns:mc="http://schemas.openxmlformats.org/markup-compatibility/2006" xmlns:p14="http://schemas.microsoft.com/office/powerpoint/2010/main">
+    <mc:Choice Requires="p14">
       <p:transition spd="slow" p14:dur="1400">
         <p:blinds/>
       </p:transition>
     </mc:Choice>
-    <mc:Fallback>
+    <mc:Fallback xmlns="">
       <p:transition spd="slow">
         <p:blinds/>
       </p:transition>
@@ -44905,13 +45525,13 @@
   <p:clrMapOvr>
     <a:masterClrMapping/>
   </p:clrMapOvr>
-  <mc:AlternateContent xmlns:mc="http://schemas.openxmlformats.org/markup-compatibility/2006">
-    <mc:Choice xmlns:p159="http://schemas.microsoft.com/office/powerpoint/2015/09/main" Requires="p159">
+  <mc:AlternateContent xmlns:mc="http://schemas.openxmlformats.org/markup-compatibility/2006" xmlns:p159="http://schemas.microsoft.com/office/powerpoint/2015/09/main">
+    <mc:Choice Requires="p159">
       <p:transition xmlns:p14="http://schemas.microsoft.com/office/powerpoint/2010/main" spd="slow" p14:dur="2000">
         <p159:morph option="byObject"/>
       </p:transition>
     </mc:Choice>
-    <mc:Fallback>
+    <mc:Fallback xmlns="">
       <p:transition spd="slow">
         <p:fade/>
       </p:transition>
@@ -50013,70 +50633,6 @@
       </p:pic>
       <p:pic>
         <p:nvPicPr>
-          <p:cNvPr id="6" name="Picture 5">
-            <a:extLst>
-              <a:ext uri="{FF2B5EF4-FFF2-40B4-BE49-F238E27FC236}">
-                <a16:creationId xmlns:a16="http://schemas.microsoft.com/office/drawing/2014/main" id="{604C9414-1173-4825-801B-11EC729EB168}"/>
-              </a:ext>
-            </a:extLst>
-          </p:cNvPr>
-          <p:cNvPicPr/>
-          <p:nvPr/>
-        </p:nvPicPr>
-        <p:blipFill>
-          <a:blip r:embed="rId3" cstate="print">
-            <a:extLst>
-              <a:ext uri="{28A0092B-C50C-407E-A947-70E740481C1C}">
-                <a14:useLocalDpi xmlns:a14="http://schemas.microsoft.com/office/drawing/2010/main" val="0"/>
-              </a:ext>
-            </a:extLst>
-          </a:blip>
-          <a:stretch>
-            <a:fillRect/>
-          </a:stretch>
-        </p:blipFill>
-        <p:spPr>
-          <a:xfrm>
-            <a:off x="3278503" y="2503369"/>
-            <a:ext cx="6430327" cy="2602548"/>
-          </a:xfrm>
-          <a:prstGeom prst="rect">
-            <a:avLst/>
-          </a:prstGeom>
-        </p:spPr>
-      </p:pic>
-      <p:pic>
-        <p:nvPicPr>
-          <p:cNvPr id="8" name="Picture 7">
-            <a:extLst>
-              <a:ext uri="{FF2B5EF4-FFF2-40B4-BE49-F238E27FC236}">
-                <a16:creationId xmlns:a16="http://schemas.microsoft.com/office/drawing/2014/main" id="{3EDD1054-A979-4791-B099-B2FCADB8C065}"/>
-              </a:ext>
-            </a:extLst>
-          </p:cNvPr>
-          <p:cNvPicPr>
-            <a:picLocks noChangeAspect="1"/>
-          </p:cNvPicPr>
-          <p:nvPr/>
-        </p:nvPicPr>
-        <p:blipFill>
-          <a:blip r:embed="rId4"/>
-          <a:stretch>
-            <a:fillRect/>
-          </a:stretch>
-        </p:blipFill>
-        <p:spPr>
-          <a:xfrm>
-            <a:off x="3278503" y="2815381"/>
-            <a:ext cx="6398897" cy="1978524"/>
-          </a:xfrm>
-          <a:prstGeom prst="rect">
-            <a:avLst/>
-          </a:prstGeom>
-        </p:spPr>
-      </p:pic>
-      <p:pic>
-        <p:nvPicPr>
           <p:cNvPr id="9" name="Picture 8">
             <a:extLst>
               <a:ext uri="{FF2B5EF4-FFF2-40B4-BE49-F238E27FC236}">
@@ -50088,14 +50644,14 @@
           <p:nvPr/>
         </p:nvPicPr>
         <p:blipFill>
-          <a:blip r:embed="rId5"/>
+          <a:blip r:embed="rId3"/>
           <a:stretch>
             <a:fillRect/>
           </a:stretch>
         </p:blipFill>
         <p:spPr>
           <a:xfrm>
-            <a:off x="1322475" y="526573"/>
+            <a:off x="1720142" y="645521"/>
             <a:ext cx="9547049" cy="5804853"/>
           </a:xfrm>
           <a:prstGeom prst="rect">
@@ -50116,14 +50672,14 @@
           <p:nvPr/>
         </p:nvPicPr>
         <p:blipFill>
-          <a:blip r:embed="rId6"/>
+          <a:blip r:embed="rId4"/>
           <a:stretch>
             <a:fillRect/>
           </a:stretch>
         </p:blipFill>
         <p:spPr>
           <a:xfrm>
-            <a:off x="3361942" y="2583537"/>
+            <a:off x="4012208" y="2914025"/>
             <a:ext cx="5468114" cy="1690923"/>
           </a:xfrm>
           <a:prstGeom prst="rect">
@@ -50144,14 +50700,14 @@
           <p:nvPr/>
         </p:nvPicPr>
         <p:blipFill>
-          <a:blip r:embed="rId7"/>
+          <a:blip r:embed="rId5"/>
           <a:stretch>
             <a:fillRect/>
           </a:stretch>
         </p:blipFill>
         <p:spPr>
           <a:xfrm>
-            <a:off x="1322475" y="526573"/>
+            <a:off x="1692306" y="685800"/>
             <a:ext cx="9459825" cy="5804853"/>
           </a:xfrm>
           <a:prstGeom prst="rect">
@@ -50172,14 +50728,14 @@
           <p:nvPr/>
         </p:nvPicPr>
         <p:blipFill>
-          <a:blip r:embed="rId8"/>
+          <a:blip r:embed="rId6"/>
           <a:stretch>
             <a:fillRect/>
           </a:stretch>
         </p:blipFill>
         <p:spPr>
           <a:xfrm>
-            <a:off x="3828733" y="2511196"/>
+            <a:off x="3776375" y="2671317"/>
             <a:ext cx="4534532" cy="1833818"/>
           </a:xfrm>
           <a:prstGeom prst="rect">
@@ -50373,7 +50929,7 @@
                             </p:stCondLst>
                             <p:childTnLst>
                               <p:par>
-                                <p:cTn id="16" presetID="1" presetClass="entr" presetSubtype="0" fill="hold" nodeType="afterEffect">
+                                <p:cTn id="16" presetID="16" presetClass="entr" presetSubtype="21" fill="hold" nodeType="afterEffect">
                                   <p:stCondLst>
                                     <p:cond delay="0"/>
                                   </p:stCondLst>
@@ -50381,194 +50937,6 @@
                                     <p:set>
                                       <p:cBhvr>
                                         <p:cTn id="17" dur="1" fill="hold">
-                                          <p:stCondLst>
-                                            <p:cond delay="0"/>
-                                          </p:stCondLst>
-                                        </p:cTn>
-                                        <p:tgtEl>
-                                          <p:spTgt spid="6"/>
-                                        </p:tgtEl>
-                                        <p:attrNameLst>
-                                          <p:attrName>style.visibility</p:attrName>
-                                        </p:attrNameLst>
-                                      </p:cBhvr>
-                                      <p:to>
-                                        <p:strVal val="visible"/>
-                                      </p:to>
-                                    </p:set>
-                                  </p:childTnLst>
-                                </p:cTn>
-                              </p:par>
-                            </p:childTnLst>
-                          </p:cTn>
-                        </p:par>
-                      </p:childTnLst>
-                    </p:cTn>
-                  </p:par>
-                  <p:par>
-                    <p:cTn id="18" fill="hold">
-                      <p:stCondLst>
-                        <p:cond delay="indefinite"/>
-                      </p:stCondLst>
-                      <p:childTnLst>
-                        <p:par>
-                          <p:cTn id="19" fill="hold">
-                            <p:stCondLst>
-                              <p:cond delay="0"/>
-                            </p:stCondLst>
-                            <p:childTnLst>
-                              <p:par>
-                                <p:cTn id="20" presetID="42" presetClass="exit" presetSubtype="0" fill="hold" nodeType="clickEffect">
-                                  <p:stCondLst>
-                                    <p:cond delay="0"/>
-                                  </p:stCondLst>
-                                  <p:childTnLst>
-                                    <p:animEffect transition="out" filter="fade">
-                                      <p:cBhvr>
-                                        <p:cTn id="21" dur="500"/>
-                                        <p:tgtEl>
-                                          <p:spTgt spid="6"/>
-                                        </p:tgtEl>
-                                      </p:cBhvr>
-                                    </p:animEffect>
-                                    <p:anim calcmode="lin" valueType="num">
-                                      <p:cBhvr>
-                                        <p:cTn id="22" dur="500"/>
-                                        <p:tgtEl>
-                                          <p:spTgt spid="6"/>
-                                        </p:tgtEl>
-                                        <p:attrNameLst>
-                                          <p:attrName>ppt_x</p:attrName>
-                                        </p:attrNameLst>
-                                      </p:cBhvr>
-                                      <p:tavLst>
-                                        <p:tav tm="0">
-                                          <p:val>
-                                            <p:strVal val="ppt_x"/>
-                                          </p:val>
-                                        </p:tav>
-                                        <p:tav tm="100000">
-                                          <p:val>
-                                            <p:strVal val="ppt_x"/>
-                                          </p:val>
-                                        </p:tav>
-                                      </p:tavLst>
-                                    </p:anim>
-                                    <p:anim calcmode="lin" valueType="num">
-                                      <p:cBhvr>
-                                        <p:cTn id="23" dur="500"/>
-                                        <p:tgtEl>
-                                          <p:spTgt spid="6"/>
-                                        </p:tgtEl>
-                                        <p:attrNameLst>
-                                          <p:attrName>ppt_y</p:attrName>
-                                        </p:attrNameLst>
-                                      </p:cBhvr>
-                                      <p:tavLst>
-                                        <p:tav tm="0">
-                                          <p:val>
-                                            <p:strVal val="ppt_y"/>
-                                          </p:val>
-                                        </p:tav>
-                                        <p:tav tm="100000">
-                                          <p:val>
-                                            <p:strVal val="ppt_y+.1"/>
-                                          </p:val>
-                                        </p:tav>
-                                      </p:tavLst>
-                                    </p:anim>
-                                    <p:set>
-                                      <p:cBhvr>
-                                        <p:cTn id="24" dur="1" fill="hold">
-                                          <p:stCondLst>
-                                            <p:cond delay="499"/>
-                                          </p:stCondLst>
-                                        </p:cTn>
-                                        <p:tgtEl>
-                                          <p:spTgt spid="6"/>
-                                        </p:tgtEl>
-                                        <p:attrNameLst>
-                                          <p:attrName>style.visibility</p:attrName>
-                                        </p:attrNameLst>
-                                      </p:cBhvr>
-                                      <p:to>
-                                        <p:strVal val="hidden"/>
-                                      </p:to>
-                                    </p:set>
-                                  </p:childTnLst>
-                                </p:cTn>
-                              </p:par>
-                            </p:childTnLst>
-                          </p:cTn>
-                        </p:par>
-                        <p:par>
-                          <p:cTn id="25" fill="hold">
-                            <p:stCondLst>
-                              <p:cond delay="500"/>
-                            </p:stCondLst>
-                            <p:childTnLst>
-                              <p:par>
-                                <p:cTn id="26" presetID="22" presetClass="entr" presetSubtype="4" fill="hold" nodeType="afterEffect">
-                                  <p:stCondLst>
-                                    <p:cond delay="0"/>
-                                  </p:stCondLst>
-                                  <p:childTnLst>
-                                    <p:set>
-                                      <p:cBhvr>
-                                        <p:cTn id="27" dur="1" fill="hold">
-                                          <p:stCondLst>
-                                            <p:cond delay="0"/>
-                                          </p:stCondLst>
-                                        </p:cTn>
-                                        <p:tgtEl>
-                                          <p:spTgt spid="8"/>
-                                        </p:tgtEl>
-                                        <p:attrNameLst>
-                                          <p:attrName>style.visibility</p:attrName>
-                                        </p:attrNameLst>
-                                      </p:cBhvr>
-                                      <p:to>
-                                        <p:strVal val="visible"/>
-                                      </p:to>
-                                    </p:set>
-                                    <p:animEffect transition="in" filter="wipe(down)">
-                                      <p:cBhvr>
-                                        <p:cTn id="28" dur="500"/>
-                                        <p:tgtEl>
-                                          <p:spTgt spid="8"/>
-                                        </p:tgtEl>
-                                      </p:cBhvr>
-                                    </p:animEffect>
-                                  </p:childTnLst>
-                                </p:cTn>
-                              </p:par>
-                            </p:childTnLst>
-                          </p:cTn>
-                        </p:par>
-                      </p:childTnLst>
-                    </p:cTn>
-                  </p:par>
-                  <p:par>
-                    <p:cTn id="29" fill="hold">
-                      <p:stCondLst>
-                        <p:cond delay="indefinite"/>
-                      </p:stCondLst>
-                      <p:childTnLst>
-                        <p:par>
-                          <p:cTn id="30" fill="hold">
-                            <p:stCondLst>
-                              <p:cond delay="0"/>
-                            </p:stCondLst>
-                            <p:childTnLst>
-                              <p:par>
-                                <p:cTn id="31" presetID="16" presetClass="entr" presetSubtype="21" fill="hold" nodeType="clickEffect">
-                                  <p:stCondLst>
-                                    <p:cond delay="0"/>
-                                  </p:stCondLst>
-                                  <p:childTnLst>
-                                    <p:set>
-                                      <p:cBhvr>
-                                        <p:cTn id="32" dur="1" fill="hold">
                                           <p:stCondLst>
                                             <p:cond delay="0"/>
                                           </p:stCondLst>
@@ -50586,7 +50954,7 @@
                                     </p:set>
                                     <p:animEffect transition="in" filter="barn(inVertical)">
                                       <p:cBhvr>
-                                        <p:cTn id="33" dur="500"/>
+                                        <p:cTn id="18" dur="500"/>
                                         <p:tgtEl>
                                           <p:spTgt spid="9"/>
                                         </p:tgtEl>
@@ -50602,61 +50970,26 @@
                     </p:cTn>
                   </p:par>
                   <p:par>
-                    <p:cTn id="34" fill="hold">
+                    <p:cTn id="19" fill="hold">
                       <p:stCondLst>
                         <p:cond delay="indefinite"/>
                       </p:stCondLst>
                       <p:childTnLst>
                         <p:par>
-                          <p:cTn id="35" fill="hold">
+                          <p:cTn id="20" fill="hold">
                             <p:stCondLst>
                               <p:cond delay="0"/>
                             </p:stCondLst>
                             <p:childTnLst>
                               <p:par>
-                                <p:cTn id="36" presetID="16" presetClass="exit" presetSubtype="21" fill="hold" nodeType="clickEffect">
+                                <p:cTn id="21" presetID="16" presetClass="exit" presetSubtype="21" fill="hold" nodeType="clickEffect">
                                   <p:stCondLst>
                                     <p:cond delay="0"/>
                                   </p:stCondLst>
                                   <p:childTnLst>
                                     <p:animEffect transition="out" filter="barn(inVertical)">
                                       <p:cBhvr>
-                                        <p:cTn id="37" dur="500"/>
-                                        <p:tgtEl>
-                                          <p:spTgt spid="8"/>
-                                        </p:tgtEl>
-                                      </p:cBhvr>
-                                    </p:animEffect>
-                                    <p:set>
-                                      <p:cBhvr>
-                                        <p:cTn id="38" dur="1" fill="hold">
-                                          <p:stCondLst>
-                                            <p:cond delay="499"/>
-                                          </p:stCondLst>
-                                        </p:cTn>
-                                        <p:tgtEl>
-                                          <p:spTgt spid="8"/>
-                                        </p:tgtEl>
-                                        <p:attrNameLst>
-                                          <p:attrName>style.visibility</p:attrName>
-                                        </p:attrNameLst>
-                                      </p:cBhvr>
-                                      <p:to>
-                                        <p:strVal val="hidden"/>
-                                      </p:to>
-                                    </p:set>
-                                  </p:childTnLst>
-                                </p:cTn>
-                              </p:par>
-                              <p:par>
-                                <p:cTn id="39" presetID="16" presetClass="exit" presetSubtype="21" fill="hold" nodeType="withEffect">
-                                  <p:stCondLst>
-                                    <p:cond delay="0"/>
-                                  </p:stCondLst>
-                                  <p:childTnLst>
-                                    <p:animEffect transition="out" filter="barn(inVertical)">
-                                      <p:cBhvr>
-                                        <p:cTn id="40" dur="500"/>
+                                        <p:cTn id="22" dur="500"/>
                                         <p:tgtEl>
                                           <p:spTgt spid="9"/>
                                         </p:tgtEl>
@@ -50664,7 +50997,7 @@
                                     </p:animEffect>
                                     <p:set>
                                       <p:cBhvr>
-                                        <p:cTn id="41" dur="1" fill="hold">
+                                        <p:cTn id="23" dur="1" fill="hold">
                                           <p:stCondLst>
                                             <p:cond delay="499"/>
                                           </p:stCondLst>
@@ -50687,20 +51020,20 @@
                           </p:cTn>
                         </p:par>
                         <p:par>
-                          <p:cTn id="42" fill="hold">
+                          <p:cTn id="24" fill="hold">
                             <p:stCondLst>
                               <p:cond delay="500"/>
                             </p:stCondLst>
                             <p:childTnLst>
                               <p:par>
-                                <p:cTn id="43" presetID="22" presetClass="entr" presetSubtype="4" fill="hold" nodeType="afterEffect">
+                                <p:cTn id="25" presetID="22" presetClass="entr" presetSubtype="4" fill="hold" nodeType="afterEffect">
                                   <p:stCondLst>
                                     <p:cond delay="0"/>
                                   </p:stCondLst>
                                   <p:childTnLst>
                                     <p:set>
                                       <p:cBhvr>
-                                        <p:cTn id="44" dur="1" fill="hold">
+                                        <p:cTn id="26" dur="1" fill="hold">
                                           <p:stCondLst>
                                             <p:cond delay="0"/>
                                           </p:stCondLst>
@@ -50718,7 +51051,7 @@
                                     </p:set>
                                     <p:animEffect transition="in" filter="wipe(down)">
                                       <p:cBhvr>
-                                        <p:cTn id="45" dur="500"/>
+                                        <p:cTn id="27" dur="500"/>
                                         <p:tgtEl>
                                           <p:spTgt spid="10"/>
                                         </p:tgtEl>
@@ -50734,26 +51067,26 @@
                     </p:cTn>
                   </p:par>
                   <p:par>
-                    <p:cTn id="46" fill="hold">
+                    <p:cTn id="28" fill="hold">
                       <p:stCondLst>
                         <p:cond delay="indefinite"/>
                       </p:stCondLst>
                       <p:childTnLst>
                         <p:par>
-                          <p:cTn id="47" fill="hold">
+                          <p:cTn id="29" fill="hold">
                             <p:stCondLst>
                               <p:cond delay="0"/>
                             </p:stCondLst>
                             <p:childTnLst>
                               <p:par>
-                                <p:cTn id="48" presetID="22" presetClass="exit" presetSubtype="4" fill="hold" nodeType="clickEffect">
+                                <p:cTn id="30" presetID="22" presetClass="exit" presetSubtype="4" fill="hold" nodeType="clickEffect">
                                   <p:stCondLst>
                                     <p:cond delay="0"/>
                                   </p:stCondLst>
                                   <p:childTnLst>
                                     <p:animEffect transition="out" filter="wipe(down)">
                                       <p:cBhvr>
-                                        <p:cTn id="49" dur="500"/>
+                                        <p:cTn id="31" dur="500"/>
                                         <p:tgtEl>
                                           <p:spTgt spid="10"/>
                                         </p:tgtEl>
@@ -50761,7 +51094,7 @@
                                     </p:animEffect>
                                     <p:set>
                                       <p:cBhvr>
-                                        <p:cTn id="50" dur="1" fill="hold">
+                                        <p:cTn id="32" dur="1" fill="hold">
                                           <p:stCondLst>
                                             <p:cond delay="499"/>
                                           </p:stCondLst>
@@ -50784,20 +51117,20 @@
                           </p:cTn>
                         </p:par>
                         <p:par>
-                          <p:cTn id="51" fill="hold">
+                          <p:cTn id="33" fill="hold">
                             <p:stCondLst>
                               <p:cond delay="500"/>
                             </p:stCondLst>
                             <p:childTnLst>
                               <p:par>
-                                <p:cTn id="52" presetID="10" presetClass="entr" presetSubtype="0" fill="hold" nodeType="afterEffect">
+                                <p:cTn id="34" presetID="10" presetClass="entr" presetSubtype="0" fill="hold" nodeType="afterEffect">
                                   <p:stCondLst>
                                     <p:cond delay="0"/>
                                   </p:stCondLst>
                                   <p:childTnLst>
                                     <p:set>
                                       <p:cBhvr>
-                                        <p:cTn id="53" dur="1" fill="hold">
+                                        <p:cTn id="35" dur="1" fill="hold">
                                           <p:stCondLst>
                                             <p:cond delay="0"/>
                                           </p:stCondLst>
@@ -50815,7 +51148,7 @@
                                     </p:set>
                                     <p:animEffect transition="in" filter="fade">
                                       <p:cBhvr>
-                                        <p:cTn id="54" dur="500"/>
+                                        <p:cTn id="36" dur="500"/>
                                         <p:tgtEl>
                                           <p:spTgt spid="11"/>
                                         </p:tgtEl>
@@ -50831,26 +51164,26 @@
                     </p:cTn>
                   </p:par>
                   <p:par>
-                    <p:cTn id="55" fill="hold">
+                    <p:cTn id="37" fill="hold">
                       <p:stCondLst>
                         <p:cond delay="indefinite"/>
                       </p:stCondLst>
                       <p:childTnLst>
                         <p:par>
-                          <p:cTn id="56" fill="hold">
+                          <p:cTn id="38" fill="hold">
                             <p:stCondLst>
                               <p:cond delay="0"/>
                             </p:stCondLst>
                             <p:childTnLst>
                               <p:par>
-                                <p:cTn id="57" presetID="22" presetClass="exit" presetSubtype="4" fill="hold" nodeType="clickEffect">
+                                <p:cTn id="39" presetID="22" presetClass="exit" presetSubtype="4" fill="hold" nodeType="clickEffect">
                                   <p:stCondLst>
                                     <p:cond delay="0"/>
                                   </p:stCondLst>
                                   <p:childTnLst>
                                     <p:animEffect transition="out" filter="wipe(down)">
                                       <p:cBhvr>
-                                        <p:cTn id="58" dur="500"/>
+                                        <p:cTn id="40" dur="500"/>
                                         <p:tgtEl>
                                           <p:spTgt spid="11"/>
                                         </p:tgtEl>
@@ -50858,7 +51191,7 @@
                                     </p:animEffect>
                                     <p:set>
                                       <p:cBhvr>
-                                        <p:cTn id="59" dur="1" fill="hold">
+                                        <p:cTn id="41" dur="1" fill="hold">
                                           <p:stCondLst>
                                             <p:cond delay="499"/>
                                           </p:stCondLst>
@@ -50880,30 +51213,21 @@
                             </p:childTnLst>
                           </p:cTn>
                         </p:par>
-                      </p:childTnLst>
-                    </p:cTn>
-                  </p:par>
-                  <p:par>
-                    <p:cTn id="60" fill="hold">
-                      <p:stCondLst>
-                        <p:cond delay="indefinite"/>
-                      </p:stCondLst>
-                      <p:childTnLst>
                         <p:par>
-                          <p:cTn id="61" fill="hold">
+                          <p:cTn id="42" fill="hold">
                             <p:stCondLst>
-                              <p:cond delay="0"/>
+                              <p:cond delay="500"/>
                             </p:stCondLst>
                             <p:childTnLst>
                               <p:par>
-                                <p:cTn id="62" presetID="14" presetClass="entr" presetSubtype="10" fill="hold" nodeType="clickEffect">
+                                <p:cTn id="43" presetID="14" presetClass="entr" presetSubtype="10" fill="hold" nodeType="afterEffect">
                                   <p:stCondLst>
                                     <p:cond delay="0"/>
                                   </p:stCondLst>
                                   <p:childTnLst>
                                     <p:set>
                                       <p:cBhvr>
-                                        <p:cTn id="63" dur="1" fill="hold">
+                                        <p:cTn id="44" dur="1" fill="hold">
                                           <p:stCondLst>
                                             <p:cond delay="0"/>
                                           </p:stCondLst>
@@ -50921,7 +51245,7 @@
                                     </p:set>
                                     <p:animEffect transition="in" filter="randombar(horizontal)">
                                       <p:cBhvr>
-                                        <p:cTn id="64" dur="500"/>
+                                        <p:cTn id="45" dur="500"/>
                                         <p:tgtEl>
                                           <p:spTgt spid="12"/>
                                         </p:tgtEl>
@@ -52838,15 +53162,6 @@
 </file>
 
 <file path=customXml/item1.xml><?xml version="1.0" encoding="utf-8"?>
-<p:properties xmlns:p="http://schemas.microsoft.com/office/2006/metadata/properties" xmlns:xsi="http://www.w3.org/2001/XMLSchema-instance" xmlns:pc="http://schemas.microsoft.com/office/infopath/2007/PartnerControls">
-  <documentManagement>
-    <Status xmlns="71af3243-3dd4-4a8d-8c0d-dd76da1f02a5">Not started</Status>
-    <MediaServiceKeyPoints xmlns="71af3243-3dd4-4a8d-8c0d-dd76da1f02a5" xsi:nil="true"/>
-  </documentManagement>
-</p:properties>
-</file>
-
-<file path=customXml/item2.xml><?xml version="1.0" encoding="utf-8"?>
 <ct:contentTypeSchema xmlns:ct="http://schemas.microsoft.com/office/2006/metadata/contentType" xmlns:ma="http://schemas.microsoft.com/office/2006/metadata/properties/metaAttributes" ct:_="" ma:_="" ma:contentTypeName="Document" ma:contentTypeID="0x01010079F111ED35F8CC479449609E8A0923A6" ma:contentTypeVersion="12" ma:contentTypeDescription="Create a new document." ma:contentTypeScope="" ma:versionID="a410dd7f93c95333ffa1b60ed6adedd1">
   <xsd:schema xmlns:xsd="http://www.w3.org/2001/XMLSchema" xmlns:xs="http://www.w3.org/2001/XMLSchema" xmlns:p="http://schemas.microsoft.com/office/2006/metadata/properties" xmlns:ns2="71af3243-3dd4-4a8d-8c0d-dd76da1f02a5" xmlns:ns3="16c05727-aa75-4e4a-9b5f-8a80a1165891" targetNamespace="http://schemas.microsoft.com/office/2006/metadata/properties" ma:root="true" ma:fieldsID="a936d9baba76aa3866493feff160faab" ns2:_="" ns3:_="">
     <xsd:import namespace="71af3243-3dd4-4a8d-8c0d-dd76da1f02a5"/>
@@ -53067,6 +53382,15 @@
 </ct:contentTypeSchema>
 </file>
 
+<file path=customXml/item2.xml><?xml version="1.0" encoding="utf-8"?>
+<p:properties xmlns:p="http://schemas.microsoft.com/office/2006/metadata/properties" xmlns:xsi="http://www.w3.org/2001/XMLSchema-instance" xmlns:pc="http://schemas.microsoft.com/office/infopath/2007/PartnerControls">
+  <documentManagement>
+    <Status xmlns="71af3243-3dd4-4a8d-8c0d-dd76da1f02a5">Not started</Status>
+    <MediaServiceKeyPoints xmlns="71af3243-3dd4-4a8d-8c0d-dd76da1f02a5" xsi:nil="true"/>
+  </documentManagement>
+</p:properties>
+</file>
+
 <file path=customXml/item3.xml><?xml version="1.0" encoding="utf-8"?>
 <?mso-contentType ?>
 <FormTemplates xmlns="http://schemas.microsoft.com/sharepoint/v3/contenttype/forms">
@@ -53077,16 +53401,6 @@
 </file>
 
 <file path=customXml/itemProps1.xml><?xml version="1.0" encoding="utf-8"?>
-<ds:datastoreItem xmlns:ds="http://schemas.openxmlformats.org/officeDocument/2006/customXml" ds:itemID="{8D289AE2-D2AE-49D1-AFAC-3A79F6794255}">
-  <ds:schemaRefs>
-    <ds:schemaRef ds:uri="http://schemas.microsoft.com/office/2006/metadata/properties"/>
-    <ds:schemaRef ds:uri="http://schemas.microsoft.com/office/infopath/2007/PartnerControls"/>
-    <ds:schemaRef ds:uri="71af3243-3dd4-4a8d-8c0d-dd76da1f02a5"/>
-  </ds:schemaRefs>
-</ds:datastoreItem>
-</file>
-
-<file path=customXml/itemProps2.xml><?xml version="1.0" encoding="utf-8"?>
 <ds:datastoreItem xmlns:ds="http://schemas.openxmlformats.org/officeDocument/2006/customXml" ds:itemID="{41E7CA09-9778-4414-AE97-8064B12DA30E}">
   <ds:schemaRefs>
     <ds:schemaRef ds:uri="http://schemas.microsoft.com/office/2006/metadata/contentType"/>
@@ -53105,6 +53419,16 @@
 </ds:datastoreItem>
 </file>
 
+<file path=customXml/itemProps2.xml><?xml version="1.0" encoding="utf-8"?>
+<ds:datastoreItem xmlns:ds="http://schemas.openxmlformats.org/officeDocument/2006/customXml" ds:itemID="{8D289AE2-D2AE-49D1-AFAC-3A79F6794255}">
+  <ds:schemaRefs>
+    <ds:schemaRef ds:uri="http://schemas.microsoft.com/office/2006/metadata/properties"/>
+    <ds:schemaRef ds:uri="http://schemas.microsoft.com/office/infopath/2007/PartnerControls"/>
+    <ds:schemaRef ds:uri="71af3243-3dd4-4a8d-8c0d-dd76da1f02a5"/>
+  </ds:schemaRefs>
+</ds:datastoreItem>
+</file>
+
 <file path=customXml/itemProps3.xml><?xml version="1.0" encoding="utf-8"?>
 <ds:datastoreItem xmlns:ds="http://schemas.openxmlformats.org/officeDocument/2006/customXml" ds:itemID="{927BD4C1-B6B1-4715-ABF9-E660A51A4EA0}">
   <ds:schemaRefs>

--- a/Report/VDQ_TNL_MuaSamTrucTuyen.pptx
+++ b/Report/VDQ_TNL_MuaSamTrucTuyen.pptx
@@ -45031,7 +45031,7 @@
                 <a:ea typeface="Times New Roman" panose="02020603050405020304" pitchFamily="18" charset="0"/>
                 <a:cs typeface="Times New Roman" panose="02020603050405020304" pitchFamily="18" charset="0"/>
               </a:rPr>
-              <a:t>Đối với dữ liệu về lịch sử thanh toán nhóm đã phân tích và xác định:</a:t>
+              <a:t>Đối với dữ liệu về lịch sử thanh toán:</a:t>
             </a:r>
           </a:p>
           <a:p>
@@ -53162,6 +53162,15 @@
 </file>
 
 <file path=customXml/item1.xml><?xml version="1.0" encoding="utf-8"?>
+<p:properties xmlns:p="http://schemas.microsoft.com/office/2006/metadata/properties" xmlns:xsi="http://www.w3.org/2001/XMLSchema-instance" xmlns:pc="http://schemas.microsoft.com/office/infopath/2007/PartnerControls">
+  <documentManagement>
+    <Status xmlns="71af3243-3dd4-4a8d-8c0d-dd76da1f02a5">Not started</Status>
+    <MediaServiceKeyPoints xmlns="71af3243-3dd4-4a8d-8c0d-dd76da1f02a5" xsi:nil="true"/>
+  </documentManagement>
+</p:properties>
+</file>
+
+<file path=customXml/item2.xml><?xml version="1.0" encoding="utf-8"?>
 <ct:contentTypeSchema xmlns:ct="http://schemas.microsoft.com/office/2006/metadata/contentType" xmlns:ma="http://schemas.microsoft.com/office/2006/metadata/properties/metaAttributes" ct:_="" ma:_="" ma:contentTypeName="Document" ma:contentTypeID="0x01010079F111ED35F8CC479449609E8A0923A6" ma:contentTypeVersion="12" ma:contentTypeDescription="Create a new document." ma:contentTypeScope="" ma:versionID="a410dd7f93c95333ffa1b60ed6adedd1">
   <xsd:schema xmlns:xsd="http://www.w3.org/2001/XMLSchema" xmlns:xs="http://www.w3.org/2001/XMLSchema" xmlns:p="http://schemas.microsoft.com/office/2006/metadata/properties" xmlns:ns2="71af3243-3dd4-4a8d-8c0d-dd76da1f02a5" xmlns:ns3="16c05727-aa75-4e4a-9b5f-8a80a1165891" targetNamespace="http://schemas.microsoft.com/office/2006/metadata/properties" ma:root="true" ma:fieldsID="a936d9baba76aa3866493feff160faab" ns2:_="" ns3:_="">
     <xsd:import namespace="71af3243-3dd4-4a8d-8c0d-dd76da1f02a5"/>
@@ -53382,15 +53391,6 @@
 </ct:contentTypeSchema>
 </file>
 
-<file path=customXml/item2.xml><?xml version="1.0" encoding="utf-8"?>
-<p:properties xmlns:p="http://schemas.microsoft.com/office/2006/metadata/properties" xmlns:xsi="http://www.w3.org/2001/XMLSchema-instance" xmlns:pc="http://schemas.microsoft.com/office/infopath/2007/PartnerControls">
-  <documentManagement>
-    <Status xmlns="71af3243-3dd4-4a8d-8c0d-dd76da1f02a5">Not started</Status>
-    <MediaServiceKeyPoints xmlns="71af3243-3dd4-4a8d-8c0d-dd76da1f02a5" xsi:nil="true"/>
-  </documentManagement>
-</p:properties>
-</file>
-
 <file path=customXml/item3.xml><?xml version="1.0" encoding="utf-8"?>
 <?mso-contentType ?>
 <FormTemplates xmlns="http://schemas.microsoft.com/sharepoint/v3/contenttype/forms">
@@ -53401,6 +53401,16 @@
 </file>
 
 <file path=customXml/itemProps1.xml><?xml version="1.0" encoding="utf-8"?>
+<ds:datastoreItem xmlns:ds="http://schemas.openxmlformats.org/officeDocument/2006/customXml" ds:itemID="{8D289AE2-D2AE-49D1-AFAC-3A79F6794255}">
+  <ds:schemaRefs>
+    <ds:schemaRef ds:uri="http://schemas.microsoft.com/office/2006/metadata/properties"/>
+    <ds:schemaRef ds:uri="http://schemas.microsoft.com/office/infopath/2007/PartnerControls"/>
+    <ds:schemaRef ds:uri="71af3243-3dd4-4a8d-8c0d-dd76da1f02a5"/>
+  </ds:schemaRefs>
+</ds:datastoreItem>
+</file>
+
+<file path=customXml/itemProps2.xml><?xml version="1.0" encoding="utf-8"?>
 <ds:datastoreItem xmlns:ds="http://schemas.openxmlformats.org/officeDocument/2006/customXml" ds:itemID="{41E7CA09-9778-4414-AE97-8064B12DA30E}">
   <ds:schemaRefs>
     <ds:schemaRef ds:uri="http://schemas.microsoft.com/office/2006/metadata/contentType"/>
@@ -53419,16 +53429,6 @@
 </ds:datastoreItem>
 </file>
 
-<file path=customXml/itemProps2.xml><?xml version="1.0" encoding="utf-8"?>
-<ds:datastoreItem xmlns:ds="http://schemas.openxmlformats.org/officeDocument/2006/customXml" ds:itemID="{8D289AE2-D2AE-49D1-AFAC-3A79F6794255}">
-  <ds:schemaRefs>
-    <ds:schemaRef ds:uri="http://schemas.microsoft.com/office/2006/metadata/properties"/>
-    <ds:schemaRef ds:uri="http://schemas.microsoft.com/office/infopath/2007/PartnerControls"/>
-    <ds:schemaRef ds:uri="71af3243-3dd4-4a8d-8c0d-dd76da1f02a5"/>
-  </ds:schemaRefs>
-</ds:datastoreItem>
-</file>
-
 <file path=customXml/itemProps3.xml><?xml version="1.0" encoding="utf-8"?>
 <ds:datastoreItem xmlns:ds="http://schemas.openxmlformats.org/officeDocument/2006/customXml" ds:itemID="{927BD4C1-B6B1-4715-ABF9-E660A51A4EA0}">
   <ds:schemaRefs>

--- a/Report/VDQ_TNL_MuaSamTrucTuyen.pptx
+++ b/Report/VDQ_TNL_MuaSamTrucTuyen.pptx
@@ -47016,7 +47016,7 @@
                   <a:ea typeface="Tahoma" panose="020B0604030504040204" pitchFamily="34" charset="0"/>
                   <a:cs typeface="Tahoma" panose="020B0604030504040204" pitchFamily="34" charset="0"/>
                 </a:rPr>
-                <a:t>Bộ dữ liệu mới OrderDF</a:t>
+                <a:t>Bộ dữ liệu mới từ OrderDF</a:t>
               </a:r>
               <a:endParaRPr lang="vi-VN">
                 <a:latin typeface="Tahoma" panose="020B0604030504040204" pitchFamily="34" charset="0"/>
@@ -53162,15 +53162,6 @@
 </file>
 
 <file path=customXml/item1.xml><?xml version="1.0" encoding="utf-8"?>
-<p:properties xmlns:p="http://schemas.microsoft.com/office/2006/metadata/properties" xmlns:xsi="http://www.w3.org/2001/XMLSchema-instance" xmlns:pc="http://schemas.microsoft.com/office/infopath/2007/PartnerControls">
-  <documentManagement>
-    <Status xmlns="71af3243-3dd4-4a8d-8c0d-dd76da1f02a5">Not started</Status>
-    <MediaServiceKeyPoints xmlns="71af3243-3dd4-4a8d-8c0d-dd76da1f02a5" xsi:nil="true"/>
-  </documentManagement>
-</p:properties>
-</file>
-
-<file path=customXml/item2.xml><?xml version="1.0" encoding="utf-8"?>
 <ct:contentTypeSchema xmlns:ct="http://schemas.microsoft.com/office/2006/metadata/contentType" xmlns:ma="http://schemas.microsoft.com/office/2006/metadata/properties/metaAttributes" ct:_="" ma:_="" ma:contentTypeName="Document" ma:contentTypeID="0x01010079F111ED35F8CC479449609E8A0923A6" ma:contentTypeVersion="12" ma:contentTypeDescription="Create a new document." ma:contentTypeScope="" ma:versionID="a410dd7f93c95333ffa1b60ed6adedd1">
   <xsd:schema xmlns:xsd="http://www.w3.org/2001/XMLSchema" xmlns:xs="http://www.w3.org/2001/XMLSchema" xmlns:p="http://schemas.microsoft.com/office/2006/metadata/properties" xmlns:ns2="71af3243-3dd4-4a8d-8c0d-dd76da1f02a5" xmlns:ns3="16c05727-aa75-4e4a-9b5f-8a80a1165891" targetNamespace="http://schemas.microsoft.com/office/2006/metadata/properties" ma:root="true" ma:fieldsID="a936d9baba76aa3866493feff160faab" ns2:_="" ns3:_="">
     <xsd:import namespace="71af3243-3dd4-4a8d-8c0d-dd76da1f02a5"/>
@@ -53391,6 +53382,15 @@
 </ct:contentTypeSchema>
 </file>
 
+<file path=customXml/item2.xml><?xml version="1.0" encoding="utf-8"?>
+<p:properties xmlns:p="http://schemas.microsoft.com/office/2006/metadata/properties" xmlns:xsi="http://www.w3.org/2001/XMLSchema-instance" xmlns:pc="http://schemas.microsoft.com/office/infopath/2007/PartnerControls">
+  <documentManagement>
+    <Status xmlns="71af3243-3dd4-4a8d-8c0d-dd76da1f02a5">Not started</Status>
+    <MediaServiceKeyPoints xmlns="71af3243-3dd4-4a8d-8c0d-dd76da1f02a5" xsi:nil="true"/>
+  </documentManagement>
+</p:properties>
+</file>
+
 <file path=customXml/item3.xml><?xml version="1.0" encoding="utf-8"?>
 <?mso-contentType ?>
 <FormTemplates xmlns="http://schemas.microsoft.com/sharepoint/v3/contenttype/forms">
@@ -53401,16 +53401,6 @@
 </file>
 
 <file path=customXml/itemProps1.xml><?xml version="1.0" encoding="utf-8"?>
-<ds:datastoreItem xmlns:ds="http://schemas.openxmlformats.org/officeDocument/2006/customXml" ds:itemID="{8D289AE2-D2AE-49D1-AFAC-3A79F6794255}">
-  <ds:schemaRefs>
-    <ds:schemaRef ds:uri="http://schemas.microsoft.com/office/2006/metadata/properties"/>
-    <ds:schemaRef ds:uri="http://schemas.microsoft.com/office/infopath/2007/PartnerControls"/>
-    <ds:schemaRef ds:uri="71af3243-3dd4-4a8d-8c0d-dd76da1f02a5"/>
-  </ds:schemaRefs>
-</ds:datastoreItem>
-</file>
-
-<file path=customXml/itemProps2.xml><?xml version="1.0" encoding="utf-8"?>
 <ds:datastoreItem xmlns:ds="http://schemas.openxmlformats.org/officeDocument/2006/customXml" ds:itemID="{41E7CA09-9778-4414-AE97-8064B12DA30E}">
   <ds:schemaRefs>
     <ds:schemaRef ds:uri="http://schemas.microsoft.com/office/2006/metadata/contentType"/>
@@ -53429,6 +53419,16 @@
 </ds:datastoreItem>
 </file>
 
+<file path=customXml/itemProps2.xml><?xml version="1.0" encoding="utf-8"?>
+<ds:datastoreItem xmlns:ds="http://schemas.openxmlformats.org/officeDocument/2006/customXml" ds:itemID="{8D289AE2-D2AE-49D1-AFAC-3A79F6794255}">
+  <ds:schemaRefs>
+    <ds:schemaRef ds:uri="http://schemas.microsoft.com/office/2006/metadata/properties"/>
+    <ds:schemaRef ds:uri="http://schemas.microsoft.com/office/infopath/2007/PartnerControls"/>
+    <ds:schemaRef ds:uri="71af3243-3dd4-4a8d-8c0d-dd76da1f02a5"/>
+  </ds:schemaRefs>
+</ds:datastoreItem>
+</file>
+
 <file path=customXml/itemProps3.xml><?xml version="1.0" encoding="utf-8"?>
 <ds:datastoreItem xmlns:ds="http://schemas.openxmlformats.org/officeDocument/2006/customXml" ds:itemID="{927BD4C1-B6B1-4715-ABF9-E660A51A4EA0}">
   <ds:schemaRefs>
